--- a/Оптимальная методика локации донной станции.pptx
+++ b/Оптимальная методика локации донной станции.pptx
@@ -2,20 +2,28 @@
 <file path=ppt/presentation.xml><?xml version="1.0" encoding="utf-8"?>
 <p:presentation xmlns:a="http://schemas.openxmlformats.org/drawingml/2006/main" xmlns:r="http://schemas.openxmlformats.org/officeDocument/2006/relationships" xmlns:p="http://schemas.openxmlformats.org/presentationml/2006/main" saveSubsetFonts="1">
   <p:sldMasterIdLst>
-    <p:sldMasterId id="2147483648" r:id="rId1"/>
+    <p:sldMasterId id="2147483780" r:id="rId1"/>
   </p:sldMasterIdLst>
   <p:sldIdLst>
     <p:sldId id="256" r:id="rId2"/>
     <p:sldId id="257" r:id="rId3"/>
-    <p:sldId id="258" r:id="rId4"/>
+    <p:sldId id="259" r:id="rId4"/>
+    <p:sldId id="258" r:id="rId5"/>
+    <p:sldId id="260" r:id="rId6"/>
+    <p:sldId id="261" r:id="rId7"/>
+    <p:sldId id="262" r:id="rId8"/>
+    <p:sldId id="263" r:id="rId9"/>
+    <p:sldId id="264" r:id="rId10"/>
+    <p:sldId id="265" r:id="rId11"/>
+    <p:sldId id="266" r:id="rId12"/>
   </p:sldIdLst>
   <p:sldSz cx="12192000" cy="6858000"/>
   <p:notesSz cx="6858000" cy="9144000"/>
   <p:defaultTextStyle>
     <a:defPPr>
-      <a:defRPr lang="ru-RU"/>
+      <a:defRPr lang="en-US"/>
     </a:defPPr>
-    <a:lvl1pPr marL="0" algn="l" defTabSz="914400" rtl="0" eaLnBrk="1" latinLnBrk="0" hangingPunct="1">
+    <a:lvl1pPr marL="0" algn="l" defTabSz="457200" rtl="0" eaLnBrk="1" latinLnBrk="0" hangingPunct="1">
       <a:defRPr sz="1800" kern="1200">
         <a:solidFill>
           <a:schemeClr val="tx1"/>
@@ -25,7 +33,7 @@
         <a:cs typeface="+mn-cs"/>
       </a:defRPr>
     </a:lvl1pPr>
-    <a:lvl2pPr marL="457200" algn="l" defTabSz="914400" rtl="0" eaLnBrk="1" latinLnBrk="0" hangingPunct="1">
+    <a:lvl2pPr marL="457200" algn="l" defTabSz="457200" rtl="0" eaLnBrk="1" latinLnBrk="0" hangingPunct="1">
       <a:defRPr sz="1800" kern="1200">
         <a:solidFill>
           <a:schemeClr val="tx1"/>
@@ -35,7 +43,7 @@
         <a:cs typeface="+mn-cs"/>
       </a:defRPr>
     </a:lvl2pPr>
-    <a:lvl3pPr marL="914400" algn="l" defTabSz="914400" rtl="0" eaLnBrk="1" latinLnBrk="0" hangingPunct="1">
+    <a:lvl3pPr marL="914400" algn="l" defTabSz="457200" rtl="0" eaLnBrk="1" latinLnBrk="0" hangingPunct="1">
       <a:defRPr sz="1800" kern="1200">
         <a:solidFill>
           <a:schemeClr val="tx1"/>
@@ -45,7 +53,7 @@
         <a:cs typeface="+mn-cs"/>
       </a:defRPr>
     </a:lvl3pPr>
-    <a:lvl4pPr marL="1371600" algn="l" defTabSz="914400" rtl="0" eaLnBrk="1" latinLnBrk="0" hangingPunct="1">
+    <a:lvl4pPr marL="1371600" algn="l" defTabSz="457200" rtl="0" eaLnBrk="1" latinLnBrk="0" hangingPunct="1">
       <a:defRPr sz="1800" kern="1200">
         <a:solidFill>
           <a:schemeClr val="tx1"/>
@@ -55,7 +63,7 @@
         <a:cs typeface="+mn-cs"/>
       </a:defRPr>
     </a:lvl4pPr>
-    <a:lvl5pPr marL="1828800" algn="l" defTabSz="914400" rtl="0" eaLnBrk="1" latinLnBrk="0" hangingPunct="1">
+    <a:lvl5pPr marL="1828800" algn="l" defTabSz="457200" rtl="0" eaLnBrk="1" latinLnBrk="0" hangingPunct="1">
       <a:defRPr sz="1800" kern="1200">
         <a:solidFill>
           <a:schemeClr val="tx1"/>
@@ -65,7 +73,7 @@
         <a:cs typeface="+mn-cs"/>
       </a:defRPr>
     </a:lvl5pPr>
-    <a:lvl6pPr marL="2286000" algn="l" defTabSz="914400" rtl="0" eaLnBrk="1" latinLnBrk="0" hangingPunct="1">
+    <a:lvl6pPr marL="2286000" algn="l" defTabSz="457200" rtl="0" eaLnBrk="1" latinLnBrk="0" hangingPunct="1">
       <a:defRPr sz="1800" kern="1200">
         <a:solidFill>
           <a:schemeClr val="tx1"/>
@@ -75,7 +83,7 @@
         <a:cs typeface="+mn-cs"/>
       </a:defRPr>
     </a:lvl6pPr>
-    <a:lvl7pPr marL="2743200" algn="l" defTabSz="914400" rtl="0" eaLnBrk="1" latinLnBrk="0" hangingPunct="1">
+    <a:lvl7pPr marL="2743200" algn="l" defTabSz="457200" rtl="0" eaLnBrk="1" latinLnBrk="0" hangingPunct="1">
       <a:defRPr sz="1800" kern="1200">
         <a:solidFill>
           <a:schemeClr val="tx1"/>
@@ -85,7 +93,7 @@
         <a:cs typeface="+mn-cs"/>
       </a:defRPr>
     </a:lvl7pPr>
-    <a:lvl8pPr marL="3200400" algn="l" defTabSz="914400" rtl="0" eaLnBrk="1" latinLnBrk="0" hangingPunct="1">
+    <a:lvl8pPr marL="3200400" algn="l" defTabSz="457200" rtl="0" eaLnBrk="1" latinLnBrk="0" hangingPunct="1">
       <a:defRPr sz="1800" kern="1200">
         <a:solidFill>
           <a:schemeClr val="tx1"/>
@@ -95,7 +103,7 @@
         <a:cs typeface="+mn-cs"/>
       </a:defRPr>
     </a:lvl8pPr>
-    <a:lvl9pPr marL="3657600" algn="l" defTabSz="914400" rtl="0" eaLnBrk="1" latinLnBrk="0" hangingPunct="1">
+    <a:lvl9pPr marL="3657600" algn="l" defTabSz="457200" rtl="0" eaLnBrk="1" latinLnBrk="0" hangingPunct="1">
       <a:defRPr sz="1800" kern="1200">
         <a:solidFill>
           <a:schemeClr val="tx1"/>
@@ -106,12 +114,25 @@
       </a:defRPr>
     </a:lvl9pPr>
   </p:defaultTextStyle>
+  <p:extLst>
+    <p:ext uri="{EFAFB233-063F-42B5-8137-9DF3F51BA10A}">
+      <p15:sldGuideLst xmlns:p15="http://schemas.microsoft.com/office/powerpoint/2012/main"/>
+    </p:ext>
+  </p:extLst>
 </p:presentation>
 </file>
 
 <file path=ppt/slideLayouts/slideLayout1.xml><?xml version="1.0" encoding="utf-8"?>
 <p:sldLayout xmlns:a="http://schemas.openxmlformats.org/drawingml/2006/main" xmlns:r="http://schemas.openxmlformats.org/officeDocument/2006/relationships" xmlns:p="http://schemas.openxmlformats.org/presentationml/2006/main" type="title" preserve="1">
   <p:cSld name="Титульный слайд">
+    <p:bg>
+      <p:bgPr>
+        <a:solidFill>
+          <a:schemeClr val="accent1"/>
+        </a:solidFill>
+        <a:effectLst/>
+      </p:bgPr>
+    </p:bg>
     <p:spTree>
       <p:nvGrpSpPr>
         <p:cNvPr id="1" name=""/>
@@ -128,31 +149,69 @@
       </p:grpSpPr>
       <p:sp>
         <p:nvSpPr>
-          <p:cNvPr id="2" name="Заголовок 1">
-            <a:extLst>
-              <a:ext uri="{FF2B5EF4-FFF2-40B4-BE49-F238E27FC236}">
-                <a16:creationId xmlns:a16="http://schemas.microsoft.com/office/drawing/2014/main" id="{009A2551-FBC5-46FC-B9D2-013FCF5A1367}"/>
-              </a:ext>
-            </a:extLst>
-          </p:cNvPr>
-          <p:cNvSpPr>
-            <a:spLocks noGrp="1"/>
-          </p:cNvSpPr>
-          <p:nvPr>
-            <p:ph type="ctrTitle"/>
-          </p:nvPr>
+          <p:cNvPr id="4" name="Rectangle 3"/>
+          <p:cNvSpPr/>
+          <p:nvPr/>
         </p:nvSpPr>
         <p:spPr>
           <a:xfrm>
-            <a:off x="1524000" y="1122363"/>
-            <a:ext cx="9144000" cy="2387600"/>
+            <a:off x="0" y="0"/>
+            <a:ext cx="12192000" cy="6858000"/>
+          </a:xfrm>
+          <a:prstGeom prst="rect">
+            <a:avLst/>
+          </a:prstGeom>
+          <a:ln>
+            <a:noFill/>
+          </a:ln>
+        </p:spPr>
+        <p:style>
+          <a:lnRef idx="2">
+            <a:schemeClr val="accent1">
+              <a:shade val="50000"/>
+            </a:schemeClr>
+          </a:lnRef>
+          <a:fillRef idx="1">
+            <a:schemeClr val="accent1"/>
+          </a:fillRef>
+          <a:effectRef idx="0">
+            <a:schemeClr val="accent1"/>
+          </a:effectRef>
+          <a:fontRef idx="minor">
+            <a:schemeClr val="lt1"/>
+          </a:fontRef>
+        </p:style>
+      </p:sp>
+      <p:sp>
+        <p:nvSpPr>
+          <p:cNvPr id="2" name="Title 1"/>
+          <p:cNvSpPr>
+            <a:spLocks noGrp="1"/>
+          </p:cNvSpPr>
+          <p:nvPr>
+            <p:ph type="ctrTitle"/>
+          </p:nvPr>
+        </p:nvSpPr>
+        <p:spPr>
+          <a:xfrm>
+            <a:off x="603504" y="770467"/>
+            <a:ext cx="10782300" cy="3352800"/>
           </a:xfrm>
         </p:spPr>
         <p:txBody>
-          <a:bodyPr anchor="b"/>
+          <a:bodyPr anchor="b">
+            <a:noAutofit/>
+          </a:bodyPr>
           <a:lstStyle>
-            <a:lvl1pPr algn="ctr">
-              <a:defRPr sz="6000"/>
+            <a:lvl1pPr algn="l">
+              <a:lnSpc>
+                <a:spcPct val="80000"/>
+              </a:lnSpc>
+              <a:defRPr sz="8800" spc="-120" baseline="0">
+                <a:solidFill>
+                  <a:srgbClr val="FFFFFF"/>
+                </a:solidFill>
+              </a:defRPr>
             </a:lvl1pPr>
           </a:lstStyle>
           <a:p>
@@ -160,18 +219,13 @@
               <a:rPr lang="ru-RU"/>
               <a:t>Образец заголовка</a:t>
             </a:r>
-          </a:p>
-        </p:txBody>
-      </p:sp>
-      <p:sp>
-        <p:nvSpPr>
-          <p:cNvPr id="3" name="Подзаголовок 2">
-            <a:extLst>
-              <a:ext uri="{FF2B5EF4-FFF2-40B4-BE49-F238E27FC236}">
-                <a16:creationId xmlns:a16="http://schemas.microsoft.com/office/drawing/2014/main" id="{15C09913-FC69-4CC2-AE20-66E33C59E312}"/>
-              </a:ext>
-            </a:extLst>
-          </p:cNvPr>
+            <a:endParaRPr lang="en-US" dirty="0"/>
+          </a:p>
+        </p:txBody>
+      </p:sp>
+      <p:sp>
+        <p:nvSpPr>
+          <p:cNvPr id="3" name="Subtitle 2"/>
           <p:cNvSpPr>
             <a:spLocks noGrp="1"/>
           </p:cNvSpPr>
@@ -181,78 +235,90 @@
         </p:nvSpPr>
         <p:spPr>
           <a:xfrm>
-            <a:off x="1524000" y="3602038"/>
-            <a:ext cx="9144000" cy="1655762"/>
+            <a:off x="667512" y="4206876"/>
+            <a:ext cx="9228201" cy="1645920"/>
           </a:xfrm>
         </p:spPr>
         <p:txBody>
+          <a:bodyPr>
+            <a:normAutofit/>
+          </a:bodyPr>
+          <a:lstStyle>
+            <a:lvl1pPr marL="0" indent="0" algn="l">
+              <a:buNone/>
+              <a:defRPr sz="3200">
+                <a:solidFill>
+                  <a:srgbClr val="262626"/>
+                </a:solidFill>
+                <a:latin typeface="+mj-lt"/>
+              </a:defRPr>
+            </a:lvl1pPr>
+            <a:lvl2pPr marL="457200" indent="0" algn="ctr">
+              <a:buNone/>
+              <a:defRPr sz="2800"/>
+            </a:lvl2pPr>
+            <a:lvl3pPr marL="914400" indent="0" algn="ctr">
+              <a:buNone/>
+              <a:defRPr sz="2400"/>
+            </a:lvl3pPr>
+            <a:lvl4pPr marL="1371600" indent="0" algn="ctr">
+              <a:buNone/>
+              <a:defRPr sz="2000"/>
+            </a:lvl4pPr>
+            <a:lvl5pPr marL="1828800" indent="0" algn="ctr">
+              <a:buNone/>
+              <a:defRPr sz="2000"/>
+            </a:lvl5pPr>
+            <a:lvl6pPr marL="2286000" indent="0" algn="ctr">
+              <a:buNone/>
+              <a:defRPr sz="2000"/>
+            </a:lvl6pPr>
+            <a:lvl7pPr marL="2743200" indent="0" algn="ctr">
+              <a:buNone/>
+              <a:defRPr sz="2000"/>
+            </a:lvl7pPr>
+            <a:lvl8pPr marL="3200400" indent="0" algn="ctr">
+              <a:buNone/>
+              <a:defRPr sz="2000"/>
+            </a:lvl8pPr>
+            <a:lvl9pPr marL="3657600" indent="0" algn="ctr">
+              <a:buNone/>
+              <a:defRPr sz="2000"/>
+            </a:lvl9pPr>
+          </a:lstStyle>
+          <a:p>
+            <a:r>
+              <a:rPr lang="ru-RU"/>
+              <a:t>Образец подзаголовка</a:t>
+            </a:r>
+            <a:endParaRPr lang="en-US" dirty="0"/>
+          </a:p>
+        </p:txBody>
+      </p:sp>
+      <p:sp>
+        <p:nvSpPr>
+          <p:cNvPr id="7" name="Date Placeholder 6"/>
+          <p:cNvSpPr>
+            <a:spLocks noGrp="1"/>
+          </p:cNvSpPr>
+          <p:nvPr>
+            <p:ph type="dt" sz="half" idx="10"/>
+          </p:nvPr>
+        </p:nvSpPr>
+        <p:spPr/>
+        <p:txBody>
           <a:bodyPr/>
           <a:lstStyle>
-            <a:lvl1pPr marL="0" indent="0" algn="ctr">
-              <a:buNone/>
-              <a:defRPr sz="2400"/>
+            <a:lvl1pPr>
+              <a:defRPr>
+                <a:solidFill>
+                  <a:srgbClr val="FFFFFF">
+                    <a:alpha val="80000"/>
+                  </a:srgbClr>
+                </a:solidFill>
+              </a:defRPr>
             </a:lvl1pPr>
-            <a:lvl2pPr marL="457200" indent="0" algn="ctr">
-              <a:buNone/>
-              <a:defRPr sz="2000"/>
-            </a:lvl2pPr>
-            <a:lvl3pPr marL="914400" indent="0" algn="ctr">
-              <a:buNone/>
-              <a:defRPr sz="1800"/>
-            </a:lvl3pPr>
-            <a:lvl4pPr marL="1371600" indent="0" algn="ctr">
-              <a:buNone/>
-              <a:defRPr sz="1600"/>
-            </a:lvl4pPr>
-            <a:lvl5pPr marL="1828800" indent="0" algn="ctr">
-              <a:buNone/>
-              <a:defRPr sz="1600"/>
-            </a:lvl5pPr>
-            <a:lvl6pPr marL="2286000" indent="0" algn="ctr">
-              <a:buNone/>
-              <a:defRPr sz="1600"/>
-            </a:lvl6pPr>
-            <a:lvl7pPr marL="2743200" indent="0" algn="ctr">
-              <a:buNone/>
-              <a:defRPr sz="1600"/>
-            </a:lvl7pPr>
-            <a:lvl8pPr marL="3200400" indent="0" algn="ctr">
-              <a:buNone/>
-              <a:defRPr sz="1600"/>
-            </a:lvl8pPr>
-            <a:lvl9pPr marL="3657600" indent="0" algn="ctr">
-              <a:buNone/>
-              <a:defRPr sz="1600"/>
-            </a:lvl9pPr>
           </a:lstStyle>
-          <a:p>
-            <a:r>
-              <a:rPr lang="ru-RU"/>
-              <a:t>Образец подзаголовка</a:t>
-            </a:r>
-          </a:p>
-        </p:txBody>
-      </p:sp>
-      <p:sp>
-        <p:nvSpPr>
-          <p:cNvPr id="4" name="Дата 3">
-            <a:extLst>
-              <a:ext uri="{FF2B5EF4-FFF2-40B4-BE49-F238E27FC236}">
-                <a16:creationId xmlns:a16="http://schemas.microsoft.com/office/drawing/2014/main" id="{6C23C54A-97BA-4AD4-9CF4-9BF76A3C917F}"/>
-              </a:ext>
-            </a:extLst>
-          </p:cNvPr>
-          <p:cNvSpPr>
-            <a:spLocks noGrp="1"/>
-          </p:cNvSpPr>
-          <p:nvPr>
-            <p:ph type="dt" sz="half" idx="10"/>
-          </p:nvPr>
-        </p:nvSpPr>
-        <p:spPr/>
-        <p:txBody>
-          <a:bodyPr/>
-          <a:lstStyle/>
           <a:p>
             <a:fld id="{7CFF64DE-29A8-43EF-B00D-41A8FD2DB53C}" type="datetimeFigureOut">
               <a:rPr lang="ru-RU" smtClean="0"/>
@@ -264,13 +330,7 @@
       </p:sp>
       <p:sp>
         <p:nvSpPr>
-          <p:cNvPr id="5" name="Нижний колонтитул 4">
-            <a:extLst>
-              <a:ext uri="{FF2B5EF4-FFF2-40B4-BE49-F238E27FC236}">
-                <a16:creationId xmlns:a16="http://schemas.microsoft.com/office/drawing/2014/main" id="{43EC5F8D-5AFD-490E-95C5-94DC1599E866}"/>
-              </a:ext>
-            </a:extLst>
-          </p:cNvPr>
+          <p:cNvPr id="8" name="Footer Placeholder 7"/>
           <p:cNvSpPr>
             <a:spLocks noGrp="1"/>
           </p:cNvSpPr>
@@ -281,7 +341,17 @@
         <p:spPr/>
         <p:txBody>
           <a:bodyPr/>
-          <a:lstStyle/>
+          <a:lstStyle>
+            <a:lvl1pPr>
+              <a:defRPr>
+                <a:solidFill>
+                  <a:srgbClr val="FFFFFF">
+                    <a:alpha val="80000"/>
+                  </a:srgbClr>
+                </a:solidFill>
+              </a:defRPr>
+            </a:lvl1pPr>
+          </a:lstStyle>
           <a:p>
             <a:endParaRPr lang="ru-RU"/>
           </a:p>
@@ -289,13 +359,7 @@
       </p:sp>
       <p:sp>
         <p:nvSpPr>
-          <p:cNvPr id="6" name="Номер слайда 5">
-            <a:extLst>
-              <a:ext uri="{FF2B5EF4-FFF2-40B4-BE49-F238E27FC236}">
-                <a16:creationId xmlns:a16="http://schemas.microsoft.com/office/drawing/2014/main" id="{5D814932-AB32-4751-A3BD-5EFC95AF1682}"/>
-              </a:ext>
-            </a:extLst>
-          </p:cNvPr>
+          <p:cNvPr id="9" name="Slide Number Placeholder 8"/>
           <p:cNvSpPr>
             <a:spLocks noGrp="1"/>
           </p:cNvSpPr>
@@ -306,7 +370,17 @@
         <p:spPr/>
         <p:txBody>
           <a:bodyPr/>
-          <a:lstStyle/>
+          <a:lstStyle>
+            <a:lvl1pPr>
+              <a:defRPr>
+                <a:solidFill>
+                  <a:srgbClr val="FFFFFF">
+                    <a:alpha val="25000"/>
+                  </a:srgbClr>
+                </a:solidFill>
+              </a:defRPr>
+            </a:lvl1pPr>
+          </a:lstStyle>
           <a:p>
             <a:fld id="{E55742E7-4670-4893-BCEB-09F34FF8B3B7}" type="slidenum">
               <a:rPr lang="ru-RU" smtClean="0"/>
@@ -319,7 +393,7 @@
     </p:spTree>
     <p:extLst>
       <p:ext uri="{BB962C8B-B14F-4D97-AF65-F5344CB8AC3E}">
-        <p14:creationId xmlns:p14="http://schemas.microsoft.com/office/powerpoint/2010/main" val="2247604603"/>
+        <p14:creationId xmlns:p14="http://schemas.microsoft.com/office/powerpoint/2010/main" val="836828066"/>
       </p:ext>
     </p:extLst>
   </p:cSld>
@@ -348,13 +422,7 @@
       </p:grpSpPr>
       <p:sp>
         <p:nvSpPr>
-          <p:cNvPr id="2" name="Заголовок 1">
-            <a:extLst>
-              <a:ext uri="{FF2B5EF4-FFF2-40B4-BE49-F238E27FC236}">
-                <a16:creationId xmlns:a16="http://schemas.microsoft.com/office/drawing/2014/main" id="{F4516C39-A3B4-49FB-AF3E-12B9C6D9AA94}"/>
-              </a:ext>
-            </a:extLst>
-          </p:cNvPr>
+          <p:cNvPr id="2" name="Title 1"/>
           <p:cNvSpPr>
             <a:spLocks noGrp="1"/>
           </p:cNvSpPr>
@@ -371,18 +439,13 @@
               <a:rPr lang="ru-RU"/>
               <a:t>Образец заголовка</a:t>
             </a:r>
-          </a:p>
-        </p:txBody>
-      </p:sp>
-      <p:sp>
-        <p:nvSpPr>
-          <p:cNvPr id="3" name="Вертикальный текст 2">
-            <a:extLst>
-              <a:ext uri="{FF2B5EF4-FFF2-40B4-BE49-F238E27FC236}">
-                <a16:creationId xmlns:a16="http://schemas.microsoft.com/office/drawing/2014/main" id="{F2BA3A79-5470-46A9-8029-9E3F23DA0497}"/>
-              </a:ext>
-            </a:extLst>
-          </p:cNvPr>
+            <a:endParaRPr lang="en-US" dirty="0"/>
+          </a:p>
+        </p:txBody>
+      </p:sp>
+      <p:sp>
+        <p:nvSpPr>
+          <p:cNvPr id="3" name="Vertical Text Placeholder 2"/>
           <p:cNvSpPr>
             <a:spLocks noGrp="1"/>
           </p:cNvSpPr>
@@ -428,18 +491,13 @@
               <a:rPr lang="ru-RU"/>
               <a:t>Пятый уровень</a:t>
             </a:r>
-          </a:p>
-        </p:txBody>
-      </p:sp>
-      <p:sp>
-        <p:nvSpPr>
-          <p:cNvPr id="4" name="Дата 3">
-            <a:extLst>
-              <a:ext uri="{FF2B5EF4-FFF2-40B4-BE49-F238E27FC236}">
-                <a16:creationId xmlns:a16="http://schemas.microsoft.com/office/drawing/2014/main" id="{1E9AD53D-32A9-4898-B3E2-85538404C5D9}"/>
-              </a:ext>
-            </a:extLst>
-          </p:cNvPr>
+            <a:endParaRPr lang="en-US" dirty="0"/>
+          </a:p>
+        </p:txBody>
+      </p:sp>
+      <p:sp>
+        <p:nvSpPr>
+          <p:cNvPr id="4" name="Date Placeholder 3"/>
           <p:cNvSpPr>
             <a:spLocks noGrp="1"/>
           </p:cNvSpPr>
@@ -462,13 +520,7 @@
       </p:sp>
       <p:sp>
         <p:nvSpPr>
-          <p:cNvPr id="5" name="Нижний колонтитул 4">
-            <a:extLst>
-              <a:ext uri="{FF2B5EF4-FFF2-40B4-BE49-F238E27FC236}">
-                <a16:creationId xmlns:a16="http://schemas.microsoft.com/office/drawing/2014/main" id="{3E123A2E-04F5-4839-BD60-7F20C5FCF103}"/>
-              </a:ext>
-            </a:extLst>
-          </p:cNvPr>
+          <p:cNvPr id="5" name="Footer Placeholder 4"/>
           <p:cNvSpPr>
             <a:spLocks noGrp="1"/>
           </p:cNvSpPr>
@@ -487,13 +539,7 @@
       </p:sp>
       <p:sp>
         <p:nvSpPr>
-          <p:cNvPr id="6" name="Номер слайда 5">
-            <a:extLst>
-              <a:ext uri="{FF2B5EF4-FFF2-40B4-BE49-F238E27FC236}">
-                <a16:creationId xmlns:a16="http://schemas.microsoft.com/office/drawing/2014/main" id="{2E97D981-2E8F-4677-A157-136C05380E13}"/>
-              </a:ext>
-            </a:extLst>
-          </p:cNvPr>
+          <p:cNvPr id="6" name="Slide Number Placeholder 5"/>
           <p:cNvSpPr>
             <a:spLocks noGrp="1"/>
           </p:cNvSpPr>
@@ -517,7 +563,7 @@
     </p:spTree>
     <p:extLst>
       <p:ext uri="{BB962C8B-B14F-4D97-AF65-F5344CB8AC3E}">
-        <p14:creationId xmlns:p14="http://schemas.microsoft.com/office/powerpoint/2010/main" val="610358617"/>
+        <p14:creationId xmlns:p14="http://schemas.microsoft.com/office/powerpoint/2010/main" val="2239346248"/>
       </p:ext>
     </p:extLst>
   </p:cSld>
@@ -546,13 +592,7 @@
       </p:grpSpPr>
       <p:sp>
         <p:nvSpPr>
-          <p:cNvPr id="2" name="Вертикальный заголовок 1">
-            <a:extLst>
-              <a:ext uri="{FF2B5EF4-FFF2-40B4-BE49-F238E27FC236}">
-                <a16:creationId xmlns:a16="http://schemas.microsoft.com/office/drawing/2014/main" id="{07737998-8C9E-45DA-BE91-FB8314C0E7FA}"/>
-              </a:ext>
-            </a:extLst>
-          </p:cNvPr>
+          <p:cNvPr id="2" name="Vertical Title 1"/>
           <p:cNvSpPr>
             <a:spLocks noGrp="1"/>
           </p:cNvSpPr>
@@ -562,8 +602,8 @@
         </p:nvSpPr>
         <p:spPr>
           <a:xfrm>
-            <a:off x="8724900" y="365125"/>
-            <a:ext cx="2628900" cy="5811838"/>
+            <a:off x="8743950" y="695325"/>
+            <a:ext cx="2628900" cy="4800600"/>
           </a:xfrm>
         </p:spPr>
         <p:txBody>
@@ -574,18 +614,13 @@
               <a:rPr lang="ru-RU"/>
               <a:t>Образец заголовка</a:t>
             </a:r>
-          </a:p>
-        </p:txBody>
-      </p:sp>
-      <p:sp>
-        <p:nvSpPr>
-          <p:cNvPr id="3" name="Вертикальный текст 2">
-            <a:extLst>
-              <a:ext uri="{FF2B5EF4-FFF2-40B4-BE49-F238E27FC236}">
-                <a16:creationId xmlns:a16="http://schemas.microsoft.com/office/drawing/2014/main" id="{DEAB6025-F091-403E-B0EE-93FA8BCE6011}"/>
-              </a:ext>
-            </a:extLst>
-          </p:cNvPr>
+            <a:endParaRPr lang="en-US" dirty="0"/>
+          </a:p>
+        </p:txBody>
+      </p:sp>
+      <p:sp>
+        <p:nvSpPr>
+          <p:cNvPr id="3" name="Vertical Text Placeholder 2"/>
           <p:cNvSpPr>
             <a:spLocks noGrp="1"/>
           </p:cNvSpPr>
@@ -595,8 +630,8 @@
         </p:nvSpPr>
         <p:spPr>
           <a:xfrm>
-            <a:off x="838200" y="365125"/>
-            <a:ext cx="7734300" cy="5811838"/>
+            <a:off x="771525" y="714375"/>
+            <a:ext cx="7734300" cy="5400675"/>
           </a:xfrm>
         </p:spPr>
         <p:txBody>
@@ -636,18 +671,13 @@
               <a:rPr lang="ru-RU"/>
               <a:t>Пятый уровень</a:t>
             </a:r>
-          </a:p>
-        </p:txBody>
-      </p:sp>
-      <p:sp>
-        <p:nvSpPr>
-          <p:cNvPr id="4" name="Дата 3">
-            <a:extLst>
-              <a:ext uri="{FF2B5EF4-FFF2-40B4-BE49-F238E27FC236}">
-                <a16:creationId xmlns:a16="http://schemas.microsoft.com/office/drawing/2014/main" id="{9A8B9695-D6F5-4FD6-B470-46917A061802}"/>
-              </a:ext>
-            </a:extLst>
-          </p:cNvPr>
+            <a:endParaRPr lang="en-US" dirty="0"/>
+          </a:p>
+        </p:txBody>
+      </p:sp>
+      <p:sp>
+        <p:nvSpPr>
+          <p:cNvPr id="4" name="Date Placeholder 3"/>
           <p:cNvSpPr>
             <a:spLocks noGrp="1"/>
           </p:cNvSpPr>
@@ -670,13 +700,7 @@
       </p:sp>
       <p:sp>
         <p:nvSpPr>
-          <p:cNvPr id="5" name="Нижний колонтитул 4">
-            <a:extLst>
-              <a:ext uri="{FF2B5EF4-FFF2-40B4-BE49-F238E27FC236}">
-                <a16:creationId xmlns:a16="http://schemas.microsoft.com/office/drawing/2014/main" id="{47385618-9FBC-4210-9DF7-513F190A616B}"/>
-              </a:ext>
-            </a:extLst>
-          </p:cNvPr>
+          <p:cNvPr id="5" name="Footer Placeholder 4"/>
           <p:cNvSpPr>
             <a:spLocks noGrp="1"/>
           </p:cNvSpPr>
@@ -695,13 +719,7 @@
       </p:sp>
       <p:sp>
         <p:nvSpPr>
-          <p:cNvPr id="6" name="Номер слайда 5">
-            <a:extLst>
-              <a:ext uri="{FF2B5EF4-FFF2-40B4-BE49-F238E27FC236}">
-                <a16:creationId xmlns:a16="http://schemas.microsoft.com/office/drawing/2014/main" id="{04B271EC-E28C-4E9E-983A-4E59D67E817F}"/>
-              </a:ext>
-            </a:extLst>
-          </p:cNvPr>
+          <p:cNvPr id="6" name="Slide Number Placeholder 5"/>
           <p:cNvSpPr>
             <a:spLocks noGrp="1"/>
           </p:cNvSpPr>
@@ -725,7 +743,7 @@
     </p:spTree>
     <p:extLst>
       <p:ext uri="{BB962C8B-B14F-4D97-AF65-F5344CB8AC3E}">
-        <p14:creationId xmlns:p14="http://schemas.microsoft.com/office/powerpoint/2010/main" val="2612026996"/>
+        <p14:creationId xmlns:p14="http://schemas.microsoft.com/office/powerpoint/2010/main" val="3096985077"/>
       </p:ext>
     </p:extLst>
   </p:cSld>
@@ -754,13 +772,7 @@
       </p:grpSpPr>
       <p:sp>
         <p:nvSpPr>
-          <p:cNvPr id="2" name="Заголовок 1">
-            <a:extLst>
-              <a:ext uri="{FF2B5EF4-FFF2-40B4-BE49-F238E27FC236}">
-                <a16:creationId xmlns:a16="http://schemas.microsoft.com/office/drawing/2014/main" id="{9565A034-9DF0-4FF4-8763-E51273BE0E7D}"/>
-              </a:ext>
-            </a:extLst>
-          </p:cNvPr>
+          <p:cNvPr id="2" name="Title 1"/>
           <p:cNvSpPr>
             <a:spLocks noGrp="1"/>
           </p:cNvSpPr>
@@ -777,18 +789,13 @@
               <a:rPr lang="ru-RU"/>
               <a:t>Образец заголовка</a:t>
             </a:r>
-          </a:p>
-        </p:txBody>
-      </p:sp>
-      <p:sp>
-        <p:nvSpPr>
-          <p:cNvPr id="3" name="Объект 2">
-            <a:extLst>
-              <a:ext uri="{FF2B5EF4-FFF2-40B4-BE49-F238E27FC236}">
-                <a16:creationId xmlns:a16="http://schemas.microsoft.com/office/drawing/2014/main" id="{98E1F55E-2900-45F7-B171-DD6EF605AAB6}"/>
-              </a:ext>
-            </a:extLst>
-          </p:cNvPr>
+            <a:endParaRPr lang="en-US" dirty="0"/>
+          </a:p>
+        </p:txBody>
+      </p:sp>
+      <p:sp>
+        <p:nvSpPr>
+          <p:cNvPr id="3" name="Content Placeholder 2"/>
           <p:cNvSpPr>
             <a:spLocks noGrp="1"/>
           </p:cNvSpPr>
@@ -834,18 +841,13 @@
               <a:rPr lang="ru-RU"/>
               <a:t>Пятый уровень</a:t>
             </a:r>
-          </a:p>
-        </p:txBody>
-      </p:sp>
-      <p:sp>
-        <p:nvSpPr>
-          <p:cNvPr id="4" name="Дата 3">
-            <a:extLst>
-              <a:ext uri="{FF2B5EF4-FFF2-40B4-BE49-F238E27FC236}">
-                <a16:creationId xmlns:a16="http://schemas.microsoft.com/office/drawing/2014/main" id="{141BCC3D-E04D-46E9-AA48-BE239A021064}"/>
-              </a:ext>
-            </a:extLst>
-          </p:cNvPr>
+            <a:endParaRPr lang="en-US" dirty="0"/>
+          </a:p>
+        </p:txBody>
+      </p:sp>
+      <p:sp>
+        <p:nvSpPr>
+          <p:cNvPr id="4" name="Date Placeholder 3"/>
           <p:cNvSpPr>
             <a:spLocks noGrp="1"/>
           </p:cNvSpPr>
@@ -868,13 +870,7 @@
       </p:sp>
       <p:sp>
         <p:nvSpPr>
-          <p:cNvPr id="5" name="Нижний колонтитул 4">
-            <a:extLst>
-              <a:ext uri="{FF2B5EF4-FFF2-40B4-BE49-F238E27FC236}">
-                <a16:creationId xmlns:a16="http://schemas.microsoft.com/office/drawing/2014/main" id="{64CD08D9-1EC9-4288-8D97-97189C572DE5}"/>
-              </a:ext>
-            </a:extLst>
-          </p:cNvPr>
+          <p:cNvPr id="5" name="Footer Placeholder 4"/>
           <p:cNvSpPr>
             <a:spLocks noGrp="1"/>
           </p:cNvSpPr>
@@ -893,13 +889,7 @@
       </p:sp>
       <p:sp>
         <p:nvSpPr>
-          <p:cNvPr id="6" name="Номер слайда 5">
-            <a:extLst>
-              <a:ext uri="{FF2B5EF4-FFF2-40B4-BE49-F238E27FC236}">
-                <a16:creationId xmlns:a16="http://schemas.microsoft.com/office/drawing/2014/main" id="{71719EB9-1F63-412C-A501-4415B2588622}"/>
-              </a:ext>
-            </a:extLst>
-          </p:cNvPr>
+          <p:cNvPr id="6" name="Slide Number Placeholder 5"/>
           <p:cNvSpPr>
             <a:spLocks noGrp="1"/>
           </p:cNvSpPr>
@@ -923,7 +913,7 @@
     </p:spTree>
     <p:extLst>
       <p:ext uri="{BB962C8B-B14F-4D97-AF65-F5344CB8AC3E}">
-        <p14:creationId xmlns:p14="http://schemas.microsoft.com/office/powerpoint/2010/main" val="2675101797"/>
+        <p14:creationId xmlns:p14="http://schemas.microsoft.com/office/powerpoint/2010/main" val="936534575"/>
       </p:ext>
     </p:extLst>
   </p:cSld>
@@ -952,13 +942,7 @@
       </p:grpSpPr>
       <p:sp>
         <p:nvSpPr>
-          <p:cNvPr id="2" name="Заголовок 1">
-            <a:extLst>
-              <a:ext uri="{FF2B5EF4-FFF2-40B4-BE49-F238E27FC236}">
-                <a16:creationId xmlns:a16="http://schemas.microsoft.com/office/drawing/2014/main" id="{68E37F79-8AEB-490B-B3A8-E9E03C1DC754}"/>
-              </a:ext>
-            </a:extLst>
-          </p:cNvPr>
+          <p:cNvPr id="2" name="Title 1"/>
           <p:cNvSpPr>
             <a:spLocks noGrp="1"/>
           </p:cNvSpPr>
@@ -968,15 +952,24 @@
         </p:nvSpPr>
         <p:spPr>
           <a:xfrm>
-            <a:off x="831850" y="1709738"/>
-            <a:ext cx="10515600" cy="2852737"/>
+            <a:off x="603504" y="767419"/>
+            <a:ext cx="10780776" cy="3355848"/>
           </a:xfrm>
         </p:spPr>
         <p:txBody>
-          <a:bodyPr anchor="b"/>
+          <a:bodyPr anchor="b">
+            <a:normAutofit/>
+          </a:bodyPr>
           <a:lstStyle>
             <a:lvl1pPr>
-              <a:defRPr sz="6000"/>
+              <a:lnSpc>
+                <a:spcPct val="80000"/>
+              </a:lnSpc>
+              <a:defRPr sz="8800" b="0" baseline="0">
+                <a:solidFill>
+                  <a:schemeClr val="accent1"/>
+                </a:solidFill>
+              </a:defRPr>
             </a:lvl1pPr>
           </a:lstStyle>
           <a:p>
@@ -984,18 +977,13 @@
               <a:rPr lang="ru-RU"/>
               <a:t>Образец заголовка</a:t>
             </a:r>
-          </a:p>
-        </p:txBody>
-      </p:sp>
-      <p:sp>
-        <p:nvSpPr>
-          <p:cNvPr id="3" name="Текст 2">
-            <a:extLst>
-              <a:ext uri="{FF2B5EF4-FFF2-40B4-BE49-F238E27FC236}">
-                <a16:creationId xmlns:a16="http://schemas.microsoft.com/office/drawing/2014/main" id="{34315CF8-0405-4FCE-887B-1A3782261BD6}"/>
-              </a:ext>
-            </a:extLst>
-          </p:cNvPr>
+            <a:endParaRPr lang="en-US" dirty="0"/>
+          </a:p>
+        </p:txBody>
+      </p:sp>
+      <p:sp>
+        <p:nvSpPr>
+          <p:cNvPr id="3" name="Text Placeholder 2"/>
           <p:cNvSpPr>
             <a:spLocks noGrp="1"/>
           </p:cNvSpPr>
@@ -1005,102 +993,103 @@
         </p:nvSpPr>
         <p:spPr>
           <a:xfrm>
-            <a:off x="831850" y="4589463"/>
-            <a:ext cx="10515600" cy="1500187"/>
+            <a:off x="667512" y="4204209"/>
+            <a:ext cx="9226296" cy="1645920"/>
           </a:xfrm>
         </p:spPr>
         <p:txBody>
-          <a:bodyPr/>
+          <a:bodyPr anchor="t">
+            <a:normAutofit/>
+          </a:bodyPr>
           <a:lstStyle>
             <a:lvl1pPr marL="0" indent="0">
               <a:buNone/>
-              <a:defRPr sz="2400">
+              <a:defRPr sz="3200">
+                <a:solidFill>
+                  <a:schemeClr val="tx1"/>
+                </a:solidFill>
+                <a:latin typeface="+mj-lt"/>
+              </a:defRPr>
+            </a:lvl1pPr>
+            <a:lvl2pPr marL="457200" indent="0">
+              <a:buNone/>
+              <a:defRPr sz="1800">
                 <a:solidFill>
                   <a:schemeClr val="tx1">
                     <a:tint val="75000"/>
                   </a:schemeClr>
                 </a:solidFill>
               </a:defRPr>
-            </a:lvl1pPr>
-            <a:lvl2pPr marL="457200" indent="0">
-              <a:buNone/>
-              <a:defRPr sz="2000">
+            </a:lvl2pPr>
+            <a:lvl3pPr marL="914400" indent="0">
+              <a:buNone/>
+              <a:defRPr sz="1600">
                 <a:solidFill>
                   <a:schemeClr val="tx1">
                     <a:tint val="75000"/>
                   </a:schemeClr>
                 </a:solidFill>
               </a:defRPr>
-            </a:lvl2pPr>
-            <a:lvl3pPr marL="914400" indent="0">
-              <a:buNone/>
-              <a:defRPr sz="1800">
+            </a:lvl3pPr>
+            <a:lvl4pPr marL="1371600" indent="0">
+              <a:buNone/>
+              <a:defRPr sz="1400">
                 <a:solidFill>
                   <a:schemeClr val="tx1">
                     <a:tint val="75000"/>
                   </a:schemeClr>
                 </a:solidFill>
               </a:defRPr>
-            </a:lvl3pPr>
-            <a:lvl4pPr marL="1371600" indent="0">
-              <a:buNone/>
-              <a:defRPr sz="1600">
+            </a:lvl4pPr>
+            <a:lvl5pPr marL="1828800" indent="0">
+              <a:buNone/>
+              <a:defRPr sz="1400">
                 <a:solidFill>
                   <a:schemeClr val="tx1">
                     <a:tint val="75000"/>
                   </a:schemeClr>
                 </a:solidFill>
               </a:defRPr>
-            </a:lvl4pPr>
-            <a:lvl5pPr marL="1828800" indent="0">
-              <a:buNone/>
-              <a:defRPr sz="1600">
+            </a:lvl5pPr>
+            <a:lvl6pPr marL="2286000" indent="0">
+              <a:buNone/>
+              <a:defRPr sz="1400">
                 <a:solidFill>
                   <a:schemeClr val="tx1">
                     <a:tint val="75000"/>
                   </a:schemeClr>
                 </a:solidFill>
               </a:defRPr>
-            </a:lvl5pPr>
-            <a:lvl6pPr marL="2286000" indent="0">
-              <a:buNone/>
-              <a:defRPr sz="1600">
+            </a:lvl6pPr>
+            <a:lvl7pPr marL="2743200" indent="0">
+              <a:buNone/>
+              <a:defRPr sz="1400">
                 <a:solidFill>
                   <a:schemeClr val="tx1">
                     <a:tint val="75000"/>
                   </a:schemeClr>
                 </a:solidFill>
               </a:defRPr>
-            </a:lvl6pPr>
-            <a:lvl7pPr marL="2743200" indent="0">
-              <a:buNone/>
-              <a:defRPr sz="1600">
+            </a:lvl7pPr>
+            <a:lvl8pPr marL="3200400" indent="0">
+              <a:buNone/>
+              <a:defRPr sz="1400">
                 <a:solidFill>
                   <a:schemeClr val="tx1">
                     <a:tint val="75000"/>
                   </a:schemeClr>
                 </a:solidFill>
               </a:defRPr>
-            </a:lvl7pPr>
-            <a:lvl8pPr marL="3200400" indent="0">
-              <a:buNone/>
-              <a:defRPr sz="1600">
+            </a:lvl8pPr>
+            <a:lvl9pPr marL="3657600" indent="0">
+              <a:buNone/>
+              <a:defRPr sz="1400">
                 <a:solidFill>
                   <a:schemeClr val="tx1">
                     <a:tint val="75000"/>
                   </a:schemeClr>
                 </a:solidFill>
               </a:defRPr>
-            </a:lvl8pPr>
-            <a:lvl9pPr marL="3657600" indent="0">
-              <a:buNone/>
-              <a:defRPr sz="1600">
-                <a:solidFill>
-                  <a:schemeClr val="tx1">
-                    <a:tint val="75000"/>
-                  </a:schemeClr>
-                </a:solidFill>
-              </a:defRPr>
             </a:lvl9pPr>
           </a:lstStyle>
           <a:p>
@@ -1114,13 +1103,7 @@
       </p:sp>
       <p:sp>
         <p:nvSpPr>
-          <p:cNvPr id="4" name="Дата 3">
-            <a:extLst>
-              <a:ext uri="{FF2B5EF4-FFF2-40B4-BE49-F238E27FC236}">
-                <a16:creationId xmlns:a16="http://schemas.microsoft.com/office/drawing/2014/main" id="{27FC71E3-0760-4C5D-BEAC-10E5EA665140}"/>
-              </a:ext>
-            </a:extLst>
-          </p:cNvPr>
+          <p:cNvPr id="4" name="Date Placeholder 3"/>
           <p:cNvSpPr>
             <a:spLocks noGrp="1"/>
           </p:cNvSpPr>
@@ -1143,13 +1126,7 @@
       </p:sp>
       <p:sp>
         <p:nvSpPr>
-          <p:cNvPr id="5" name="Нижний колонтитул 4">
-            <a:extLst>
-              <a:ext uri="{FF2B5EF4-FFF2-40B4-BE49-F238E27FC236}">
-                <a16:creationId xmlns:a16="http://schemas.microsoft.com/office/drawing/2014/main" id="{46D3002D-35FE-49AB-9C54-4E6EC9C10D6E}"/>
-              </a:ext>
-            </a:extLst>
-          </p:cNvPr>
+          <p:cNvPr id="5" name="Footer Placeholder 4"/>
           <p:cNvSpPr>
             <a:spLocks noGrp="1"/>
           </p:cNvSpPr>
@@ -1168,13 +1145,7 @@
       </p:sp>
       <p:sp>
         <p:nvSpPr>
-          <p:cNvPr id="6" name="Номер слайда 5">
-            <a:extLst>
-              <a:ext uri="{FF2B5EF4-FFF2-40B4-BE49-F238E27FC236}">
-                <a16:creationId xmlns:a16="http://schemas.microsoft.com/office/drawing/2014/main" id="{2927257C-0033-4DAF-B473-5F4A6D37F781}"/>
-              </a:ext>
-            </a:extLst>
-          </p:cNvPr>
+          <p:cNvPr id="6" name="Slide Number Placeholder 5"/>
           <p:cNvSpPr>
             <a:spLocks noGrp="1"/>
           </p:cNvSpPr>
@@ -1198,7 +1169,7 @@
     </p:spTree>
     <p:extLst>
       <p:ext uri="{BB962C8B-B14F-4D97-AF65-F5344CB8AC3E}">
-        <p14:creationId xmlns:p14="http://schemas.microsoft.com/office/powerpoint/2010/main" val="1532850253"/>
+        <p14:creationId xmlns:p14="http://schemas.microsoft.com/office/powerpoint/2010/main" val="450852021"/>
       </p:ext>
     </p:extLst>
   </p:cSld>
@@ -1227,13 +1198,7 @@
       </p:grpSpPr>
       <p:sp>
         <p:nvSpPr>
-          <p:cNvPr id="2" name="Заголовок 1">
-            <a:extLst>
-              <a:ext uri="{FF2B5EF4-FFF2-40B4-BE49-F238E27FC236}">
-                <a16:creationId xmlns:a16="http://schemas.microsoft.com/office/drawing/2014/main" id="{D565BC96-B622-4258-8C01-1B2702F0F9DF}"/>
-              </a:ext>
-            </a:extLst>
-          </p:cNvPr>
+          <p:cNvPr id="2" name="Title 1"/>
           <p:cNvSpPr>
             <a:spLocks noGrp="1"/>
           </p:cNvSpPr>
@@ -1250,18 +1215,13 @@
               <a:rPr lang="ru-RU"/>
               <a:t>Образец заголовка</a:t>
             </a:r>
-          </a:p>
-        </p:txBody>
-      </p:sp>
-      <p:sp>
-        <p:nvSpPr>
-          <p:cNvPr id="3" name="Объект 2">
-            <a:extLst>
-              <a:ext uri="{FF2B5EF4-FFF2-40B4-BE49-F238E27FC236}">
-                <a16:creationId xmlns:a16="http://schemas.microsoft.com/office/drawing/2014/main" id="{5B2D0C9E-1DB1-4FAC-B780-9CCE810412F3}"/>
-              </a:ext>
-            </a:extLst>
-          </p:cNvPr>
+            <a:endParaRPr lang="en-US" dirty="0"/>
+          </a:p>
+        </p:txBody>
+      </p:sp>
+      <p:sp>
+        <p:nvSpPr>
+          <p:cNvPr id="3" name="Content Placeholder 2"/>
           <p:cNvSpPr>
             <a:spLocks noGrp="1"/>
           </p:cNvSpPr>
@@ -1271,13 +1231,41 @@
         </p:nvSpPr>
         <p:spPr>
           <a:xfrm>
-            <a:off x="838200" y="1825625"/>
-            <a:ext cx="5181600" cy="4351338"/>
+            <a:off x="676656" y="1998134"/>
+            <a:ext cx="4663440" cy="3767328"/>
           </a:xfrm>
         </p:spPr>
         <p:txBody>
           <a:bodyPr/>
-          <a:lstStyle/>
+          <a:lstStyle>
+            <a:lvl1pPr>
+              <a:defRPr sz="2400"/>
+            </a:lvl1pPr>
+            <a:lvl2pPr>
+              <a:defRPr sz="2000"/>
+            </a:lvl2pPr>
+            <a:lvl3pPr>
+              <a:defRPr sz="1800"/>
+            </a:lvl3pPr>
+            <a:lvl4pPr>
+              <a:defRPr sz="1600"/>
+            </a:lvl4pPr>
+            <a:lvl5pPr>
+              <a:defRPr sz="1600"/>
+            </a:lvl5pPr>
+            <a:lvl6pPr>
+              <a:defRPr sz="1600"/>
+            </a:lvl6pPr>
+            <a:lvl7pPr>
+              <a:defRPr sz="1600"/>
+            </a:lvl7pPr>
+            <a:lvl8pPr>
+              <a:defRPr sz="1600"/>
+            </a:lvl8pPr>
+            <a:lvl9pPr>
+              <a:defRPr sz="1600"/>
+            </a:lvl9pPr>
+          </a:lstStyle>
           <a:p>
             <a:pPr lvl="0"/>
             <a:r>
@@ -1312,18 +1300,13 @@
               <a:rPr lang="ru-RU"/>
               <a:t>Пятый уровень</a:t>
             </a:r>
-          </a:p>
-        </p:txBody>
-      </p:sp>
-      <p:sp>
-        <p:nvSpPr>
-          <p:cNvPr id="4" name="Объект 3">
-            <a:extLst>
-              <a:ext uri="{FF2B5EF4-FFF2-40B4-BE49-F238E27FC236}">
-                <a16:creationId xmlns:a16="http://schemas.microsoft.com/office/drawing/2014/main" id="{42CE7869-0274-4D26-9CEA-46BE09F4BDDA}"/>
-              </a:ext>
-            </a:extLst>
-          </p:cNvPr>
+            <a:endParaRPr lang="en-US" dirty="0"/>
+          </a:p>
+        </p:txBody>
+      </p:sp>
+      <p:sp>
+        <p:nvSpPr>
+          <p:cNvPr id="4" name="Content Placeholder 3"/>
           <p:cNvSpPr>
             <a:spLocks noGrp="1"/>
           </p:cNvSpPr>
@@ -1333,13 +1316,41 @@
         </p:nvSpPr>
         <p:spPr>
           <a:xfrm>
-            <a:off x="6172200" y="1825625"/>
-            <a:ext cx="5181600" cy="4351338"/>
+            <a:off x="6011330" y="1998134"/>
+            <a:ext cx="4663440" cy="3767328"/>
           </a:xfrm>
         </p:spPr>
         <p:txBody>
           <a:bodyPr/>
-          <a:lstStyle/>
+          <a:lstStyle>
+            <a:lvl1pPr>
+              <a:defRPr sz="2400"/>
+            </a:lvl1pPr>
+            <a:lvl2pPr>
+              <a:defRPr sz="2000"/>
+            </a:lvl2pPr>
+            <a:lvl3pPr>
+              <a:defRPr sz="1800"/>
+            </a:lvl3pPr>
+            <a:lvl4pPr>
+              <a:defRPr sz="1600"/>
+            </a:lvl4pPr>
+            <a:lvl5pPr>
+              <a:defRPr sz="1600"/>
+            </a:lvl5pPr>
+            <a:lvl6pPr>
+              <a:defRPr sz="1600"/>
+            </a:lvl6pPr>
+            <a:lvl7pPr>
+              <a:defRPr sz="1600"/>
+            </a:lvl7pPr>
+            <a:lvl8pPr>
+              <a:defRPr sz="1600"/>
+            </a:lvl8pPr>
+            <a:lvl9pPr>
+              <a:defRPr sz="1600"/>
+            </a:lvl9pPr>
+          </a:lstStyle>
           <a:p>
             <a:pPr lvl="0"/>
             <a:r>
@@ -1374,18 +1385,13 @@
               <a:rPr lang="ru-RU"/>
               <a:t>Пятый уровень</a:t>
             </a:r>
-          </a:p>
-        </p:txBody>
-      </p:sp>
-      <p:sp>
-        <p:nvSpPr>
-          <p:cNvPr id="5" name="Дата 4">
-            <a:extLst>
-              <a:ext uri="{FF2B5EF4-FFF2-40B4-BE49-F238E27FC236}">
-                <a16:creationId xmlns:a16="http://schemas.microsoft.com/office/drawing/2014/main" id="{672CF9F0-823D-4D83-ABB9-731A2B2F24AB}"/>
-              </a:ext>
-            </a:extLst>
-          </p:cNvPr>
+            <a:endParaRPr lang="en-US" dirty="0"/>
+          </a:p>
+        </p:txBody>
+      </p:sp>
+      <p:sp>
+        <p:nvSpPr>
+          <p:cNvPr id="5" name="Date Placeholder 4"/>
           <p:cNvSpPr>
             <a:spLocks noGrp="1"/>
           </p:cNvSpPr>
@@ -1408,13 +1414,7 @@
       </p:sp>
       <p:sp>
         <p:nvSpPr>
-          <p:cNvPr id="6" name="Нижний колонтитул 5">
-            <a:extLst>
-              <a:ext uri="{FF2B5EF4-FFF2-40B4-BE49-F238E27FC236}">
-                <a16:creationId xmlns:a16="http://schemas.microsoft.com/office/drawing/2014/main" id="{C3BEDA71-4564-4D92-8F7E-232898AA7B26}"/>
-              </a:ext>
-            </a:extLst>
-          </p:cNvPr>
+          <p:cNvPr id="6" name="Footer Placeholder 5"/>
           <p:cNvSpPr>
             <a:spLocks noGrp="1"/>
           </p:cNvSpPr>
@@ -1433,13 +1433,7 @@
       </p:sp>
       <p:sp>
         <p:nvSpPr>
-          <p:cNvPr id="7" name="Номер слайда 6">
-            <a:extLst>
-              <a:ext uri="{FF2B5EF4-FFF2-40B4-BE49-F238E27FC236}">
-                <a16:creationId xmlns:a16="http://schemas.microsoft.com/office/drawing/2014/main" id="{0BC69E0A-D86C-41A8-88CF-DEEF4438B64F}"/>
-              </a:ext>
-            </a:extLst>
-          </p:cNvPr>
+          <p:cNvPr id="7" name="Slide Number Placeholder 6"/>
           <p:cNvSpPr>
             <a:spLocks noGrp="1"/>
           </p:cNvSpPr>
@@ -1463,7 +1457,7 @@
     </p:spTree>
     <p:extLst>
       <p:ext uri="{BB962C8B-B14F-4D97-AF65-F5344CB8AC3E}">
-        <p14:creationId xmlns:p14="http://schemas.microsoft.com/office/powerpoint/2010/main" val="3634928294"/>
+        <p14:creationId xmlns:p14="http://schemas.microsoft.com/office/powerpoint/2010/main" val="3420211164"/>
       </p:ext>
     </p:extLst>
   </p:cSld>
@@ -1492,65 +1486,59 @@
       </p:grpSpPr>
       <p:sp>
         <p:nvSpPr>
-          <p:cNvPr id="2" name="Заголовок 1">
-            <a:extLst>
-              <a:ext uri="{FF2B5EF4-FFF2-40B4-BE49-F238E27FC236}">
-                <a16:creationId xmlns:a16="http://schemas.microsoft.com/office/drawing/2014/main" id="{9EF5D211-2423-4903-9911-BD9F980179BC}"/>
-              </a:ext>
-            </a:extLst>
-          </p:cNvPr>
+          <p:cNvPr id="10" name="Title 9"/>
           <p:cNvSpPr>
             <a:spLocks noGrp="1"/>
           </p:cNvSpPr>
           <p:nvPr>
             <p:ph type="title"/>
+          </p:nvPr>
+        </p:nvSpPr>
+        <p:spPr/>
+        <p:txBody>
+          <a:bodyPr/>
+          <a:lstStyle/>
+          <a:p>
+            <a:r>
+              <a:rPr lang="ru-RU"/>
+              <a:t>Образец заголовка</a:t>
+            </a:r>
+            <a:endParaRPr lang="en-US" dirty="0"/>
+          </a:p>
+        </p:txBody>
+      </p:sp>
+      <p:sp>
+        <p:nvSpPr>
+          <p:cNvPr id="3" name="Text Placeholder 2"/>
+          <p:cNvSpPr>
+            <a:spLocks noGrp="1"/>
+          </p:cNvSpPr>
+          <p:nvPr>
+            <p:ph type="body" idx="1"/>
           </p:nvPr>
         </p:nvSpPr>
         <p:spPr>
           <a:xfrm>
-            <a:off x="839788" y="365125"/>
-            <a:ext cx="10515600" cy="1325563"/>
+            <a:off x="676656" y="2040467"/>
+            <a:ext cx="4663440" cy="723400"/>
           </a:xfrm>
         </p:spPr>
         <p:txBody>
-          <a:bodyPr/>
-          <a:lstStyle/>
-          <a:p>
-            <a:r>
-              <a:rPr lang="ru-RU"/>
-              <a:t>Образец заголовка</a:t>
-            </a:r>
-          </a:p>
-        </p:txBody>
-      </p:sp>
-      <p:sp>
-        <p:nvSpPr>
-          <p:cNvPr id="3" name="Текст 2">
-            <a:extLst>
-              <a:ext uri="{FF2B5EF4-FFF2-40B4-BE49-F238E27FC236}">
-                <a16:creationId xmlns:a16="http://schemas.microsoft.com/office/drawing/2014/main" id="{606142BF-B3B2-4451-998C-FB4718F7E739}"/>
-              </a:ext>
-            </a:extLst>
-          </p:cNvPr>
-          <p:cNvSpPr>
-            <a:spLocks noGrp="1"/>
-          </p:cNvSpPr>
-          <p:nvPr>
-            <p:ph type="body" idx="1"/>
-          </p:nvPr>
-        </p:nvSpPr>
-        <p:spPr>
-          <a:xfrm>
-            <a:off x="839788" y="1681163"/>
-            <a:ext cx="5157787" cy="823912"/>
-          </a:xfrm>
-        </p:spPr>
-        <p:txBody>
-          <a:bodyPr anchor="b"/>
+          <a:bodyPr anchor="ctr">
+            <a:normAutofit/>
+          </a:bodyPr>
           <a:lstStyle>
             <a:lvl1pPr marL="0" indent="0">
               <a:buNone/>
-              <a:defRPr sz="2400" b="1"/>
+              <a:defRPr sz="2200" b="0" cap="all" baseline="0">
+                <a:solidFill>
+                  <a:schemeClr val="tx1">
+                    <a:lumMod val="85000"/>
+                    <a:lumOff val="15000"/>
+                  </a:schemeClr>
+                </a:solidFill>
+                <a:latin typeface="+mj-lt"/>
+              </a:defRPr>
             </a:lvl1pPr>
             <a:lvl2pPr marL="457200" indent="0">
               <a:buNone/>
@@ -1596,13 +1584,7 @@
       </p:sp>
       <p:sp>
         <p:nvSpPr>
-          <p:cNvPr id="4" name="Объект 3">
-            <a:extLst>
-              <a:ext uri="{FF2B5EF4-FFF2-40B4-BE49-F238E27FC236}">
-                <a16:creationId xmlns:a16="http://schemas.microsoft.com/office/drawing/2014/main" id="{63A41103-BA65-4125-987C-22C109406B19}"/>
-              </a:ext>
-            </a:extLst>
-          </p:cNvPr>
+          <p:cNvPr id="4" name="Content Placeholder 3"/>
           <p:cNvSpPr>
             <a:spLocks noGrp="1"/>
           </p:cNvSpPr>
@@ -1612,13 +1594,41 @@
         </p:nvSpPr>
         <p:spPr>
           <a:xfrm>
-            <a:off x="839788" y="2505075"/>
-            <a:ext cx="5157787" cy="3684588"/>
+            <a:off x="676656" y="2753084"/>
+            <a:ext cx="4663440" cy="3200400"/>
           </a:xfrm>
         </p:spPr>
         <p:txBody>
           <a:bodyPr/>
-          <a:lstStyle/>
+          <a:lstStyle>
+            <a:lvl1pPr>
+              <a:defRPr sz="2400"/>
+            </a:lvl1pPr>
+            <a:lvl2pPr>
+              <a:defRPr sz="2000"/>
+            </a:lvl2pPr>
+            <a:lvl3pPr>
+              <a:defRPr sz="1800"/>
+            </a:lvl3pPr>
+            <a:lvl4pPr>
+              <a:defRPr sz="1600"/>
+            </a:lvl4pPr>
+            <a:lvl5pPr>
+              <a:defRPr sz="1600"/>
+            </a:lvl5pPr>
+            <a:lvl6pPr>
+              <a:defRPr sz="1600"/>
+            </a:lvl6pPr>
+            <a:lvl7pPr>
+              <a:defRPr sz="1600"/>
+            </a:lvl7pPr>
+            <a:lvl8pPr>
+              <a:defRPr sz="1600"/>
+            </a:lvl8pPr>
+            <a:lvl9pPr>
+              <a:defRPr sz="1600"/>
+            </a:lvl9pPr>
+          </a:lstStyle>
           <a:p>
             <a:pPr lvl="0"/>
             <a:r>
@@ -1653,18 +1663,13 @@
               <a:rPr lang="ru-RU"/>
               <a:t>Пятый уровень</a:t>
             </a:r>
-          </a:p>
-        </p:txBody>
-      </p:sp>
-      <p:sp>
-        <p:nvSpPr>
-          <p:cNvPr id="5" name="Текст 4">
-            <a:extLst>
-              <a:ext uri="{FF2B5EF4-FFF2-40B4-BE49-F238E27FC236}">
-                <a16:creationId xmlns:a16="http://schemas.microsoft.com/office/drawing/2014/main" id="{E1E88AFD-C9B8-439B-A059-446449537E0F}"/>
-              </a:ext>
-            </a:extLst>
-          </p:cNvPr>
+            <a:endParaRPr lang="en-US" dirty="0"/>
+          </a:p>
+        </p:txBody>
+      </p:sp>
+      <p:sp>
+        <p:nvSpPr>
+          <p:cNvPr id="5" name="Text Placeholder 4"/>
           <p:cNvSpPr>
             <a:spLocks noGrp="1"/>
           </p:cNvSpPr>
@@ -1674,16 +1679,26 @@
         </p:nvSpPr>
         <p:spPr>
           <a:xfrm>
-            <a:off x="6172200" y="1681163"/>
-            <a:ext cx="5183188" cy="823912"/>
+            <a:off x="6007608" y="2038435"/>
+            <a:ext cx="4663440" cy="722376"/>
           </a:xfrm>
         </p:spPr>
         <p:txBody>
-          <a:bodyPr anchor="b"/>
+          <a:bodyPr anchor="ctr">
+            <a:normAutofit/>
+          </a:bodyPr>
           <a:lstStyle>
             <a:lvl1pPr marL="0" indent="0">
               <a:buNone/>
-              <a:defRPr sz="2400" b="1"/>
+              <a:defRPr sz="2200" b="0" cap="all" baseline="0">
+                <a:solidFill>
+                  <a:schemeClr val="tx1">
+                    <a:lumMod val="85000"/>
+                    <a:lumOff val="15000"/>
+                  </a:schemeClr>
+                </a:solidFill>
+                <a:latin typeface="+mj-lt"/>
+              </a:defRPr>
             </a:lvl1pPr>
             <a:lvl2pPr marL="457200" indent="0">
               <a:buNone/>
@@ -1729,13 +1744,7 @@
       </p:sp>
       <p:sp>
         <p:nvSpPr>
-          <p:cNvPr id="6" name="Объект 5">
-            <a:extLst>
-              <a:ext uri="{FF2B5EF4-FFF2-40B4-BE49-F238E27FC236}">
-                <a16:creationId xmlns:a16="http://schemas.microsoft.com/office/drawing/2014/main" id="{1FB3C3C6-907A-498F-B548-BA6F809130C6}"/>
-              </a:ext>
-            </a:extLst>
-          </p:cNvPr>
+          <p:cNvPr id="6" name="Content Placeholder 5"/>
           <p:cNvSpPr>
             <a:spLocks noGrp="1"/>
           </p:cNvSpPr>
@@ -1745,13 +1754,41 @@
         </p:nvSpPr>
         <p:spPr>
           <a:xfrm>
-            <a:off x="6172200" y="2505075"/>
-            <a:ext cx="5183188" cy="3684588"/>
+            <a:off x="6007608" y="2750990"/>
+            <a:ext cx="4663440" cy="3200400"/>
           </a:xfrm>
         </p:spPr>
         <p:txBody>
           <a:bodyPr/>
-          <a:lstStyle/>
+          <a:lstStyle>
+            <a:lvl1pPr>
+              <a:defRPr sz="2400"/>
+            </a:lvl1pPr>
+            <a:lvl2pPr>
+              <a:defRPr sz="2000"/>
+            </a:lvl2pPr>
+            <a:lvl3pPr>
+              <a:defRPr sz="1800"/>
+            </a:lvl3pPr>
+            <a:lvl4pPr>
+              <a:defRPr sz="1600"/>
+            </a:lvl4pPr>
+            <a:lvl5pPr>
+              <a:defRPr sz="1600"/>
+            </a:lvl5pPr>
+            <a:lvl6pPr>
+              <a:defRPr sz="1600"/>
+            </a:lvl6pPr>
+            <a:lvl7pPr>
+              <a:defRPr sz="1600"/>
+            </a:lvl7pPr>
+            <a:lvl8pPr>
+              <a:defRPr sz="1600"/>
+            </a:lvl8pPr>
+            <a:lvl9pPr>
+              <a:defRPr sz="1600"/>
+            </a:lvl9pPr>
+          </a:lstStyle>
           <a:p>
             <a:pPr lvl="0"/>
             <a:r>
@@ -1786,18 +1823,13 @@
               <a:rPr lang="ru-RU"/>
               <a:t>Пятый уровень</a:t>
             </a:r>
-          </a:p>
-        </p:txBody>
-      </p:sp>
-      <p:sp>
-        <p:nvSpPr>
-          <p:cNvPr id="7" name="Дата 6">
-            <a:extLst>
-              <a:ext uri="{FF2B5EF4-FFF2-40B4-BE49-F238E27FC236}">
-                <a16:creationId xmlns:a16="http://schemas.microsoft.com/office/drawing/2014/main" id="{B7321666-CFB4-432C-9F1C-5188EBBAF115}"/>
-              </a:ext>
-            </a:extLst>
-          </p:cNvPr>
+            <a:endParaRPr lang="en-US" dirty="0"/>
+          </a:p>
+        </p:txBody>
+      </p:sp>
+      <p:sp>
+        <p:nvSpPr>
+          <p:cNvPr id="7" name="Date Placeholder 6"/>
           <p:cNvSpPr>
             <a:spLocks noGrp="1"/>
           </p:cNvSpPr>
@@ -1820,13 +1852,7 @@
       </p:sp>
       <p:sp>
         <p:nvSpPr>
-          <p:cNvPr id="8" name="Нижний колонтитул 7">
-            <a:extLst>
-              <a:ext uri="{FF2B5EF4-FFF2-40B4-BE49-F238E27FC236}">
-                <a16:creationId xmlns:a16="http://schemas.microsoft.com/office/drawing/2014/main" id="{5D59B529-74F1-4B99-8D53-14FF3F4E8B8F}"/>
-              </a:ext>
-            </a:extLst>
-          </p:cNvPr>
+          <p:cNvPr id="8" name="Footer Placeholder 7"/>
           <p:cNvSpPr>
             <a:spLocks noGrp="1"/>
           </p:cNvSpPr>
@@ -1845,13 +1871,7 @@
       </p:sp>
       <p:sp>
         <p:nvSpPr>
-          <p:cNvPr id="9" name="Номер слайда 8">
-            <a:extLst>
-              <a:ext uri="{FF2B5EF4-FFF2-40B4-BE49-F238E27FC236}">
-                <a16:creationId xmlns:a16="http://schemas.microsoft.com/office/drawing/2014/main" id="{AFF1C2D3-6208-4BC5-841E-B7B94CE90D37}"/>
-              </a:ext>
-            </a:extLst>
-          </p:cNvPr>
+          <p:cNvPr id="9" name="Slide Number Placeholder 8"/>
           <p:cNvSpPr>
             <a:spLocks noGrp="1"/>
           </p:cNvSpPr>
@@ -1875,7 +1895,7 @@
     </p:spTree>
     <p:extLst>
       <p:ext uri="{BB962C8B-B14F-4D97-AF65-F5344CB8AC3E}">
-        <p14:creationId xmlns:p14="http://schemas.microsoft.com/office/powerpoint/2010/main" val="1881446958"/>
+        <p14:creationId xmlns:p14="http://schemas.microsoft.com/office/powerpoint/2010/main" val="2168833404"/>
       </p:ext>
     </p:extLst>
   </p:cSld>
@@ -1904,13 +1924,7 @@
       </p:grpSpPr>
       <p:sp>
         <p:nvSpPr>
-          <p:cNvPr id="2" name="Заголовок 1">
-            <a:extLst>
-              <a:ext uri="{FF2B5EF4-FFF2-40B4-BE49-F238E27FC236}">
-                <a16:creationId xmlns:a16="http://schemas.microsoft.com/office/drawing/2014/main" id="{1F5CA70C-3FF8-4DED-80DC-C069E46F19AC}"/>
-              </a:ext>
-            </a:extLst>
-          </p:cNvPr>
+          <p:cNvPr id="6" name="Title 5"/>
           <p:cNvSpPr>
             <a:spLocks noGrp="1"/>
           </p:cNvSpPr>
@@ -1927,18 +1941,13 @@
               <a:rPr lang="ru-RU"/>
               <a:t>Образец заголовка</a:t>
             </a:r>
-          </a:p>
-        </p:txBody>
-      </p:sp>
-      <p:sp>
-        <p:nvSpPr>
-          <p:cNvPr id="3" name="Дата 2">
-            <a:extLst>
-              <a:ext uri="{FF2B5EF4-FFF2-40B4-BE49-F238E27FC236}">
-                <a16:creationId xmlns:a16="http://schemas.microsoft.com/office/drawing/2014/main" id="{7D745AA4-DFF0-4F9B-9D9F-2D477C07012F}"/>
-              </a:ext>
-            </a:extLst>
-          </p:cNvPr>
+            <a:endParaRPr lang="en-US" dirty="0"/>
+          </a:p>
+        </p:txBody>
+      </p:sp>
+      <p:sp>
+        <p:nvSpPr>
+          <p:cNvPr id="3" name="Date Placeholder 2"/>
           <p:cNvSpPr>
             <a:spLocks noGrp="1"/>
           </p:cNvSpPr>
@@ -1961,13 +1970,7 @@
       </p:sp>
       <p:sp>
         <p:nvSpPr>
-          <p:cNvPr id="4" name="Нижний колонтитул 3">
-            <a:extLst>
-              <a:ext uri="{FF2B5EF4-FFF2-40B4-BE49-F238E27FC236}">
-                <a16:creationId xmlns:a16="http://schemas.microsoft.com/office/drawing/2014/main" id="{F5B15554-60F3-4576-8FAE-C50CB4D5699F}"/>
-              </a:ext>
-            </a:extLst>
-          </p:cNvPr>
+          <p:cNvPr id="4" name="Footer Placeholder 3"/>
           <p:cNvSpPr>
             <a:spLocks noGrp="1"/>
           </p:cNvSpPr>
@@ -1986,13 +1989,7 @@
       </p:sp>
       <p:sp>
         <p:nvSpPr>
-          <p:cNvPr id="5" name="Номер слайда 4">
-            <a:extLst>
-              <a:ext uri="{FF2B5EF4-FFF2-40B4-BE49-F238E27FC236}">
-                <a16:creationId xmlns:a16="http://schemas.microsoft.com/office/drawing/2014/main" id="{57D2807B-F7D9-405E-B92B-F836CF10CF6E}"/>
-              </a:ext>
-            </a:extLst>
-          </p:cNvPr>
+          <p:cNvPr id="5" name="Slide Number Placeholder 4"/>
           <p:cNvSpPr>
             <a:spLocks noGrp="1"/>
           </p:cNvSpPr>
@@ -2016,7 +2013,7 @@
     </p:spTree>
     <p:extLst>
       <p:ext uri="{BB962C8B-B14F-4D97-AF65-F5344CB8AC3E}">
-        <p14:creationId xmlns:p14="http://schemas.microsoft.com/office/powerpoint/2010/main" val="1636809632"/>
+        <p14:creationId xmlns:p14="http://schemas.microsoft.com/office/powerpoint/2010/main" val="2896819371"/>
       </p:ext>
     </p:extLst>
   </p:cSld>
@@ -2045,13 +2042,7 @@
       </p:grpSpPr>
       <p:sp>
         <p:nvSpPr>
-          <p:cNvPr id="2" name="Дата 1">
-            <a:extLst>
-              <a:ext uri="{FF2B5EF4-FFF2-40B4-BE49-F238E27FC236}">
-                <a16:creationId xmlns:a16="http://schemas.microsoft.com/office/drawing/2014/main" id="{2F70CFCB-085D-4B0D-A829-2CA085854F62}"/>
-              </a:ext>
-            </a:extLst>
-          </p:cNvPr>
+          <p:cNvPr id="2" name="Date Placeholder 1"/>
           <p:cNvSpPr>
             <a:spLocks noGrp="1"/>
           </p:cNvSpPr>
@@ -2074,13 +2065,7 @@
       </p:sp>
       <p:sp>
         <p:nvSpPr>
-          <p:cNvPr id="3" name="Нижний колонтитул 2">
-            <a:extLst>
-              <a:ext uri="{FF2B5EF4-FFF2-40B4-BE49-F238E27FC236}">
-                <a16:creationId xmlns:a16="http://schemas.microsoft.com/office/drawing/2014/main" id="{608157DA-663F-4A24-981A-DC6F9B20731A}"/>
-              </a:ext>
-            </a:extLst>
-          </p:cNvPr>
+          <p:cNvPr id="3" name="Footer Placeholder 2"/>
           <p:cNvSpPr>
             <a:spLocks noGrp="1"/>
           </p:cNvSpPr>
@@ -2099,13 +2084,7 @@
       </p:sp>
       <p:sp>
         <p:nvSpPr>
-          <p:cNvPr id="4" name="Номер слайда 3">
-            <a:extLst>
-              <a:ext uri="{FF2B5EF4-FFF2-40B4-BE49-F238E27FC236}">
-                <a16:creationId xmlns:a16="http://schemas.microsoft.com/office/drawing/2014/main" id="{13607E2B-3611-4633-A0F0-786C788AAC4F}"/>
-              </a:ext>
-            </a:extLst>
-          </p:cNvPr>
+          <p:cNvPr id="4" name="Slide Number Placeholder 3"/>
           <p:cNvSpPr>
             <a:spLocks noGrp="1"/>
           </p:cNvSpPr>
@@ -2129,7 +2108,7 @@
     </p:spTree>
     <p:extLst>
       <p:ext uri="{BB962C8B-B14F-4D97-AF65-F5344CB8AC3E}">
-        <p14:creationId xmlns:p14="http://schemas.microsoft.com/office/powerpoint/2010/main" val="43422327"/>
+        <p14:creationId xmlns:p14="http://schemas.microsoft.com/office/powerpoint/2010/main" val="2923959499"/>
       </p:ext>
     </p:extLst>
   </p:cSld>
@@ -2158,31 +2137,69 @@
       </p:grpSpPr>
       <p:sp>
         <p:nvSpPr>
-          <p:cNvPr id="2" name="Заголовок 1">
-            <a:extLst>
-              <a:ext uri="{FF2B5EF4-FFF2-40B4-BE49-F238E27FC236}">
-                <a16:creationId xmlns:a16="http://schemas.microsoft.com/office/drawing/2014/main" id="{67A50622-640E-47A1-B3EA-02C5CBE42C61}"/>
-              </a:ext>
-            </a:extLst>
-          </p:cNvPr>
-          <p:cNvSpPr>
-            <a:spLocks noGrp="1"/>
-          </p:cNvSpPr>
-          <p:nvPr>
-            <p:ph type="title"/>
-          </p:nvPr>
+          <p:cNvPr id="2" name="Rectangle 1"/>
+          <p:cNvSpPr/>
+          <p:nvPr/>
         </p:nvSpPr>
         <p:spPr>
           <a:xfrm>
-            <a:off x="839788" y="457200"/>
-            <a:ext cx="3932237" cy="1600200"/>
+            <a:off x="7620000" y="0"/>
+            <a:ext cx="4572000" cy="6858000"/>
+          </a:xfrm>
+          <a:prstGeom prst="rect">
+            <a:avLst/>
+          </a:prstGeom>
+          <a:ln>
+            <a:noFill/>
+          </a:ln>
+        </p:spPr>
+        <p:style>
+          <a:lnRef idx="2">
+            <a:schemeClr val="accent1">
+              <a:shade val="50000"/>
+            </a:schemeClr>
+          </a:lnRef>
+          <a:fillRef idx="1">
+            <a:schemeClr val="accent1"/>
+          </a:fillRef>
+          <a:effectRef idx="0">
+            <a:schemeClr val="accent1"/>
+          </a:effectRef>
+          <a:fontRef idx="minor">
+            <a:schemeClr val="lt1"/>
+          </a:fontRef>
+        </p:style>
+      </p:sp>
+      <p:sp>
+        <p:nvSpPr>
+          <p:cNvPr id="9" name="Title 8"/>
+          <p:cNvSpPr>
+            <a:spLocks noGrp="1"/>
+          </p:cNvSpPr>
+          <p:nvPr>
+            <p:ph type="title"/>
+          </p:nvPr>
+        </p:nvSpPr>
+        <p:spPr>
+          <a:xfrm>
+            <a:off x="8261404" y="542282"/>
+            <a:ext cx="3383280" cy="1920240"/>
           </a:xfrm>
         </p:spPr>
         <p:txBody>
-          <a:bodyPr anchor="b"/>
+          <a:bodyPr anchor="b">
+            <a:noAutofit/>
+          </a:bodyPr>
           <a:lstStyle>
             <a:lvl1pPr>
-              <a:defRPr sz="3200"/>
+              <a:lnSpc>
+                <a:spcPct val="85000"/>
+              </a:lnSpc>
+              <a:defRPr sz="4000">
+                <a:solidFill>
+                  <a:srgbClr val="FFFFFF"/>
+                </a:solidFill>
+              </a:defRPr>
             </a:lvl1pPr>
           </a:lstStyle>
           <a:p>
@@ -2190,18 +2207,13 @@
               <a:rPr lang="ru-RU"/>
               <a:t>Образец заголовка</a:t>
             </a:r>
-          </a:p>
-        </p:txBody>
-      </p:sp>
-      <p:sp>
-        <p:nvSpPr>
-          <p:cNvPr id="3" name="Объект 2">
-            <a:extLst>
-              <a:ext uri="{FF2B5EF4-FFF2-40B4-BE49-F238E27FC236}">
-                <a16:creationId xmlns:a16="http://schemas.microsoft.com/office/drawing/2014/main" id="{A5246395-113E-437B-9A3D-3E512F9F44AD}"/>
-              </a:ext>
-            </a:extLst>
-          </p:cNvPr>
+            <a:endParaRPr lang="en-US" dirty="0"/>
+          </a:p>
+        </p:txBody>
+      </p:sp>
+      <p:sp>
+        <p:nvSpPr>
+          <p:cNvPr id="3" name="Content Placeholder 2"/>
           <p:cNvSpPr>
             <a:spLocks noGrp="1"/>
           </p:cNvSpPr>
@@ -2211,8 +2223,8 @@
         </p:nvSpPr>
         <p:spPr>
           <a:xfrm>
-            <a:off x="5183188" y="987425"/>
-            <a:ext cx="6172200" cy="4873625"/>
+            <a:off x="762000" y="762000"/>
+            <a:ext cx="6096000" cy="4572000"/>
           </a:xfrm>
         </p:spPr>
         <p:txBody>
@@ -2280,18 +2292,13 @@
               <a:rPr lang="ru-RU"/>
               <a:t>Пятый уровень</a:t>
             </a:r>
-          </a:p>
-        </p:txBody>
-      </p:sp>
-      <p:sp>
-        <p:nvSpPr>
-          <p:cNvPr id="4" name="Текст 3">
-            <a:extLst>
-              <a:ext uri="{FF2B5EF4-FFF2-40B4-BE49-F238E27FC236}">
-                <a16:creationId xmlns:a16="http://schemas.microsoft.com/office/drawing/2014/main" id="{700FBAF4-871F-4440-957C-017DC81D98E3}"/>
-              </a:ext>
-            </a:extLst>
-          </p:cNvPr>
+            <a:endParaRPr lang="en-US" dirty="0"/>
+          </a:p>
+        </p:txBody>
+      </p:sp>
+      <p:sp>
+        <p:nvSpPr>
+          <p:cNvPr id="4" name="Text Placeholder 3"/>
           <p:cNvSpPr>
             <a:spLocks noGrp="1"/>
           </p:cNvSpPr>
@@ -2301,52 +2308,87 @@
         </p:nvSpPr>
         <p:spPr>
           <a:xfrm>
-            <a:off x="839788" y="2057400"/>
-            <a:ext cx="3932237" cy="3811588"/>
+            <a:off x="8275982" y="2511813"/>
+            <a:ext cx="3398520" cy="3126987"/>
           </a:xfrm>
         </p:spPr>
         <p:txBody>
-          <a:bodyPr/>
+          <a:bodyPr>
+            <a:normAutofit/>
+          </a:bodyPr>
           <a:lstStyle>
-            <a:lvl1pPr marL="0" indent="0">
-              <a:buNone/>
-              <a:defRPr sz="1600"/>
+            <a:lvl1pPr marL="0" marR="0" indent="0" algn="l" defTabSz="914400" rtl="0" eaLnBrk="1" fontAlgn="auto" latinLnBrk="0" hangingPunct="1">
+              <a:lnSpc>
+                <a:spcPct val="100000"/>
+              </a:lnSpc>
+              <a:spcBef>
+                <a:spcPts val="1200"/>
+              </a:spcBef>
+              <a:spcAft>
+                <a:spcPts val="0"/>
+              </a:spcAft>
+              <a:buClrTx/>
+              <a:buSzTx/>
+              <a:buFontTx/>
+              <a:buNone/>
+              <a:tabLst/>
+              <a:defRPr sz="1800">
+                <a:solidFill>
+                  <a:srgbClr val="262626"/>
+                </a:solidFill>
+              </a:defRPr>
             </a:lvl1pPr>
             <a:lvl2pPr marL="457200" indent="0">
               <a:buNone/>
-              <a:defRPr sz="1400"/>
+              <a:defRPr sz="1200"/>
             </a:lvl2pPr>
             <a:lvl3pPr marL="914400" indent="0">
               <a:buNone/>
-              <a:defRPr sz="1200"/>
+              <a:defRPr sz="1000"/>
             </a:lvl3pPr>
             <a:lvl4pPr marL="1371600" indent="0">
               <a:buNone/>
-              <a:defRPr sz="1000"/>
+              <a:defRPr sz="900"/>
             </a:lvl4pPr>
             <a:lvl5pPr marL="1828800" indent="0">
               <a:buNone/>
-              <a:defRPr sz="1000"/>
+              <a:defRPr sz="900"/>
             </a:lvl5pPr>
             <a:lvl6pPr marL="2286000" indent="0">
               <a:buNone/>
-              <a:defRPr sz="1000"/>
+              <a:defRPr sz="900"/>
             </a:lvl6pPr>
             <a:lvl7pPr marL="2743200" indent="0">
               <a:buNone/>
-              <a:defRPr sz="1000"/>
+              <a:defRPr sz="900"/>
             </a:lvl7pPr>
             <a:lvl8pPr marL="3200400" indent="0">
               <a:buNone/>
-              <a:defRPr sz="1000"/>
+              <a:defRPr sz="900"/>
             </a:lvl8pPr>
             <a:lvl9pPr marL="3657600" indent="0">
               <a:buNone/>
-              <a:defRPr sz="1000"/>
+              <a:defRPr sz="900"/>
             </a:lvl9pPr>
           </a:lstStyle>
           <a:p>
-            <a:pPr lvl="0"/>
+            <a:pPr marL="0" marR="0" lvl="0" indent="0" algn="l" defTabSz="914400" rtl="0" eaLnBrk="1" fontAlgn="auto" latinLnBrk="0" hangingPunct="1">
+              <a:lnSpc>
+                <a:spcPct val="100000"/>
+              </a:lnSpc>
+              <a:spcBef>
+                <a:spcPts val="1400"/>
+              </a:spcBef>
+              <a:spcAft>
+                <a:spcPts val="0"/>
+              </a:spcAft>
+              <a:buClrTx/>
+              <a:buSzTx/>
+              <a:buFontTx/>
+              <a:buNone/>
+              <a:tabLst/>
+              <a:defRPr/>
+            </a:pPr>
             <a:r>
               <a:rPr lang="ru-RU"/>
               <a:t>Образец текста</a:t>
@@ -2356,13 +2398,7 @@
       </p:sp>
       <p:sp>
         <p:nvSpPr>
-          <p:cNvPr id="5" name="Дата 4">
-            <a:extLst>
-              <a:ext uri="{FF2B5EF4-FFF2-40B4-BE49-F238E27FC236}">
-                <a16:creationId xmlns:a16="http://schemas.microsoft.com/office/drawing/2014/main" id="{AEF72EA0-1834-44A3-9923-CC533CACB8AE}"/>
-              </a:ext>
-            </a:extLst>
-          </p:cNvPr>
+          <p:cNvPr id="5" name="Date Placeholder 4"/>
           <p:cNvSpPr>
             <a:spLocks noGrp="1"/>
           </p:cNvSpPr>
@@ -2385,13 +2421,7 @@
       </p:sp>
       <p:sp>
         <p:nvSpPr>
-          <p:cNvPr id="6" name="Нижний колонтитул 5">
-            <a:extLst>
-              <a:ext uri="{FF2B5EF4-FFF2-40B4-BE49-F238E27FC236}">
-                <a16:creationId xmlns:a16="http://schemas.microsoft.com/office/drawing/2014/main" id="{53B11526-7E8B-4B4B-84F4-3E55CE943C83}"/>
-              </a:ext>
-            </a:extLst>
-          </p:cNvPr>
+          <p:cNvPr id="6" name="Footer Placeholder 5"/>
           <p:cNvSpPr>
             <a:spLocks noGrp="1"/>
           </p:cNvSpPr>
@@ -2410,13 +2440,7 @@
       </p:sp>
       <p:sp>
         <p:nvSpPr>
-          <p:cNvPr id="7" name="Номер слайда 6">
-            <a:extLst>
-              <a:ext uri="{FF2B5EF4-FFF2-40B4-BE49-F238E27FC236}">
-                <a16:creationId xmlns:a16="http://schemas.microsoft.com/office/drawing/2014/main" id="{326545EE-AC3B-4FEE-B750-CEB56F0D3A92}"/>
-              </a:ext>
-            </a:extLst>
-          </p:cNvPr>
+          <p:cNvPr id="7" name="Slide Number Placeholder 6"/>
           <p:cNvSpPr>
             <a:spLocks noGrp="1"/>
           </p:cNvSpPr>
@@ -2427,7 +2451,17 @@
         <p:spPr/>
         <p:txBody>
           <a:bodyPr/>
-          <a:lstStyle/>
+          <a:lstStyle>
+            <a:lvl1pPr>
+              <a:defRPr>
+                <a:solidFill>
+                  <a:srgbClr val="FFFFFF">
+                    <a:alpha val="20000"/>
+                  </a:srgbClr>
+                </a:solidFill>
+              </a:defRPr>
+            </a:lvl1pPr>
+          </a:lstStyle>
           <a:p>
             <a:fld id="{E55742E7-4670-4893-BCEB-09F34FF8B3B7}" type="slidenum">
               <a:rPr lang="ru-RU" smtClean="0"/>
@@ -2440,7 +2474,7 @@
     </p:spTree>
     <p:extLst>
       <p:ext uri="{BB962C8B-B14F-4D97-AF65-F5344CB8AC3E}">
-        <p14:creationId xmlns:p14="http://schemas.microsoft.com/office/powerpoint/2010/main" val="1693640917"/>
+        <p14:creationId xmlns:p14="http://schemas.microsoft.com/office/powerpoint/2010/main" val="2806299870"/>
       </p:ext>
     </p:extLst>
   </p:cSld>
@@ -2453,6 +2487,14 @@
 <file path=ppt/slideLayouts/slideLayout9.xml><?xml version="1.0" encoding="utf-8"?>
 <p:sldLayout xmlns:a="http://schemas.openxmlformats.org/drawingml/2006/main" xmlns:r="http://schemas.openxmlformats.org/officeDocument/2006/relationships" xmlns:p="http://schemas.openxmlformats.org/presentationml/2006/main" type="picTx" preserve="1">
   <p:cSld name="Рисунок с подписью">
+    <p:bg>
+      <p:bgPr>
+        <a:solidFill>
+          <a:schemeClr val="accent1"/>
+        </a:solidFill>
+        <a:effectLst/>
+      </p:bgPr>
+    </p:bg>
     <p:spTree>
       <p:nvGrpSpPr>
         <p:cNvPr id="1" name=""/>
@@ -2469,13 +2511,7 @@
       </p:grpSpPr>
       <p:sp>
         <p:nvSpPr>
-          <p:cNvPr id="2" name="Заголовок 1">
-            <a:extLst>
-              <a:ext uri="{FF2B5EF4-FFF2-40B4-BE49-F238E27FC236}">
-                <a16:creationId xmlns:a16="http://schemas.microsoft.com/office/drawing/2014/main" id="{9C4B30E5-1985-47A7-A199-B74853EF0943}"/>
-              </a:ext>
-            </a:extLst>
-          </p:cNvPr>
+          <p:cNvPr id="2" name="Title 1"/>
           <p:cNvSpPr>
             <a:spLocks noGrp="1"/>
           </p:cNvSpPr>
@@ -2485,15 +2521,21 @@
         </p:nvSpPr>
         <p:spPr>
           <a:xfrm>
-            <a:off x="839788" y="457200"/>
-            <a:ext cx="3932237" cy="1600200"/>
+            <a:off x="649224" y="5418667"/>
+            <a:ext cx="10780776" cy="613283"/>
           </a:xfrm>
         </p:spPr>
         <p:txBody>
-          <a:bodyPr anchor="b"/>
+          <a:bodyPr anchor="b">
+            <a:normAutofit/>
+          </a:bodyPr>
           <a:lstStyle>
             <a:lvl1pPr>
-              <a:defRPr sz="3200"/>
+              <a:defRPr sz="3200" b="0">
+                <a:solidFill>
+                  <a:srgbClr val="FFFFFF"/>
+                </a:solidFill>
+              </a:defRPr>
             </a:lvl1pPr>
           </a:lstStyle>
           <a:p>
@@ -2501,20 +2543,15 @@
               <a:rPr lang="ru-RU"/>
               <a:t>Образец заголовка</a:t>
             </a:r>
-          </a:p>
-        </p:txBody>
-      </p:sp>
-      <p:sp>
-        <p:nvSpPr>
-          <p:cNvPr id="3" name="Рисунок 2">
-            <a:extLst>
-              <a:ext uri="{FF2B5EF4-FFF2-40B4-BE49-F238E27FC236}">
-                <a16:creationId xmlns:a16="http://schemas.microsoft.com/office/drawing/2014/main" id="{7CA32270-01DC-4C49-BD43-645F2CEF84B5}"/>
-              </a:ext>
-            </a:extLst>
-          </p:cNvPr>
-          <p:cNvSpPr>
-            <a:spLocks noGrp="1"/>
+            <a:endParaRPr lang="en-US" dirty="0"/>
+          </a:p>
+        </p:txBody>
+      </p:sp>
+      <p:sp>
+        <p:nvSpPr>
+          <p:cNvPr id="3" name="Picture Placeholder 2"/>
+          <p:cNvSpPr>
+            <a:spLocks noGrp="1" noChangeAspect="1"/>
           </p:cNvSpPr>
           <p:nvPr>
             <p:ph type="pic" idx="1"/>
@@ -2522,16 +2559,32 @@
         </p:nvSpPr>
         <p:spPr>
           <a:xfrm>
-            <a:off x="5183188" y="987425"/>
-            <a:ext cx="6172200" cy="4873625"/>
+            <a:off x="0" y="0"/>
+            <a:ext cx="12192000" cy="5330952"/>
           </a:xfrm>
+          <a:solidFill>
+            <a:schemeClr val="accent1">
+              <a:lumMod val="20000"/>
+              <a:lumOff val="80000"/>
+            </a:schemeClr>
+          </a:solidFill>
         </p:spPr>
         <p:txBody>
-          <a:bodyPr/>
+          <a:bodyPr anchor="t"/>
           <a:lstStyle>
-            <a:lvl1pPr marL="0" indent="0">
-              <a:buNone/>
-              <a:defRPr sz="3200"/>
+            <a:lvl1pPr marL="0" indent="0" algn="ctr">
+              <a:spcBef>
+                <a:spcPts val="800"/>
+              </a:spcBef>
+              <a:buNone/>
+              <a:defRPr sz="3200">
+                <a:solidFill>
+                  <a:schemeClr val="tx1">
+                    <a:lumMod val="75000"/>
+                    <a:lumOff val="25000"/>
+                  </a:schemeClr>
+                </a:solidFill>
+              </a:defRPr>
             </a:lvl1pPr>
             <a:lvl2pPr marL="457200" indent="0">
               <a:buNone/>
@@ -2567,19 +2620,17 @@
             </a:lvl9pPr>
           </a:lstStyle>
           <a:p>
-            <a:endParaRPr lang="ru-RU"/>
-          </a:p>
-        </p:txBody>
-      </p:sp>
-      <p:sp>
-        <p:nvSpPr>
-          <p:cNvPr id="4" name="Текст 3">
-            <a:extLst>
-              <a:ext uri="{FF2B5EF4-FFF2-40B4-BE49-F238E27FC236}">
-                <a16:creationId xmlns:a16="http://schemas.microsoft.com/office/drawing/2014/main" id="{F0CB7BAD-7752-47D8-BBFE-E420FEF7EA2A}"/>
-              </a:ext>
-            </a:extLst>
-          </p:cNvPr>
+            <a:r>
+              <a:rPr lang="ru-RU"/>
+              <a:t>Вставка рисунка</a:t>
+            </a:r>
+            <a:endParaRPr lang="en-US" dirty="0"/>
+          </a:p>
+        </p:txBody>
+      </p:sp>
+      <p:sp>
+        <p:nvSpPr>
+          <p:cNvPr id="4" name="Text Placeholder 3"/>
           <p:cNvSpPr>
             <a:spLocks noGrp="1"/>
           </p:cNvSpPr>
@@ -2589,79 +2640,92 @@
         </p:nvSpPr>
         <p:spPr>
           <a:xfrm>
-            <a:off x="839788" y="2057400"/>
-            <a:ext cx="3932237" cy="3811588"/>
+            <a:off x="676656" y="5909735"/>
+            <a:ext cx="9229344" cy="533400"/>
           </a:xfrm>
         </p:spPr>
         <p:txBody>
+          <a:bodyPr>
+            <a:normAutofit/>
+          </a:bodyPr>
+          <a:lstStyle>
+            <a:lvl1pPr marL="0" indent="0">
+              <a:lnSpc>
+                <a:spcPct val="90000"/>
+              </a:lnSpc>
+              <a:buNone/>
+              <a:defRPr sz="1400">
+                <a:solidFill>
+                  <a:srgbClr val="262626"/>
+                </a:solidFill>
+              </a:defRPr>
+            </a:lvl1pPr>
+            <a:lvl2pPr marL="457200" indent="0">
+              <a:buNone/>
+              <a:defRPr sz="1200"/>
+            </a:lvl2pPr>
+            <a:lvl3pPr marL="914400" indent="0">
+              <a:buNone/>
+              <a:defRPr sz="1000"/>
+            </a:lvl3pPr>
+            <a:lvl4pPr marL="1371600" indent="0">
+              <a:buNone/>
+              <a:defRPr sz="900"/>
+            </a:lvl4pPr>
+            <a:lvl5pPr marL="1828800" indent="0">
+              <a:buNone/>
+              <a:defRPr sz="900"/>
+            </a:lvl5pPr>
+            <a:lvl6pPr marL="2286000" indent="0">
+              <a:buNone/>
+              <a:defRPr sz="900"/>
+            </a:lvl6pPr>
+            <a:lvl7pPr marL="2743200" indent="0">
+              <a:buNone/>
+              <a:defRPr sz="900"/>
+            </a:lvl7pPr>
+            <a:lvl8pPr marL="3200400" indent="0">
+              <a:buNone/>
+              <a:defRPr sz="900"/>
+            </a:lvl8pPr>
+            <a:lvl9pPr marL="3657600" indent="0">
+              <a:buNone/>
+              <a:defRPr sz="900"/>
+            </a:lvl9pPr>
+          </a:lstStyle>
+          <a:p>
+            <a:pPr lvl="0"/>
+            <a:r>
+              <a:rPr lang="ru-RU"/>
+              <a:t>Образец текста</a:t>
+            </a:r>
+          </a:p>
+        </p:txBody>
+      </p:sp>
+      <p:sp>
+        <p:nvSpPr>
+          <p:cNvPr id="12" name="Date Placeholder 11"/>
+          <p:cNvSpPr>
+            <a:spLocks noGrp="1"/>
+          </p:cNvSpPr>
+          <p:nvPr>
+            <p:ph type="dt" sz="half" idx="10"/>
+          </p:nvPr>
+        </p:nvSpPr>
+        <p:spPr/>
+        <p:txBody>
           <a:bodyPr/>
           <a:lstStyle>
-            <a:lvl1pPr marL="0" indent="0">
-              <a:buNone/>
-              <a:defRPr sz="1600"/>
+            <a:lvl1pPr>
+              <a:defRPr>
+                <a:solidFill>
+                  <a:srgbClr val="FFFFFF">
+                    <a:alpha val="80000"/>
+                  </a:srgbClr>
+                </a:solidFill>
+              </a:defRPr>
             </a:lvl1pPr>
-            <a:lvl2pPr marL="457200" indent="0">
-              <a:buNone/>
-              <a:defRPr sz="1400"/>
-            </a:lvl2pPr>
-            <a:lvl3pPr marL="914400" indent="0">
-              <a:buNone/>
-              <a:defRPr sz="1200"/>
-            </a:lvl3pPr>
-            <a:lvl4pPr marL="1371600" indent="0">
-              <a:buNone/>
-              <a:defRPr sz="1000"/>
-            </a:lvl4pPr>
-            <a:lvl5pPr marL="1828800" indent="0">
-              <a:buNone/>
-              <a:defRPr sz="1000"/>
-            </a:lvl5pPr>
-            <a:lvl6pPr marL="2286000" indent="0">
-              <a:buNone/>
-              <a:defRPr sz="1000"/>
-            </a:lvl6pPr>
-            <a:lvl7pPr marL="2743200" indent="0">
-              <a:buNone/>
-              <a:defRPr sz="1000"/>
-            </a:lvl7pPr>
-            <a:lvl8pPr marL="3200400" indent="0">
-              <a:buNone/>
-              <a:defRPr sz="1000"/>
-            </a:lvl8pPr>
-            <a:lvl9pPr marL="3657600" indent="0">
-              <a:buNone/>
-              <a:defRPr sz="1000"/>
-            </a:lvl9pPr>
           </a:lstStyle>
-          <a:p>
-            <a:pPr lvl="0"/>
-            <a:r>
-              <a:rPr lang="ru-RU"/>
-              <a:t>Образец текста</a:t>
-            </a:r>
-          </a:p>
-        </p:txBody>
-      </p:sp>
-      <p:sp>
-        <p:nvSpPr>
-          <p:cNvPr id="5" name="Дата 4">
-            <a:extLst>
-              <a:ext uri="{FF2B5EF4-FFF2-40B4-BE49-F238E27FC236}">
-                <a16:creationId xmlns:a16="http://schemas.microsoft.com/office/drawing/2014/main" id="{ABE5E6E0-0482-4227-B883-A738C3891A2E}"/>
-              </a:ext>
-            </a:extLst>
-          </p:cNvPr>
-          <p:cNvSpPr>
-            <a:spLocks noGrp="1"/>
-          </p:cNvSpPr>
-          <p:nvPr>
-            <p:ph type="dt" sz="half" idx="10"/>
-          </p:nvPr>
-        </p:nvSpPr>
-        <p:spPr/>
-        <p:txBody>
-          <a:bodyPr/>
-          <a:lstStyle/>
           <a:p>
             <a:fld id="{7CFF64DE-29A8-43EF-B00D-41A8FD2DB53C}" type="datetimeFigureOut">
               <a:rPr lang="ru-RU" smtClean="0"/>
@@ -2673,13 +2737,7 @@
       </p:sp>
       <p:sp>
         <p:nvSpPr>
-          <p:cNvPr id="6" name="Нижний колонтитул 5">
-            <a:extLst>
-              <a:ext uri="{FF2B5EF4-FFF2-40B4-BE49-F238E27FC236}">
-                <a16:creationId xmlns:a16="http://schemas.microsoft.com/office/drawing/2014/main" id="{95F675D6-F14B-4EB1-8EB0-D28FF79383E0}"/>
-              </a:ext>
-            </a:extLst>
-          </p:cNvPr>
+          <p:cNvPr id="13" name="Footer Placeholder 12"/>
           <p:cNvSpPr>
             <a:spLocks noGrp="1"/>
           </p:cNvSpPr>
@@ -2690,7 +2748,17 @@
         <p:spPr/>
         <p:txBody>
           <a:bodyPr/>
-          <a:lstStyle/>
+          <a:lstStyle>
+            <a:lvl1pPr>
+              <a:defRPr>
+                <a:solidFill>
+                  <a:srgbClr val="FFFFFF">
+                    <a:alpha val="80000"/>
+                  </a:srgbClr>
+                </a:solidFill>
+              </a:defRPr>
+            </a:lvl1pPr>
+          </a:lstStyle>
           <a:p>
             <a:endParaRPr lang="ru-RU"/>
           </a:p>
@@ -2698,13 +2766,7 @@
       </p:sp>
       <p:sp>
         <p:nvSpPr>
-          <p:cNvPr id="7" name="Номер слайда 6">
-            <a:extLst>
-              <a:ext uri="{FF2B5EF4-FFF2-40B4-BE49-F238E27FC236}">
-                <a16:creationId xmlns:a16="http://schemas.microsoft.com/office/drawing/2014/main" id="{3E84CB12-FBED-44F3-8A12-C8187E08AED4}"/>
-              </a:ext>
-            </a:extLst>
-          </p:cNvPr>
+          <p:cNvPr id="14" name="Slide Number Placeholder 13"/>
           <p:cNvSpPr>
             <a:spLocks noGrp="1"/>
           </p:cNvSpPr>
@@ -2715,7 +2777,17 @@
         <p:spPr/>
         <p:txBody>
           <a:bodyPr/>
-          <a:lstStyle/>
+          <a:lstStyle>
+            <a:lvl1pPr>
+              <a:defRPr>
+                <a:solidFill>
+                  <a:srgbClr val="FFFFFF">
+                    <a:alpha val="25000"/>
+                  </a:srgbClr>
+                </a:solidFill>
+              </a:defRPr>
+            </a:lvl1pPr>
+          </a:lstStyle>
           <a:p>
             <a:fld id="{E55742E7-4670-4893-BCEB-09F34FF8B3B7}" type="slidenum">
               <a:rPr lang="ru-RU" smtClean="0"/>
@@ -2728,12 +2800,12 @@
     </p:spTree>
     <p:extLst>
       <p:ext uri="{BB962C8B-B14F-4D97-AF65-F5344CB8AC3E}">
-        <p14:creationId xmlns:p14="http://schemas.microsoft.com/office/powerpoint/2010/main" val="405718241"/>
+        <p14:creationId xmlns:p14="http://schemas.microsoft.com/office/powerpoint/2010/main" val="745202100"/>
       </p:ext>
     </p:extLst>
   </p:cSld>
   <p:clrMapOvr>
-    <a:masterClrMapping/>
+    <a:overrideClrMapping bg1="lt1" tx1="dk1" bg2="lt2" tx2="dk2" accent1="accent1" accent2="accent2" accent3="accent3" accent4="accent4" accent5="accent5" accent6="accent6" hlink="hlink" folHlink="folHlink"/>
   </p:clrMapOvr>
 </p:sldLayout>
 </file>
@@ -2762,13 +2834,7 @@
       </p:grpSpPr>
       <p:sp>
         <p:nvSpPr>
-          <p:cNvPr id="2" name="Заголовок 1">
-            <a:extLst>
-              <a:ext uri="{FF2B5EF4-FFF2-40B4-BE49-F238E27FC236}">
-                <a16:creationId xmlns:a16="http://schemas.microsoft.com/office/drawing/2014/main" id="{A55E223F-EF53-478A-B58C-6470081807D3}"/>
-              </a:ext>
-            </a:extLst>
-          </p:cNvPr>
+          <p:cNvPr id="2" name="Title Placeholder 1"/>
           <p:cNvSpPr>
             <a:spLocks noGrp="1"/>
           </p:cNvSpPr>
@@ -2778,8 +2844,8 @@
         </p:nvSpPr>
         <p:spPr>
           <a:xfrm>
-            <a:off x="838200" y="365125"/>
-            <a:ext cx="10515600" cy="1325563"/>
+            <a:off x="657224" y="499533"/>
+            <a:ext cx="10772775" cy="1658198"/>
           </a:xfrm>
           <a:prstGeom prst="rect">
             <a:avLst/>
@@ -2795,18 +2861,13 @@
               <a:rPr lang="ru-RU"/>
               <a:t>Образец заголовка</a:t>
             </a:r>
-          </a:p>
-        </p:txBody>
-      </p:sp>
-      <p:sp>
-        <p:nvSpPr>
-          <p:cNvPr id="3" name="Текст 2">
-            <a:extLst>
-              <a:ext uri="{FF2B5EF4-FFF2-40B4-BE49-F238E27FC236}">
-                <a16:creationId xmlns:a16="http://schemas.microsoft.com/office/drawing/2014/main" id="{A87F7CD2-DE0C-4EEB-8D1F-A204654C3599}"/>
-              </a:ext>
-            </a:extLst>
-          </p:cNvPr>
+            <a:endParaRPr lang="en-US" dirty="0"/>
+          </a:p>
+        </p:txBody>
+      </p:sp>
+      <p:sp>
+        <p:nvSpPr>
+          <p:cNvPr id="3" name="Text Placeholder 2"/>
           <p:cNvSpPr>
             <a:spLocks noGrp="1"/>
           </p:cNvSpPr>
@@ -2816,8 +2877,8 @@
         </p:nvSpPr>
         <p:spPr>
           <a:xfrm>
-            <a:off x="838200" y="1825625"/>
-            <a:ext cx="10515600" cy="4351338"/>
+            <a:off x="676656" y="2011680"/>
+            <a:ext cx="10753725" cy="3766185"/>
           </a:xfrm>
           <a:prstGeom prst="rect">
             <a:avLst/>
@@ -2862,18 +2923,13 @@
               <a:rPr lang="ru-RU"/>
               <a:t>Пятый уровень</a:t>
             </a:r>
-          </a:p>
-        </p:txBody>
-      </p:sp>
-      <p:sp>
-        <p:nvSpPr>
-          <p:cNvPr id="4" name="Дата 3">
-            <a:extLst>
-              <a:ext uri="{FF2B5EF4-FFF2-40B4-BE49-F238E27FC236}">
-                <a16:creationId xmlns:a16="http://schemas.microsoft.com/office/drawing/2014/main" id="{D7D3F977-39B5-449E-802F-3A1FEE56A04D}"/>
-              </a:ext>
-            </a:extLst>
-          </p:cNvPr>
+            <a:endParaRPr lang="en-US" dirty="0"/>
+          </a:p>
+        </p:txBody>
+      </p:sp>
+      <p:sp>
+        <p:nvSpPr>
+          <p:cNvPr id="4" name="Date Placeholder 3"/>
           <p:cNvSpPr>
             <a:spLocks noGrp="1"/>
           </p:cNvSpPr>
@@ -2883,8 +2939,8 @@
         </p:nvSpPr>
         <p:spPr>
           <a:xfrm>
-            <a:off x="838200" y="6356350"/>
-            <a:ext cx="2743200" cy="365125"/>
+            <a:off x="685800" y="6412447"/>
+            <a:ext cx="4114800" cy="228600"/>
           </a:xfrm>
           <a:prstGeom prst="rect">
             <a:avLst/>
@@ -2894,10 +2950,10 @@
           <a:bodyPr vert="horz" lIns="91440" tIns="45720" rIns="91440" bIns="45720" rtlCol="0" anchor="ctr"/>
           <a:lstStyle>
             <a:lvl1pPr algn="l">
-              <a:defRPr sz="1200">
+              <a:defRPr sz="950">
                 <a:solidFill>
                   <a:schemeClr val="tx1">
-                    <a:tint val="75000"/>
+                    <a:alpha val="80000"/>
                   </a:schemeClr>
                 </a:solidFill>
               </a:defRPr>
@@ -2914,13 +2970,7 @@
       </p:sp>
       <p:sp>
         <p:nvSpPr>
-          <p:cNvPr id="5" name="Нижний колонтитул 4">
-            <a:extLst>
-              <a:ext uri="{FF2B5EF4-FFF2-40B4-BE49-F238E27FC236}">
-                <a16:creationId xmlns:a16="http://schemas.microsoft.com/office/drawing/2014/main" id="{E499A512-9356-4E91-831F-B425C41C0922}"/>
-              </a:ext>
-            </a:extLst>
-          </p:cNvPr>
+          <p:cNvPr id="5" name="Footer Placeholder 4"/>
           <p:cNvSpPr>
             <a:spLocks noGrp="1"/>
           </p:cNvSpPr>
@@ -2930,8 +2980,8 @@
         </p:nvSpPr>
         <p:spPr>
           <a:xfrm>
-            <a:off x="4038600" y="6356350"/>
-            <a:ext cx="4114800" cy="365125"/>
+            <a:off x="685800" y="6554697"/>
+            <a:ext cx="5029200" cy="228600"/>
           </a:xfrm>
           <a:prstGeom prst="rect">
             <a:avLst/>
@@ -2940,11 +2990,11 @@
         <p:txBody>
           <a:bodyPr vert="horz" lIns="91440" tIns="45720" rIns="91440" bIns="45720" rtlCol="0" anchor="ctr"/>
           <a:lstStyle>
-            <a:lvl1pPr algn="ctr">
-              <a:defRPr sz="1200">
+            <a:lvl1pPr algn="l">
+              <a:defRPr sz="950" cap="all" baseline="0">
                 <a:solidFill>
                   <a:schemeClr val="tx1">
-                    <a:tint val="75000"/>
+                    <a:alpha val="80000"/>
                   </a:schemeClr>
                 </a:solidFill>
               </a:defRPr>
@@ -2957,13 +3007,7 @@
       </p:sp>
       <p:sp>
         <p:nvSpPr>
-          <p:cNvPr id="6" name="Номер слайда 5">
-            <a:extLst>
-              <a:ext uri="{FF2B5EF4-FFF2-40B4-BE49-F238E27FC236}">
-                <a16:creationId xmlns:a16="http://schemas.microsoft.com/office/drawing/2014/main" id="{2710AE67-0B13-4162-AD40-26405B8FB314}"/>
-              </a:ext>
-            </a:extLst>
-          </p:cNvPr>
+          <p:cNvPr id="6" name="Slide Number Placeholder 5"/>
           <p:cNvSpPr>
             <a:spLocks noGrp="1"/>
           </p:cNvSpPr>
@@ -2973,23 +3017,27 @@
         </p:nvSpPr>
         <p:spPr>
           <a:xfrm>
-            <a:off x="8610600" y="6356350"/>
-            <a:ext cx="2743200" cy="365125"/>
+            <a:off x="8763926" y="5876412"/>
+            <a:ext cx="2926080" cy="1397039"/>
           </a:xfrm>
           <a:prstGeom prst="rect">
             <a:avLst/>
           </a:prstGeom>
         </p:spPr>
         <p:txBody>
-          <a:bodyPr vert="horz" lIns="91440" tIns="45720" rIns="91440" bIns="45720" rtlCol="0" anchor="ctr"/>
+          <a:bodyPr vert="horz" lIns="91440" tIns="45720" rIns="91440" bIns="45720" rtlCol="0" anchor="b"/>
           <a:lstStyle>
             <a:lvl1pPr algn="r">
-              <a:defRPr sz="1200">
-                <a:solidFill>
-                  <a:schemeClr val="tx1">
-                    <a:tint val="75000"/>
+              <a:defRPr sz="10300" b="0">
+                <a:ln>
+                  <a:noFill/>
+                </a:ln>
+                <a:solidFill>
+                  <a:schemeClr val="accent1">
+                    <a:alpha val="25000"/>
                   </a:schemeClr>
                 </a:solidFill>
+                <a:latin typeface="+mj-lt"/>
               </a:defRPr>
             </a:lvl1pPr>
           </a:lstStyle>
@@ -3005,37 +3053,37 @@
     </p:spTree>
     <p:extLst>
       <p:ext uri="{BB962C8B-B14F-4D97-AF65-F5344CB8AC3E}">
-        <p14:creationId xmlns:p14="http://schemas.microsoft.com/office/powerpoint/2010/main" val="3003655120"/>
+        <p14:creationId xmlns:p14="http://schemas.microsoft.com/office/powerpoint/2010/main" val="377532909"/>
       </p:ext>
     </p:extLst>
   </p:cSld>
   <p:clrMap bg1="lt1" tx1="dk1" bg2="lt2" tx2="dk2" accent1="accent1" accent2="accent2" accent3="accent3" accent4="accent4" accent5="accent5" accent6="accent6" hlink="hlink" folHlink="folHlink"/>
   <p:sldLayoutIdLst>
-    <p:sldLayoutId id="2147483649" r:id="rId1"/>
-    <p:sldLayoutId id="2147483650" r:id="rId2"/>
-    <p:sldLayoutId id="2147483651" r:id="rId3"/>
-    <p:sldLayoutId id="2147483652" r:id="rId4"/>
-    <p:sldLayoutId id="2147483653" r:id="rId5"/>
-    <p:sldLayoutId id="2147483654" r:id="rId6"/>
-    <p:sldLayoutId id="2147483655" r:id="rId7"/>
-    <p:sldLayoutId id="2147483656" r:id="rId8"/>
-    <p:sldLayoutId id="2147483657" r:id="rId9"/>
-    <p:sldLayoutId id="2147483658" r:id="rId10"/>
-    <p:sldLayoutId id="2147483659" r:id="rId11"/>
+    <p:sldLayoutId id="2147483781" r:id="rId1"/>
+    <p:sldLayoutId id="2147483782" r:id="rId2"/>
+    <p:sldLayoutId id="2147483783" r:id="rId3"/>
+    <p:sldLayoutId id="2147483784" r:id="rId4"/>
+    <p:sldLayoutId id="2147483785" r:id="rId5"/>
+    <p:sldLayoutId id="2147483786" r:id="rId6"/>
+    <p:sldLayoutId id="2147483787" r:id="rId7"/>
+    <p:sldLayoutId id="2147483788" r:id="rId8"/>
+    <p:sldLayoutId id="2147483789" r:id="rId9"/>
+    <p:sldLayoutId id="2147483790" r:id="rId10"/>
+    <p:sldLayoutId id="2147483791" r:id="rId11"/>
   </p:sldLayoutIdLst>
   <p:txStyles>
     <p:titleStyle>
       <a:lvl1pPr algn="l" defTabSz="914400" rtl="0" eaLnBrk="1" latinLnBrk="0" hangingPunct="1">
         <a:lnSpc>
-          <a:spcPct val="90000"/>
+          <a:spcPct val="85000"/>
         </a:lnSpc>
         <a:spcBef>
           <a:spcPct val="0"/>
         </a:spcBef>
         <a:buNone/>
-        <a:defRPr sz="4400" kern="1200">
+        <a:defRPr sz="5400" kern="1200" spc="-120" baseline="0">
           <a:solidFill>
-            <a:schemeClr val="tx1"/>
+            <a:schemeClr val="accent1"/>
           </a:solidFill>
           <a:latin typeface="+mj-lt"/>
           <a:ea typeface="+mj-ea"/>
@@ -3044,162 +3092,189 @@
       </a:lvl1pPr>
     </p:titleStyle>
     <p:bodyStyle>
-      <a:lvl1pPr marL="228600" indent="-228600" algn="l" defTabSz="914400" rtl="0" eaLnBrk="1" latinLnBrk="0" hangingPunct="1">
+      <a:lvl1pPr marL="91440" indent="-91440" algn="l" defTabSz="914400" rtl="0" eaLnBrk="1" latinLnBrk="0" hangingPunct="1">
         <a:lnSpc>
-          <a:spcPct val="90000"/>
+          <a:spcPct val="85000"/>
         </a:lnSpc>
         <a:spcBef>
-          <a:spcPts val="1000"/>
+          <a:spcPts val="1300"/>
         </a:spcBef>
-        <a:buFont typeface="Arial" panose="020B0604020202020204" pitchFamily="34" charset="0"/>
-        <a:buChar char="•"/>
-        <a:defRPr sz="2800" kern="1200">
+        <a:buFont typeface="Arial" pitchFamily="34" charset="0"/>
+        <a:buChar char=" "/>
+        <a:defRPr sz="2400" kern="1200">
           <a:solidFill>
-            <a:schemeClr val="tx1"/>
+            <a:schemeClr val="tx1">
+              <a:lumMod val="85000"/>
+              <a:lumOff val="15000"/>
+            </a:schemeClr>
           </a:solidFill>
           <a:latin typeface="+mn-lt"/>
           <a:ea typeface="+mn-ea"/>
           <a:cs typeface="+mn-cs"/>
         </a:defRPr>
       </a:lvl1pPr>
-      <a:lvl2pPr marL="685800" indent="-228600" algn="l" defTabSz="914400" rtl="0" eaLnBrk="1" latinLnBrk="0" hangingPunct="1">
+      <a:lvl2pPr marL="347472" indent="-342900" algn="l" defTabSz="914400" rtl="0" eaLnBrk="1" latinLnBrk="0" hangingPunct="1">
         <a:lnSpc>
-          <a:spcPct val="90000"/>
+          <a:spcPct val="85000"/>
         </a:lnSpc>
         <a:spcBef>
-          <a:spcPts val="500"/>
+          <a:spcPts val="600"/>
         </a:spcBef>
-        <a:buFont typeface="Arial" panose="020B0604020202020204" pitchFamily="34" charset="0"/>
-        <a:buChar char="•"/>
+        <a:buFont typeface="Arial" pitchFamily="34" charset="0"/>
+        <a:buChar char=" "/>
         <a:defRPr sz="2400" kern="1200">
           <a:solidFill>
-            <a:schemeClr val="tx1"/>
+            <a:schemeClr val="tx1">
+              <a:lumMod val="85000"/>
+              <a:lumOff val="15000"/>
+            </a:schemeClr>
           </a:solidFill>
           <a:latin typeface="+mn-lt"/>
           <a:ea typeface="+mn-ea"/>
           <a:cs typeface="+mn-cs"/>
         </a:defRPr>
       </a:lvl2pPr>
-      <a:lvl3pPr marL="1143000" indent="-228600" algn="l" defTabSz="914400" rtl="0" eaLnBrk="1" latinLnBrk="0" hangingPunct="1">
+      <a:lvl3pPr marL="548640" indent="-548640" algn="l" defTabSz="914400" rtl="0" eaLnBrk="1" latinLnBrk="0" hangingPunct="1">
         <a:lnSpc>
-          <a:spcPct val="90000"/>
+          <a:spcPct val="85000"/>
         </a:lnSpc>
         <a:spcBef>
-          <a:spcPts val="500"/>
+          <a:spcPts val="600"/>
         </a:spcBef>
-        <a:buFont typeface="Arial" panose="020B0604020202020204" pitchFamily="34" charset="0"/>
-        <a:buChar char="•"/>
-        <a:defRPr sz="2000" kern="1200">
+        <a:buFont typeface="Arial" pitchFamily="34" charset="0"/>
+        <a:buChar char=" "/>
+        <a:defRPr sz="2000" i="1" kern="1200">
           <a:solidFill>
-            <a:schemeClr val="tx1"/>
+            <a:schemeClr val="tx1">
+              <a:lumMod val="85000"/>
+              <a:lumOff val="15000"/>
+            </a:schemeClr>
           </a:solidFill>
           <a:latin typeface="+mn-lt"/>
           <a:ea typeface="+mn-ea"/>
           <a:cs typeface="+mn-cs"/>
         </a:defRPr>
       </a:lvl3pPr>
-      <a:lvl4pPr marL="1600200" indent="-228600" algn="l" defTabSz="914400" rtl="0" eaLnBrk="1" latinLnBrk="0" hangingPunct="1">
+      <a:lvl4pPr marL="822960" indent="-822960" algn="l" defTabSz="914400" rtl="0" eaLnBrk="1" latinLnBrk="0" hangingPunct="1">
         <a:lnSpc>
-          <a:spcPct val="90000"/>
+          <a:spcPct val="85000"/>
         </a:lnSpc>
         <a:spcBef>
-          <a:spcPts val="500"/>
+          <a:spcPts val="600"/>
         </a:spcBef>
-        <a:buFont typeface="Arial" panose="020B0604020202020204" pitchFamily="34" charset="0"/>
-        <a:buChar char="•"/>
+        <a:buFont typeface="Arial" pitchFamily="34" charset="0"/>
+        <a:buChar char=" "/>
         <a:defRPr sz="1800" kern="1200">
           <a:solidFill>
-            <a:schemeClr val="tx1"/>
+            <a:schemeClr val="tx1">
+              <a:lumMod val="85000"/>
+              <a:lumOff val="15000"/>
+            </a:schemeClr>
           </a:solidFill>
           <a:latin typeface="+mn-lt"/>
           <a:ea typeface="+mn-ea"/>
           <a:cs typeface="+mn-cs"/>
         </a:defRPr>
       </a:lvl4pPr>
-      <a:lvl5pPr marL="2057400" indent="-228600" algn="l" defTabSz="914400" rtl="0" eaLnBrk="1" latinLnBrk="0" hangingPunct="1">
+      <a:lvl5pPr marL="1097280" indent="-1097280" algn="l" defTabSz="914400" rtl="0" eaLnBrk="1" latinLnBrk="0" hangingPunct="1">
         <a:lnSpc>
-          <a:spcPct val="90000"/>
+          <a:spcPct val="85000"/>
         </a:lnSpc>
         <a:spcBef>
-          <a:spcPts val="500"/>
+          <a:spcPts val="600"/>
         </a:spcBef>
-        <a:buFont typeface="Arial" panose="020B0604020202020204" pitchFamily="34" charset="0"/>
-        <a:buChar char="•"/>
+        <a:buFont typeface="Arial" pitchFamily="34" charset="0"/>
+        <a:buChar char=" "/>
         <a:defRPr sz="1800" kern="1200">
           <a:solidFill>
-            <a:schemeClr val="tx1"/>
+            <a:schemeClr val="tx1">
+              <a:lumMod val="85000"/>
+              <a:lumOff val="15000"/>
+            </a:schemeClr>
           </a:solidFill>
           <a:latin typeface="+mn-lt"/>
           <a:ea typeface="+mn-ea"/>
           <a:cs typeface="+mn-cs"/>
         </a:defRPr>
       </a:lvl5pPr>
-      <a:lvl6pPr marL="2514600" indent="-228600" algn="l" defTabSz="914400" rtl="0" eaLnBrk="1" latinLnBrk="0" hangingPunct="1">
+      <a:lvl6pPr marL="1200000" indent="-228600" algn="l" defTabSz="914400" rtl="0" eaLnBrk="1" latinLnBrk="0" hangingPunct="1">
         <a:lnSpc>
-          <a:spcPct val="90000"/>
+          <a:spcPct val="85000"/>
         </a:lnSpc>
         <a:spcBef>
-          <a:spcPts val="500"/>
+          <a:spcPts val="600"/>
         </a:spcBef>
-        <a:buFont typeface="Arial" panose="020B0604020202020204" pitchFamily="34" charset="0"/>
-        <a:buChar char="•"/>
+        <a:buFont typeface="Arial" pitchFamily="34" charset="0"/>
+        <a:buChar char=" "/>
         <a:defRPr sz="1800" kern="1200">
           <a:solidFill>
-            <a:schemeClr val="tx1"/>
+            <a:schemeClr val="tx1">
+              <a:lumMod val="85000"/>
+              <a:lumOff val="15000"/>
+            </a:schemeClr>
           </a:solidFill>
           <a:latin typeface="+mn-lt"/>
           <a:ea typeface="+mn-ea"/>
           <a:cs typeface="+mn-cs"/>
         </a:defRPr>
       </a:lvl6pPr>
-      <a:lvl7pPr marL="2971800" indent="-228600" algn="l" defTabSz="914400" rtl="0" eaLnBrk="1" latinLnBrk="0" hangingPunct="1">
+      <a:lvl7pPr marL="1400000" indent="-228600" algn="l" defTabSz="914400" rtl="0" eaLnBrk="1" latinLnBrk="0" hangingPunct="1">
         <a:lnSpc>
-          <a:spcPct val="90000"/>
+          <a:spcPct val="85000"/>
         </a:lnSpc>
         <a:spcBef>
-          <a:spcPts val="500"/>
+          <a:spcPts val="600"/>
         </a:spcBef>
-        <a:buFont typeface="Arial" panose="020B0604020202020204" pitchFamily="34" charset="0"/>
-        <a:buChar char="•"/>
+        <a:buFont typeface="Arial" pitchFamily="34" charset="0"/>
+        <a:buChar char=" "/>
         <a:defRPr sz="1800" kern="1200">
           <a:solidFill>
-            <a:schemeClr val="tx1"/>
+            <a:schemeClr val="tx1">
+              <a:lumMod val="85000"/>
+              <a:lumOff val="15000"/>
+            </a:schemeClr>
           </a:solidFill>
           <a:latin typeface="+mn-lt"/>
           <a:ea typeface="+mn-ea"/>
           <a:cs typeface="+mn-cs"/>
         </a:defRPr>
       </a:lvl7pPr>
-      <a:lvl8pPr marL="3429000" indent="-228600" algn="l" defTabSz="914400" rtl="0" eaLnBrk="1" latinLnBrk="0" hangingPunct="1">
+      <a:lvl8pPr marL="1600000" indent="-228600" algn="l" defTabSz="914400" rtl="0" eaLnBrk="1" latinLnBrk="0" hangingPunct="1">
         <a:lnSpc>
-          <a:spcPct val="90000"/>
+          <a:spcPct val="85000"/>
         </a:lnSpc>
         <a:spcBef>
-          <a:spcPts val="500"/>
+          <a:spcPts val="600"/>
         </a:spcBef>
-        <a:buFont typeface="Arial" panose="020B0604020202020204" pitchFamily="34" charset="0"/>
-        <a:buChar char="•"/>
+        <a:buFont typeface="Arial" pitchFamily="34" charset="0"/>
+        <a:buChar char=" "/>
         <a:defRPr sz="1800" kern="1200">
           <a:solidFill>
-            <a:schemeClr val="tx1"/>
+            <a:schemeClr val="tx1">
+              <a:lumMod val="85000"/>
+              <a:lumOff val="15000"/>
+            </a:schemeClr>
           </a:solidFill>
           <a:latin typeface="+mn-lt"/>
           <a:ea typeface="+mn-ea"/>
           <a:cs typeface="+mn-cs"/>
         </a:defRPr>
       </a:lvl8pPr>
-      <a:lvl9pPr marL="3886200" indent="-228600" algn="l" defTabSz="914400" rtl="0" eaLnBrk="1" latinLnBrk="0" hangingPunct="1">
+      <a:lvl9pPr marL="1800000" indent="-228600" algn="l" defTabSz="914400" rtl="0" eaLnBrk="1" latinLnBrk="0" hangingPunct="1">
         <a:lnSpc>
-          <a:spcPct val="90000"/>
+          <a:spcPct val="85000"/>
         </a:lnSpc>
         <a:spcBef>
-          <a:spcPts val="500"/>
+          <a:spcPts val="600"/>
         </a:spcBef>
-        <a:buFont typeface="Arial" panose="020B0604020202020204" pitchFamily="34" charset="0"/>
-        <a:buChar char="•"/>
+        <a:buFont typeface="Arial" pitchFamily="34" charset="0"/>
+        <a:buChar char=" "/>
         <a:defRPr sz="1800" kern="1200">
           <a:solidFill>
-            <a:schemeClr val="tx1"/>
+            <a:schemeClr val="tx1">
+              <a:lumMod val="85000"/>
+              <a:lumOff val="15000"/>
+            </a:schemeClr>
           </a:solidFill>
           <a:latin typeface="+mn-lt"/>
           <a:ea typeface="+mn-ea"/>
@@ -3209,7 +3284,7 @@
     </p:bodyStyle>
     <p:otherStyle>
       <a:defPPr>
-        <a:defRPr lang="ru-RU"/>
+        <a:defRPr lang="en-US"/>
       </a:defPPr>
       <a:lvl1pPr marL="0" algn="l" defTabSz="914400" rtl="0" eaLnBrk="1" latinLnBrk="0" hangingPunct="1">
         <a:defRPr sz="1800" kern="1200">
@@ -3341,8 +3416,8 @@
         </p:nvSpPr>
         <p:spPr>
           <a:xfrm>
-            <a:off x="1524000" y="11316"/>
-            <a:ext cx="9144000" cy="1655762"/>
+            <a:off x="1187115" y="813421"/>
+            <a:ext cx="10900611" cy="1655762"/>
           </a:xfrm>
         </p:spPr>
         <p:txBody>
@@ -3351,6 +3426,7 @@
           </a:bodyPr>
           <a:lstStyle/>
           <a:p>
+            <a:pPr algn="ctr"/>
             <a:r>
               <a:rPr lang="ru-RU" b="1" dirty="0"/>
               <a:t>Оптимальная методика локации донной станции</a:t>
@@ -3377,23 +3453,31 @@
         </p:nvSpPr>
         <p:spPr>
           <a:xfrm>
-            <a:off x="777380" y="3954377"/>
+            <a:off x="801443" y="3192377"/>
             <a:ext cx="9144000" cy="1985030"/>
           </a:xfrm>
         </p:spPr>
         <p:txBody>
           <a:bodyPr>
-            <a:normAutofit fontScale="77500" lnSpcReduction="20000"/>
+            <a:noAutofit/>
           </a:bodyPr>
           <a:lstStyle/>
           <a:p>
             <a:pPr algn="l"/>
             <a:r>
-              <a:rPr lang="ru-RU" dirty="0"/>
+              <a:rPr lang="ru-RU" dirty="0">
+                <a:solidFill>
+                  <a:schemeClr val="bg1"/>
+                </a:solidFill>
+              </a:rPr>
               <a:t>Авторы</a:t>
             </a:r>
             <a:r>
-              <a:rPr lang="en-US" dirty="0"/>
+              <a:rPr lang="en-US" dirty="0">
+                <a:solidFill>
+                  <a:schemeClr val="bg1"/>
+                </a:solidFill>
+              </a:rPr>
               <a:t>:</a:t>
             </a:r>
           </a:p>
@@ -3403,7 +3487,11 @@
               <a:buChar char="•"/>
             </a:pPr>
             <a:r>
-              <a:rPr lang="ru-RU" dirty="0"/>
+              <a:rPr lang="ru-RU" dirty="0">
+                <a:solidFill>
+                  <a:schemeClr val="bg1"/>
+                </a:solidFill>
+              </a:rPr>
               <a:t>Закиров Руслан</a:t>
             </a:r>
           </a:p>
@@ -3413,7 +3501,11 @@
               <a:buChar char="•"/>
             </a:pPr>
             <a:r>
-              <a:rPr lang="ru-RU" dirty="0"/>
+              <a:rPr lang="ru-RU" dirty="0">
+                <a:solidFill>
+                  <a:schemeClr val="bg1"/>
+                </a:solidFill>
+              </a:rPr>
               <a:t>Михайлов Руслан</a:t>
             </a:r>
           </a:p>
@@ -3423,11 +3515,19 @@
               <a:buChar char="•"/>
             </a:pPr>
             <a:r>
-              <a:rPr lang="ru-RU" dirty="0" err="1"/>
+              <a:rPr lang="ru-RU" dirty="0" err="1">
+                <a:solidFill>
+                  <a:schemeClr val="bg1"/>
+                </a:solidFill>
+              </a:rPr>
               <a:t>Боканов</a:t>
             </a:r>
             <a:r>
-              <a:rPr lang="ru-RU" dirty="0"/>
+              <a:rPr lang="ru-RU" dirty="0">
+                <a:solidFill>
+                  <a:schemeClr val="bg1"/>
+                </a:solidFill>
+              </a:rPr>
               <a:t> Василий</a:t>
             </a:r>
           </a:p>
@@ -3437,7 +3537,11 @@
               <a:buChar char="•"/>
             </a:pPr>
             <a:r>
-              <a:rPr lang="ru-RU" dirty="0"/>
+              <a:rPr lang="ru-RU" dirty="0">
+                <a:solidFill>
+                  <a:schemeClr val="bg1"/>
+                </a:solidFill>
+              </a:rPr>
               <a:t>Поспелова Ангелина</a:t>
             </a:r>
           </a:p>
@@ -3447,7 +3551,11 @@
               <a:buChar char="•"/>
             </a:pPr>
             <a:r>
-              <a:rPr lang="ru-RU" dirty="0"/>
+              <a:rPr lang="ru-RU" dirty="0">
+                <a:solidFill>
+                  <a:schemeClr val="bg1"/>
+                </a:solidFill>
+              </a:rPr>
               <a:t>Баландин Андрей</a:t>
             </a:r>
           </a:p>
@@ -3467,7 +3575,7 @@
         </p:nvSpPr>
         <p:spPr>
           <a:xfrm>
-            <a:off x="699083" y="2844225"/>
+            <a:off x="699083" y="2469183"/>
             <a:ext cx="4440572" cy="584775"/>
           </a:xfrm>
           <a:prstGeom prst="rect">
@@ -3482,22 +3590,42 @@
           <a:lstStyle/>
           <a:p>
             <a:r>
-              <a:rPr lang="ru-RU" sz="3200" dirty="0"/>
+              <a:rPr lang="ru-RU" sz="3200" dirty="0">
+                <a:solidFill>
+                  <a:schemeClr val="bg1"/>
+                </a:solidFill>
+              </a:rPr>
               <a:t>Команда </a:t>
             </a:r>
             <a:r>
-              <a:rPr lang="en-US" sz="3200" dirty="0"/>
+              <a:rPr lang="en-US" sz="3200" dirty="0">
+                <a:solidFill>
+                  <a:schemeClr val="bg1"/>
+                </a:solidFill>
+              </a:rPr>
               <a:t>“</a:t>
             </a:r>
             <a:r>
-              <a:rPr lang="ru-RU" sz="3200" dirty="0"/>
+              <a:rPr lang="ru-RU" sz="3200" dirty="0">
+                <a:solidFill>
+                  <a:schemeClr val="bg1"/>
+                </a:solidFill>
+              </a:rPr>
               <a:t>Полное дно</a:t>
             </a:r>
             <a:r>
-              <a:rPr lang="en-US" sz="3200" dirty="0"/>
+              <a:rPr lang="en-US" sz="3200" dirty="0">
+                <a:solidFill>
+                  <a:schemeClr val="bg1"/>
+                </a:solidFill>
+              </a:rPr>
               <a:t>”</a:t>
             </a:r>
-            <a:endParaRPr lang="ru-RU" sz="3200" dirty="0"/>
+            <a:endParaRPr lang="ru-RU" sz="3200" dirty="0">
+              <a:solidFill>
+                <a:schemeClr val="bg1"/>
+              </a:solidFill>
+            </a:endParaRPr>
           </a:p>
         </p:txBody>
       </p:sp>
@@ -3514,7 +3642,7 @@
 </p:sld>
 </file>
 
-<file path=ppt/slides/slide2.xml><?xml version="1.0" encoding="utf-8"?>
+<file path=ppt/slides/slide10.xml><?xml version="1.0" encoding="utf-8"?>
 <p:sld xmlns:a="http://schemas.openxmlformats.org/drawingml/2006/main" xmlns:r="http://schemas.openxmlformats.org/officeDocument/2006/relationships" xmlns:p="http://schemas.openxmlformats.org/presentationml/2006/main">
   <p:cSld>
     <p:spTree>
@@ -3531,149 +3659,57 @@
           <a:chExt cx="0" cy="0"/>
         </a:xfrm>
       </p:grpSpPr>
-      <p:sp>
-        <p:nvSpPr>
-          <p:cNvPr id="4" name="TextBox 3">
+      <p:pic>
+        <p:nvPicPr>
+          <p:cNvPr id="2050" name="Picture 2">
             <a:extLst>
               <a:ext uri="{FF2B5EF4-FFF2-40B4-BE49-F238E27FC236}">
-                <a16:creationId xmlns:a16="http://schemas.microsoft.com/office/drawing/2014/main" id="{8CE20711-7F5A-4FFC-BD8A-26B19C9143B6}"/>
+                <a16:creationId xmlns:a16="http://schemas.microsoft.com/office/drawing/2014/main" id="{9A815281-405B-462A-A6C7-36B861971BF6}"/>
               </a:ext>
             </a:extLst>
           </p:cNvPr>
-          <p:cNvSpPr txBox="1"/>
+          <p:cNvPicPr>
+            <a:picLocks noChangeAspect="1" noChangeArrowheads="1"/>
+          </p:cNvPicPr>
           <p:nvPr/>
-        </p:nvSpPr>
-        <p:spPr>
+        </p:nvPicPr>
+        <p:blipFill>
+          <a:blip r:embed="rId2">
+            <a:extLst>
+              <a:ext uri="{28A0092B-C50C-407E-A947-70E740481C1C}">
+                <a14:useLocalDpi xmlns:a14="http://schemas.microsoft.com/office/drawing/2010/main" val="0"/>
+              </a:ext>
+            </a:extLst>
+          </a:blip>
+          <a:srcRect/>
+          <a:stretch>
+            <a:fillRect/>
+          </a:stretch>
+        </p:blipFill>
+        <p:spPr bwMode="auto">
           <a:xfrm>
-            <a:off x="671119" y="604007"/>
-            <a:ext cx="10570129" cy="3693319"/>
+            <a:off x="532439" y="1452190"/>
+            <a:ext cx="10790237" cy="3407443"/>
           </a:xfrm>
           <a:prstGeom prst="rect">
             <a:avLst/>
           </a:prstGeom>
           <a:noFill/>
+          <a:extLst>
+            <a:ext uri="{909E8E84-426E-40DD-AFC4-6F175D3DCCD1}">
+              <a14:hiddenFill xmlns:a14="http://schemas.microsoft.com/office/drawing/2010/main">
+                <a:solidFill>
+                  <a:srgbClr val="FFFFFF"/>
+                </a:solidFill>
+              </a14:hiddenFill>
+            </a:ext>
+          </a:extLst>
         </p:spPr>
-        <p:txBody>
-          <a:bodyPr wrap="square" rtlCol="0">
-            <a:spAutoFit/>
-          </a:bodyPr>
-          <a:lstStyle/>
-          <a:p>
-            <a:r>
-              <a:rPr lang="ru-RU" sz="2400" b="1" dirty="0"/>
-              <a:t>Анализ технических требований</a:t>
-            </a:r>
-            <a:r>
-              <a:rPr lang="en-US" sz="2400" b="1" dirty="0"/>
-              <a:t>:</a:t>
-            </a:r>
-          </a:p>
-          <a:p>
-            <a:r>
-              <a:rPr lang="ru-RU" sz="2400" dirty="0"/>
-              <a:t>Для реализации программного обеспечения определения локации донной станции</a:t>
-            </a:r>
-            <a:r>
-              <a:rPr lang="en-US" sz="2400" dirty="0"/>
-              <a:t> </a:t>
-            </a:r>
-            <a:r>
-              <a:rPr lang="ru-RU" sz="2400" dirty="0"/>
-              <a:t>мы использовали следующие технологии</a:t>
-            </a:r>
-            <a:r>
-              <a:rPr lang="en-US" sz="2400" dirty="0"/>
-              <a:t>:</a:t>
-            </a:r>
-            <a:r>
-              <a:rPr lang="ru-RU" sz="2400" dirty="0"/>
-              <a:t> </a:t>
-            </a:r>
-          </a:p>
-          <a:p>
-            <a:pPr marL="342900" indent="-342900">
-              <a:buFont typeface="Arial" panose="020B0604020202020204" pitchFamily="34" charset="0"/>
-              <a:buChar char="•"/>
-            </a:pPr>
-            <a:r>
-              <a:rPr lang="ru-RU" sz="2400" dirty="0"/>
-              <a:t>Метод </a:t>
-            </a:r>
-            <a:r>
-              <a:rPr lang="ru-RU" sz="2400" dirty="0" err="1"/>
-              <a:t>трилатерации</a:t>
-            </a:r>
-            <a:endParaRPr lang="ru-RU" sz="2400" dirty="0"/>
-          </a:p>
-          <a:p>
-            <a:pPr marL="342900" indent="-342900">
-              <a:buFont typeface="Arial" panose="020B0604020202020204" pitchFamily="34" charset="0"/>
-              <a:buChar char="•"/>
-            </a:pPr>
-            <a:r>
-              <a:rPr lang="en-US" sz="2400" dirty="0" err="1"/>
-              <a:t>Tkinter</a:t>
-            </a:r>
-            <a:r>
-              <a:rPr lang="en-US" sz="2400" dirty="0"/>
-              <a:t> </a:t>
-            </a:r>
-            <a:r>
-              <a:rPr lang="ru-RU" sz="2400" dirty="0"/>
-              <a:t>для </a:t>
-            </a:r>
-            <a:r>
-              <a:rPr lang="en-US" sz="2400" dirty="0"/>
-              <a:t>GUI</a:t>
-            </a:r>
-          </a:p>
-          <a:p>
-            <a:pPr marL="342900" indent="-342900">
-              <a:buFont typeface="Arial" panose="020B0604020202020204" pitchFamily="34" charset="0"/>
-              <a:buChar char="•"/>
-            </a:pPr>
-            <a:r>
-              <a:rPr lang="en-US" sz="2400" dirty="0"/>
-              <a:t>NumPy </a:t>
-            </a:r>
-            <a:r>
-              <a:rPr lang="ru-RU" sz="2400" dirty="0"/>
-              <a:t>для математических вычислений и линейной алгебры</a:t>
-            </a:r>
-          </a:p>
-          <a:p>
-            <a:pPr marL="342900" indent="-342900">
-              <a:buFont typeface="Arial" panose="020B0604020202020204" pitchFamily="34" charset="0"/>
-              <a:buChar char="•"/>
-            </a:pPr>
-            <a:r>
-              <a:rPr lang="ru-RU" sz="2400" dirty="0"/>
-              <a:t>ООП</a:t>
-            </a:r>
-          </a:p>
-          <a:p>
-            <a:pPr marL="342900" indent="-342900">
-              <a:buFont typeface="Arial" panose="020B0604020202020204" pitchFamily="34" charset="0"/>
-              <a:buChar char="•"/>
-            </a:pPr>
-            <a:endParaRPr lang="en-US" dirty="0"/>
-          </a:p>
-          <a:p>
-            <a:endParaRPr lang="ru-RU" sz="2400" dirty="0"/>
-          </a:p>
-          <a:p>
-            <a:pPr marL="342900" indent="-342900">
-              <a:buFont typeface="Arial" panose="020B0604020202020204" pitchFamily="34" charset="0"/>
-              <a:buChar char="•"/>
-            </a:pPr>
-            <a:endParaRPr lang="en-US" sz="2400" dirty="0"/>
-          </a:p>
-        </p:txBody>
-      </p:sp>
+      </p:pic>
     </p:spTree>
     <p:extLst>
       <p:ext uri="{BB962C8B-B14F-4D97-AF65-F5344CB8AC3E}">
-        <p14:creationId xmlns:p14="http://schemas.microsoft.com/office/powerpoint/2010/main" val="3189185949"/>
+        <p14:creationId xmlns:p14="http://schemas.microsoft.com/office/powerpoint/2010/main" val="2278812807"/>
       </p:ext>
     </p:extLst>
   </p:cSld>
@@ -3683,7 +3719,7 @@
 </p:sld>
 </file>
 
-<file path=ppt/slides/slide3.xml><?xml version="1.0" encoding="utf-8"?>
+<file path=ppt/slides/slide11.xml><?xml version="1.0" encoding="utf-8"?>
 <p:sld xmlns:a="http://schemas.openxmlformats.org/drawingml/2006/main" xmlns:r="http://schemas.openxmlformats.org/officeDocument/2006/relationships" xmlns:p="http://schemas.openxmlformats.org/presentationml/2006/main">
   <p:cSld>
     <p:spTree>
@@ -3705,6 +3741,1514 @@
           <p:cNvPr id="2" name="Заголовок 1">
             <a:extLst>
               <a:ext uri="{FF2B5EF4-FFF2-40B4-BE49-F238E27FC236}">
+                <a16:creationId xmlns:a16="http://schemas.microsoft.com/office/drawing/2014/main" id="{D4048B05-18FD-43E7-92EC-AEB579F81FD7}"/>
+              </a:ext>
+            </a:extLst>
+          </p:cNvPr>
+          <p:cNvSpPr>
+            <a:spLocks noGrp="1"/>
+          </p:cNvSpPr>
+          <p:nvPr>
+            <p:ph type="title"/>
+          </p:nvPr>
+        </p:nvSpPr>
+        <p:spPr/>
+        <p:txBody>
+          <a:bodyPr/>
+          <a:lstStyle/>
+          <a:p>
+            <a:endParaRPr lang="ru-RU"/>
+          </a:p>
+        </p:txBody>
+      </p:sp>
+      <p:sp>
+        <p:nvSpPr>
+          <p:cNvPr id="3" name="Объект 2">
+            <a:extLst>
+              <a:ext uri="{FF2B5EF4-FFF2-40B4-BE49-F238E27FC236}">
+                <a16:creationId xmlns:a16="http://schemas.microsoft.com/office/drawing/2014/main" id="{158972C3-68C0-407B-A4F3-6368008B7516}"/>
+              </a:ext>
+            </a:extLst>
+          </p:cNvPr>
+          <p:cNvSpPr>
+            <a:spLocks noGrp="1"/>
+          </p:cNvSpPr>
+          <p:nvPr>
+            <p:ph idx="1"/>
+          </p:nvPr>
+        </p:nvSpPr>
+        <p:spPr/>
+        <p:txBody>
+          <a:bodyPr/>
+          <a:lstStyle/>
+          <a:p>
+            <a:pPr marL="0" indent="0">
+              <a:buNone/>
+            </a:pPr>
+            <a:endParaRPr lang="ru-RU" dirty="0"/>
+          </a:p>
+        </p:txBody>
+      </p:sp>
+    </p:spTree>
+    <p:extLst>
+      <p:ext uri="{BB962C8B-B14F-4D97-AF65-F5344CB8AC3E}">
+        <p14:creationId xmlns:p14="http://schemas.microsoft.com/office/powerpoint/2010/main" val="1699280209"/>
+      </p:ext>
+    </p:extLst>
+  </p:cSld>
+  <p:clrMapOvr>
+    <a:masterClrMapping/>
+  </p:clrMapOvr>
+</p:sld>
+</file>
+
+<file path=ppt/slides/slide2.xml><?xml version="1.0" encoding="utf-8"?>
+<p:sld xmlns:a="http://schemas.openxmlformats.org/drawingml/2006/main" xmlns:r="http://schemas.openxmlformats.org/officeDocument/2006/relationships" xmlns:p="http://schemas.openxmlformats.org/presentationml/2006/main">
+  <p:cSld>
+    <p:bg>
+      <p:bgPr>
+        <a:solidFill>
+          <a:schemeClr val="bg1"/>
+        </a:solidFill>
+        <a:effectLst/>
+      </p:bgPr>
+    </p:bg>
+    <p:spTree>
+      <p:nvGrpSpPr>
+        <p:cNvPr id="1" name=""/>
+        <p:cNvGrpSpPr/>
+        <p:nvPr/>
+      </p:nvGrpSpPr>
+      <p:grpSpPr>
+        <a:xfrm>
+          <a:off x="0" y="0"/>
+          <a:ext cx="0" cy="0"/>
+          <a:chOff x="0" y="0"/>
+          <a:chExt cx="0" cy="0"/>
+        </a:xfrm>
+      </p:grpSpPr>
+      <p:sp>
+        <p:nvSpPr>
+          <p:cNvPr id="9" name="Rectangle 8">
+            <a:extLst>
+              <a:ext uri="{FF2B5EF4-FFF2-40B4-BE49-F238E27FC236}">
+                <a16:creationId xmlns:a16="http://schemas.microsoft.com/office/drawing/2014/main" id="{8E7CFAA6-1DBB-43B0-BD82-2FB83CF4E4A4}"/>
+              </a:ext>
+              <a:ext uri="{C183D7F6-B498-43B3-948B-1728B52AA6E4}">
+                <adec:decorative xmlns:adec="http://schemas.microsoft.com/office/drawing/2017/decorative" val="1"/>
+              </a:ext>
+            </a:extLst>
+          </p:cNvPr>
+          <p:cNvSpPr>
+            <a:spLocks noGrp="1" noRot="1" noChangeAspect="1" noMove="1" noResize="1" noEditPoints="1" noAdjustHandles="1" noChangeArrowheads="1" noChangeShapeType="1" noTextEdit="1"/>
+          </p:cNvSpPr>
+          <p:nvPr>
+            <p:extLst>
+              <p:ext uri="{386F3935-93C4-4BCD-93E2-E3B085C9AB24}">
+                <p16:designElem xmlns:p16="http://schemas.microsoft.com/office/powerpoint/2015/main" val="1"/>
+              </p:ext>
+            </p:extLst>
+          </p:nvPr>
+        </p:nvSpPr>
+        <p:spPr>
+          <a:xfrm>
+            <a:off x="0" y="0"/>
+            <a:ext cx="12192000" cy="6858000"/>
+          </a:xfrm>
+          <a:prstGeom prst="rect">
+            <a:avLst/>
+          </a:prstGeom>
+          <a:ln>
+            <a:noFill/>
+          </a:ln>
+        </p:spPr>
+        <p:style>
+          <a:lnRef idx="2">
+            <a:schemeClr val="accent1">
+              <a:shade val="50000"/>
+            </a:schemeClr>
+          </a:lnRef>
+          <a:fillRef idx="1">
+            <a:schemeClr val="accent1"/>
+          </a:fillRef>
+          <a:effectRef idx="0">
+            <a:schemeClr val="accent1"/>
+          </a:effectRef>
+          <a:fontRef idx="minor">
+            <a:schemeClr val="lt1"/>
+          </a:fontRef>
+        </p:style>
+        <p:txBody>
+          <a:bodyPr rtlCol="0" anchor="ctr"/>
+          <a:lstStyle/>
+          <a:p>
+            <a:pPr algn="ctr"/>
+            <a:endParaRPr lang="en-US"/>
+          </a:p>
+        </p:txBody>
+      </p:sp>
+      <p:cxnSp>
+        <p:nvCxnSpPr>
+          <p:cNvPr id="11" name="Straight Connector 10">
+            <a:extLst>
+              <a:ext uri="{FF2B5EF4-FFF2-40B4-BE49-F238E27FC236}">
+                <a16:creationId xmlns:a16="http://schemas.microsoft.com/office/drawing/2014/main" id="{9E13708B-D2E3-41E3-BD49-F910056473ED}"/>
+              </a:ext>
+              <a:ext uri="{C183D7F6-B498-43B3-948B-1728B52AA6E4}">
+                <adec:decorative xmlns:adec="http://schemas.microsoft.com/office/drawing/2017/decorative" val="1"/>
+              </a:ext>
+            </a:extLst>
+          </p:cNvPr>
+          <p:cNvCxnSpPr>
+            <a:cxnSpLocks noGrp="1" noRot="1" noChangeAspect="1" noMove="1" noResize="1" noEditPoints="1" noAdjustHandles="1" noChangeArrowheads="1" noChangeShapeType="1"/>
+          </p:cNvCxnSpPr>
+          <p:nvPr>
+            <p:extLst>
+              <p:ext uri="{386F3935-93C4-4BCD-93E2-E3B085C9AB24}">
+                <p16:designElem xmlns:p16="http://schemas.microsoft.com/office/powerpoint/2015/main" val="1"/>
+              </p:ext>
+            </p:extLst>
+          </p:nvPr>
+        </p:nvCxnSpPr>
+        <p:spPr>
+          <a:xfrm>
+            <a:off x="4971323" y="2211346"/>
+            <a:ext cx="0" cy="2349584"/>
+          </a:xfrm>
+          <a:prstGeom prst="line">
+            <a:avLst/>
+          </a:prstGeom>
+          <a:ln>
+            <a:solidFill>
+              <a:srgbClr val="FFFFFF"/>
+            </a:solidFill>
+          </a:ln>
+        </p:spPr>
+        <p:style>
+          <a:lnRef idx="1">
+            <a:schemeClr val="accent1"/>
+          </a:lnRef>
+          <a:fillRef idx="0">
+            <a:schemeClr val="accent1"/>
+          </a:fillRef>
+          <a:effectRef idx="0">
+            <a:schemeClr val="accent1"/>
+          </a:effectRef>
+          <a:fontRef idx="minor">
+            <a:schemeClr val="tx1"/>
+          </a:fontRef>
+        </p:style>
+      </p:cxnSp>
+      <p:sp>
+        <p:nvSpPr>
+          <p:cNvPr id="4" name="TextBox 3">
+            <a:extLst>
+              <a:ext uri="{FF2B5EF4-FFF2-40B4-BE49-F238E27FC236}">
+                <a16:creationId xmlns:a16="http://schemas.microsoft.com/office/drawing/2014/main" id="{8CE20711-7F5A-4FFC-BD8A-26B19C9143B6}"/>
+              </a:ext>
+            </a:extLst>
+          </p:cNvPr>
+          <p:cNvSpPr txBox="1"/>
+          <p:nvPr/>
+        </p:nvSpPr>
+        <p:spPr>
+          <a:xfrm>
+            <a:off x="379398" y="3285728"/>
+            <a:ext cx="6142032" cy="5492749"/>
+          </a:xfrm>
+          <a:prstGeom prst="rect">
+            <a:avLst/>
+          </a:prstGeom>
+        </p:spPr>
+        <p:txBody>
+          <a:bodyPr vert="horz" lIns="91440" tIns="45720" rIns="91440" bIns="45720" rtlCol="0" anchor="ctr">
+            <a:normAutofit/>
+          </a:bodyPr>
+          <a:lstStyle/>
+          <a:p>
+            <a:pPr defTabSz="914400">
+              <a:lnSpc>
+                <a:spcPct val="85000"/>
+              </a:lnSpc>
+              <a:spcAft>
+                <a:spcPts val="600"/>
+              </a:spcAft>
+            </a:pPr>
+            <a:r>
+              <a:rPr lang="en-US" b="1" dirty="0" err="1">
+                <a:solidFill>
+                  <a:schemeClr val="tx1">
+                    <a:lumMod val="85000"/>
+                    <a:lumOff val="15000"/>
+                  </a:schemeClr>
+                </a:solidFill>
+              </a:rPr>
+              <a:t>Анализ</a:t>
+            </a:r>
+            <a:r>
+              <a:rPr lang="en-US" b="1" dirty="0">
+                <a:solidFill>
+                  <a:schemeClr val="tx1">
+                    <a:lumMod val="85000"/>
+                    <a:lumOff val="15000"/>
+                  </a:schemeClr>
+                </a:solidFill>
+              </a:rPr>
+              <a:t> </a:t>
+            </a:r>
+            <a:r>
+              <a:rPr lang="en-US" b="1" dirty="0" err="1">
+                <a:solidFill>
+                  <a:schemeClr val="tx1">
+                    <a:lumMod val="85000"/>
+                    <a:lumOff val="15000"/>
+                  </a:schemeClr>
+                </a:solidFill>
+              </a:rPr>
+              <a:t>технических</a:t>
+            </a:r>
+            <a:r>
+              <a:rPr lang="en-US" b="1" dirty="0">
+                <a:solidFill>
+                  <a:schemeClr val="tx1">
+                    <a:lumMod val="85000"/>
+                    <a:lumOff val="15000"/>
+                  </a:schemeClr>
+                </a:solidFill>
+              </a:rPr>
+              <a:t> </a:t>
+            </a:r>
+            <a:r>
+              <a:rPr lang="en-US" b="1" dirty="0" err="1">
+                <a:solidFill>
+                  <a:schemeClr val="tx1">
+                    <a:lumMod val="85000"/>
+                    <a:lumOff val="15000"/>
+                  </a:schemeClr>
+                </a:solidFill>
+              </a:rPr>
+              <a:t>требований</a:t>
+            </a:r>
+            <a:r>
+              <a:rPr lang="en-US" b="1" dirty="0">
+                <a:solidFill>
+                  <a:schemeClr val="tx1">
+                    <a:lumMod val="85000"/>
+                    <a:lumOff val="15000"/>
+                  </a:schemeClr>
+                </a:solidFill>
+              </a:rPr>
+              <a:t>:</a:t>
+            </a:r>
+          </a:p>
+          <a:p>
+            <a:pPr defTabSz="914400">
+              <a:lnSpc>
+                <a:spcPct val="85000"/>
+              </a:lnSpc>
+              <a:spcAft>
+                <a:spcPts val="600"/>
+              </a:spcAft>
+            </a:pPr>
+            <a:r>
+              <a:rPr lang="en-US" dirty="0" err="1">
+                <a:solidFill>
+                  <a:schemeClr val="tx1">
+                    <a:lumMod val="85000"/>
+                    <a:lumOff val="15000"/>
+                  </a:schemeClr>
+                </a:solidFill>
+              </a:rPr>
+              <a:t>Для</a:t>
+            </a:r>
+            <a:r>
+              <a:rPr lang="en-US" dirty="0">
+                <a:solidFill>
+                  <a:schemeClr val="tx1">
+                    <a:lumMod val="85000"/>
+                    <a:lumOff val="15000"/>
+                  </a:schemeClr>
+                </a:solidFill>
+              </a:rPr>
+              <a:t> </a:t>
+            </a:r>
+            <a:r>
+              <a:rPr lang="en-US" dirty="0" err="1">
+                <a:solidFill>
+                  <a:schemeClr val="tx1">
+                    <a:lumMod val="85000"/>
+                    <a:lumOff val="15000"/>
+                  </a:schemeClr>
+                </a:solidFill>
+              </a:rPr>
+              <a:t>реализации</a:t>
+            </a:r>
+            <a:r>
+              <a:rPr lang="en-US" dirty="0">
+                <a:solidFill>
+                  <a:schemeClr val="tx1">
+                    <a:lumMod val="85000"/>
+                    <a:lumOff val="15000"/>
+                  </a:schemeClr>
+                </a:solidFill>
+              </a:rPr>
+              <a:t> </a:t>
+            </a:r>
+            <a:r>
+              <a:rPr lang="en-US" dirty="0" err="1">
+                <a:solidFill>
+                  <a:schemeClr val="tx1">
+                    <a:lumMod val="85000"/>
+                    <a:lumOff val="15000"/>
+                  </a:schemeClr>
+                </a:solidFill>
+              </a:rPr>
+              <a:t>программного</a:t>
+            </a:r>
+            <a:r>
+              <a:rPr lang="en-US" dirty="0">
+                <a:solidFill>
+                  <a:schemeClr val="tx1">
+                    <a:lumMod val="85000"/>
+                    <a:lumOff val="15000"/>
+                  </a:schemeClr>
+                </a:solidFill>
+              </a:rPr>
+              <a:t> </a:t>
+            </a:r>
+            <a:r>
+              <a:rPr lang="en-US" dirty="0" err="1">
+                <a:solidFill>
+                  <a:schemeClr val="tx1">
+                    <a:lumMod val="85000"/>
+                    <a:lumOff val="15000"/>
+                  </a:schemeClr>
+                </a:solidFill>
+              </a:rPr>
+              <a:t>обеспечения</a:t>
+            </a:r>
+            <a:r>
+              <a:rPr lang="en-US" dirty="0">
+                <a:solidFill>
+                  <a:schemeClr val="tx1">
+                    <a:lumMod val="85000"/>
+                    <a:lumOff val="15000"/>
+                  </a:schemeClr>
+                </a:solidFill>
+              </a:rPr>
+              <a:t> </a:t>
+            </a:r>
+            <a:r>
+              <a:rPr lang="en-US" dirty="0" err="1">
+                <a:solidFill>
+                  <a:schemeClr val="tx1">
+                    <a:lumMod val="85000"/>
+                    <a:lumOff val="15000"/>
+                  </a:schemeClr>
+                </a:solidFill>
+              </a:rPr>
+              <a:t>определения</a:t>
+            </a:r>
+            <a:r>
+              <a:rPr lang="en-US" dirty="0">
+                <a:solidFill>
+                  <a:schemeClr val="tx1">
+                    <a:lumMod val="85000"/>
+                    <a:lumOff val="15000"/>
+                  </a:schemeClr>
+                </a:solidFill>
+              </a:rPr>
+              <a:t> </a:t>
+            </a:r>
+            <a:r>
+              <a:rPr lang="en-US" dirty="0" err="1">
+                <a:solidFill>
+                  <a:schemeClr val="tx1">
+                    <a:lumMod val="85000"/>
+                    <a:lumOff val="15000"/>
+                  </a:schemeClr>
+                </a:solidFill>
+              </a:rPr>
+              <a:t>локации</a:t>
+            </a:r>
+            <a:r>
+              <a:rPr lang="en-US" dirty="0">
+                <a:solidFill>
+                  <a:schemeClr val="tx1">
+                    <a:lumMod val="85000"/>
+                    <a:lumOff val="15000"/>
+                  </a:schemeClr>
+                </a:solidFill>
+              </a:rPr>
+              <a:t> </a:t>
+            </a:r>
+            <a:r>
+              <a:rPr lang="en-US" dirty="0" err="1">
+                <a:solidFill>
+                  <a:schemeClr val="tx1">
+                    <a:lumMod val="85000"/>
+                    <a:lumOff val="15000"/>
+                  </a:schemeClr>
+                </a:solidFill>
+              </a:rPr>
+              <a:t>донной</a:t>
+            </a:r>
+            <a:r>
+              <a:rPr lang="en-US" dirty="0">
+                <a:solidFill>
+                  <a:schemeClr val="tx1">
+                    <a:lumMod val="85000"/>
+                    <a:lumOff val="15000"/>
+                  </a:schemeClr>
+                </a:solidFill>
+              </a:rPr>
+              <a:t> </a:t>
+            </a:r>
+            <a:r>
+              <a:rPr lang="en-US" dirty="0" err="1">
+                <a:solidFill>
+                  <a:schemeClr val="tx1">
+                    <a:lumMod val="85000"/>
+                    <a:lumOff val="15000"/>
+                  </a:schemeClr>
+                </a:solidFill>
+              </a:rPr>
+              <a:t>станции</a:t>
+            </a:r>
+            <a:r>
+              <a:rPr lang="en-US" dirty="0">
+                <a:solidFill>
+                  <a:schemeClr val="tx1">
+                    <a:lumMod val="85000"/>
+                    <a:lumOff val="15000"/>
+                  </a:schemeClr>
+                </a:solidFill>
+              </a:rPr>
+              <a:t> </a:t>
+            </a:r>
+            <a:r>
+              <a:rPr lang="en-US" dirty="0" err="1">
+                <a:solidFill>
+                  <a:schemeClr val="tx1">
+                    <a:lumMod val="85000"/>
+                    <a:lumOff val="15000"/>
+                  </a:schemeClr>
+                </a:solidFill>
+              </a:rPr>
+              <a:t>мы</a:t>
+            </a:r>
+            <a:r>
+              <a:rPr lang="en-US" dirty="0">
+                <a:solidFill>
+                  <a:schemeClr val="tx1">
+                    <a:lumMod val="85000"/>
+                    <a:lumOff val="15000"/>
+                  </a:schemeClr>
+                </a:solidFill>
+              </a:rPr>
+              <a:t> </a:t>
+            </a:r>
+            <a:r>
+              <a:rPr lang="en-US" dirty="0" err="1">
+                <a:solidFill>
+                  <a:schemeClr val="tx1">
+                    <a:lumMod val="85000"/>
+                    <a:lumOff val="15000"/>
+                  </a:schemeClr>
+                </a:solidFill>
+              </a:rPr>
+              <a:t>использовали</a:t>
+            </a:r>
+            <a:r>
+              <a:rPr lang="en-US" dirty="0">
+                <a:solidFill>
+                  <a:schemeClr val="tx1">
+                    <a:lumMod val="85000"/>
+                    <a:lumOff val="15000"/>
+                  </a:schemeClr>
+                </a:solidFill>
+              </a:rPr>
+              <a:t> </a:t>
+            </a:r>
+            <a:r>
+              <a:rPr lang="en-US" dirty="0" err="1">
+                <a:solidFill>
+                  <a:schemeClr val="tx1">
+                    <a:lumMod val="85000"/>
+                    <a:lumOff val="15000"/>
+                  </a:schemeClr>
+                </a:solidFill>
+              </a:rPr>
+              <a:t>следующие</a:t>
+            </a:r>
+            <a:r>
+              <a:rPr lang="en-US" dirty="0">
+                <a:solidFill>
+                  <a:schemeClr val="tx1">
+                    <a:lumMod val="85000"/>
+                    <a:lumOff val="15000"/>
+                  </a:schemeClr>
+                </a:solidFill>
+              </a:rPr>
+              <a:t> </a:t>
+            </a:r>
+            <a:r>
+              <a:rPr lang="en-US" dirty="0" err="1">
+                <a:solidFill>
+                  <a:schemeClr val="tx1">
+                    <a:lumMod val="85000"/>
+                    <a:lumOff val="15000"/>
+                  </a:schemeClr>
+                </a:solidFill>
+              </a:rPr>
+              <a:t>технологии</a:t>
+            </a:r>
+            <a:r>
+              <a:rPr lang="en-US" dirty="0">
+                <a:solidFill>
+                  <a:schemeClr val="tx1">
+                    <a:lumMod val="85000"/>
+                    <a:lumOff val="15000"/>
+                  </a:schemeClr>
+                </a:solidFill>
+              </a:rPr>
+              <a:t>: </a:t>
+            </a:r>
+          </a:p>
+          <a:p>
+            <a:pPr marL="285750" indent="-285750" defTabSz="914400">
+              <a:lnSpc>
+                <a:spcPct val="85000"/>
+              </a:lnSpc>
+              <a:spcAft>
+                <a:spcPts val="600"/>
+              </a:spcAft>
+              <a:buFont typeface="Arial" panose="020B0604020202020204" pitchFamily="34" charset="0"/>
+              <a:buChar char="•"/>
+            </a:pPr>
+            <a:r>
+              <a:rPr lang="en-US" dirty="0" err="1">
+                <a:solidFill>
+                  <a:schemeClr val="tx1">
+                    <a:lumMod val="85000"/>
+                    <a:lumOff val="15000"/>
+                  </a:schemeClr>
+                </a:solidFill>
+              </a:rPr>
+              <a:t>Метод</a:t>
+            </a:r>
+            <a:r>
+              <a:rPr lang="en-US" dirty="0">
+                <a:solidFill>
+                  <a:schemeClr val="tx1">
+                    <a:lumMod val="85000"/>
+                    <a:lumOff val="15000"/>
+                  </a:schemeClr>
+                </a:solidFill>
+              </a:rPr>
+              <a:t> </a:t>
+            </a:r>
+            <a:r>
+              <a:rPr lang="en-US" dirty="0" err="1">
+                <a:solidFill>
+                  <a:schemeClr val="tx1">
+                    <a:lumMod val="85000"/>
+                    <a:lumOff val="15000"/>
+                  </a:schemeClr>
+                </a:solidFill>
+              </a:rPr>
+              <a:t>трилатерации</a:t>
+            </a:r>
+            <a:endParaRPr lang="en-US" dirty="0">
+              <a:solidFill>
+                <a:schemeClr val="tx1">
+                  <a:lumMod val="85000"/>
+                  <a:lumOff val="15000"/>
+                </a:schemeClr>
+              </a:solidFill>
+            </a:endParaRPr>
+          </a:p>
+          <a:p>
+            <a:pPr marL="285750" indent="-285750" defTabSz="914400">
+              <a:lnSpc>
+                <a:spcPct val="85000"/>
+              </a:lnSpc>
+              <a:spcAft>
+                <a:spcPts val="600"/>
+              </a:spcAft>
+              <a:buFont typeface="Arial" panose="020B0604020202020204" pitchFamily="34" charset="0"/>
+              <a:buChar char="•"/>
+            </a:pPr>
+            <a:r>
+              <a:rPr lang="en-US" dirty="0" err="1">
+                <a:solidFill>
+                  <a:schemeClr val="tx1">
+                    <a:lumMod val="85000"/>
+                    <a:lumOff val="15000"/>
+                  </a:schemeClr>
+                </a:solidFill>
+              </a:rPr>
+              <a:t>Tkinter</a:t>
+            </a:r>
+            <a:r>
+              <a:rPr lang="en-US" dirty="0">
+                <a:solidFill>
+                  <a:schemeClr val="tx1">
+                    <a:lumMod val="85000"/>
+                    <a:lumOff val="15000"/>
+                  </a:schemeClr>
+                </a:solidFill>
+              </a:rPr>
+              <a:t> </a:t>
+            </a:r>
+            <a:r>
+              <a:rPr lang="en-US" dirty="0" err="1">
+                <a:solidFill>
+                  <a:schemeClr val="tx1">
+                    <a:lumMod val="85000"/>
+                    <a:lumOff val="15000"/>
+                  </a:schemeClr>
+                </a:solidFill>
+              </a:rPr>
+              <a:t>для</a:t>
+            </a:r>
+            <a:r>
+              <a:rPr lang="en-US" dirty="0">
+                <a:solidFill>
+                  <a:schemeClr val="tx1">
+                    <a:lumMod val="85000"/>
+                    <a:lumOff val="15000"/>
+                  </a:schemeClr>
+                </a:solidFill>
+              </a:rPr>
+              <a:t> GUI</a:t>
+            </a:r>
+          </a:p>
+          <a:p>
+            <a:pPr marL="285750" indent="-285750" defTabSz="914400">
+              <a:lnSpc>
+                <a:spcPct val="85000"/>
+              </a:lnSpc>
+              <a:spcAft>
+                <a:spcPts val="600"/>
+              </a:spcAft>
+              <a:buFont typeface="Arial" panose="020B0604020202020204" pitchFamily="34" charset="0"/>
+              <a:buChar char="•"/>
+            </a:pPr>
+            <a:r>
+              <a:rPr lang="en-US" dirty="0">
+                <a:solidFill>
+                  <a:schemeClr val="tx1">
+                    <a:lumMod val="85000"/>
+                    <a:lumOff val="15000"/>
+                  </a:schemeClr>
+                </a:solidFill>
+              </a:rPr>
+              <a:t>NumPy </a:t>
+            </a:r>
+            <a:r>
+              <a:rPr lang="en-US" dirty="0" err="1">
+                <a:solidFill>
+                  <a:schemeClr val="tx1">
+                    <a:lumMod val="85000"/>
+                    <a:lumOff val="15000"/>
+                  </a:schemeClr>
+                </a:solidFill>
+              </a:rPr>
+              <a:t>для</a:t>
+            </a:r>
+            <a:r>
+              <a:rPr lang="en-US" dirty="0">
+                <a:solidFill>
+                  <a:schemeClr val="tx1">
+                    <a:lumMod val="85000"/>
+                    <a:lumOff val="15000"/>
+                  </a:schemeClr>
+                </a:solidFill>
+              </a:rPr>
+              <a:t> </a:t>
+            </a:r>
+            <a:r>
+              <a:rPr lang="en-US" dirty="0" err="1">
+                <a:solidFill>
+                  <a:schemeClr val="tx1">
+                    <a:lumMod val="85000"/>
+                    <a:lumOff val="15000"/>
+                  </a:schemeClr>
+                </a:solidFill>
+              </a:rPr>
+              <a:t>математических</a:t>
+            </a:r>
+            <a:r>
+              <a:rPr lang="en-US" dirty="0">
+                <a:solidFill>
+                  <a:schemeClr val="tx1">
+                    <a:lumMod val="85000"/>
+                    <a:lumOff val="15000"/>
+                  </a:schemeClr>
+                </a:solidFill>
+              </a:rPr>
+              <a:t> </a:t>
+            </a:r>
+            <a:r>
+              <a:rPr lang="en-US" dirty="0" err="1">
+                <a:solidFill>
+                  <a:schemeClr val="tx1">
+                    <a:lumMod val="85000"/>
+                    <a:lumOff val="15000"/>
+                  </a:schemeClr>
+                </a:solidFill>
+              </a:rPr>
+              <a:t>вычислений</a:t>
+            </a:r>
+            <a:r>
+              <a:rPr lang="en-US" dirty="0">
+                <a:solidFill>
+                  <a:schemeClr val="tx1">
+                    <a:lumMod val="85000"/>
+                    <a:lumOff val="15000"/>
+                  </a:schemeClr>
+                </a:solidFill>
+              </a:rPr>
+              <a:t> и </a:t>
+            </a:r>
+            <a:r>
+              <a:rPr lang="en-US" dirty="0" err="1">
+                <a:solidFill>
+                  <a:schemeClr val="tx1">
+                    <a:lumMod val="85000"/>
+                    <a:lumOff val="15000"/>
+                  </a:schemeClr>
+                </a:solidFill>
+              </a:rPr>
+              <a:t>линейной</a:t>
+            </a:r>
+            <a:r>
+              <a:rPr lang="en-US" dirty="0">
+                <a:solidFill>
+                  <a:schemeClr val="tx1">
+                    <a:lumMod val="85000"/>
+                    <a:lumOff val="15000"/>
+                  </a:schemeClr>
+                </a:solidFill>
+              </a:rPr>
+              <a:t> </a:t>
+            </a:r>
+            <a:r>
+              <a:rPr lang="en-US" dirty="0" err="1">
+                <a:solidFill>
+                  <a:schemeClr val="tx1">
+                    <a:lumMod val="85000"/>
+                    <a:lumOff val="15000"/>
+                  </a:schemeClr>
+                </a:solidFill>
+              </a:rPr>
+              <a:t>алгебры</a:t>
+            </a:r>
+            <a:endParaRPr lang="en-US" dirty="0">
+              <a:solidFill>
+                <a:schemeClr val="tx1">
+                  <a:lumMod val="85000"/>
+                  <a:lumOff val="15000"/>
+                </a:schemeClr>
+              </a:solidFill>
+            </a:endParaRPr>
+          </a:p>
+          <a:p>
+            <a:pPr marL="285750" indent="-285750" defTabSz="914400">
+              <a:lnSpc>
+                <a:spcPct val="85000"/>
+              </a:lnSpc>
+              <a:spcAft>
+                <a:spcPts val="600"/>
+              </a:spcAft>
+              <a:buFont typeface="Arial" panose="020B0604020202020204" pitchFamily="34" charset="0"/>
+              <a:buChar char="•"/>
+            </a:pPr>
+            <a:r>
+              <a:rPr lang="en-US" dirty="0">
+                <a:solidFill>
+                  <a:schemeClr val="tx1">
+                    <a:lumMod val="85000"/>
+                    <a:lumOff val="15000"/>
+                  </a:schemeClr>
+                </a:solidFill>
+              </a:rPr>
+              <a:t>ООП</a:t>
+            </a:r>
+          </a:p>
+          <a:p>
+            <a:pPr marL="342900" indent="-342900" defTabSz="914400">
+              <a:lnSpc>
+                <a:spcPct val="85000"/>
+              </a:lnSpc>
+              <a:spcAft>
+                <a:spcPts val="600"/>
+              </a:spcAft>
+              <a:buFont typeface="Arial" pitchFamily="34" charset="0"/>
+              <a:buChar char=" "/>
+            </a:pPr>
+            <a:endParaRPr lang="en-US" dirty="0">
+              <a:solidFill>
+                <a:schemeClr val="tx1">
+                  <a:lumMod val="85000"/>
+                  <a:lumOff val="15000"/>
+                </a:schemeClr>
+              </a:solidFill>
+            </a:endParaRPr>
+          </a:p>
+          <a:p>
+            <a:pPr defTabSz="914400">
+              <a:lnSpc>
+                <a:spcPct val="85000"/>
+              </a:lnSpc>
+              <a:spcAft>
+                <a:spcPts val="600"/>
+              </a:spcAft>
+              <a:buFont typeface="Arial" pitchFamily="34" charset="0"/>
+              <a:buChar char=" "/>
+            </a:pPr>
+            <a:endParaRPr lang="en-US" dirty="0">
+              <a:solidFill>
+                <a:schemeClr val="tx1">
+                  <a:lumMod val="85000"/>
+                  <a:lumOff val="15000"/>
+                </a:schemeClr>
+              </a:solidFill>
+            </a:endParaRPr>
+          </a:p>
+          <a:p>
+            <a:pPr marL="342900" indent="-342900" defTabSz="914400">
+              <a:lnSpc>
+                <a:spcPct val="85000"/>
+              </a:lnSpc>
+              <a:spcAft>
+                <a:spcPts val="600"/>
+              </a:spcAft>
+              <a:buFont typeface="Arial" pitchFamily="34" charset="0"/>
+              <a:buChar char=" "/>
+            </a:pPr>
+            <a:endParaRPr lang="en-US" dirty="0">
+              <a:solidFill>
+                <a:schemeClr val="tx1">
+                  <a:lumMod val="85000"/>
+                  <a:lumOff val="15000"/>
+                </a:schemeClr>
+              </a:solidFill>
+            </a:endParaRPr>
+          </a:p>
+        </p:txBody>
+      </p:sp>
+      <p:pic>
+        <p:nvPicPr>
+          <p:cNvPr id="1026" name="Picture 2" descr="способ и устройство для трилатерации с использованием прогнозирования линий  связи в пределах прямой видимости и фильтрации трасс в пределах прямой  видимости до проведения измерений - патент РФ 2465616 - БОРНХОЛДТ Джеймс М.  (US)">
+            <a:extLst>
+              <a:ext uri="{FF2B5EF4-FFF2-40B4-BE49-F238E27FC236}">
+                <a16:creationId xmlns:a16="http://schemas.microsoft.com/office/drawing/2014/main" id="{F0926981-7929-49A6-9A87-1DD9BBF8BF8A}"/>
+              </a:ext>
+            </a:extLst>
+          </p:cNvPr>
+          <p:cNvPicPr>
+            <a:picLocks noChangeAspect="1" noChangeArrowheads="1"/>
+          </p:cNvPicPr>
+          <p:nvPr/>
+        </p:nvPicPr>
+        <p:blipFill>
+          <a:blip r:embed="rId2">
+            <a:extLst>
+              <a:ext uri="{28A0092B-C50C-407E-A947-70E740481C1C}">
+                <a14:useLocalDpi xmlns:a14="http://schemas.microsoft.com/office/drawing/2010/main" val="0"/>
+              </a:ext>
+            </a:extLst>
+          </a:blip>
+          <a:srcRect/>
+          <a:stretch>
+            <a:fillRect/>
+          </a:stretch>
+        </p:blipFill>
+        <p:spPr bwMode="auto">
+          <a:xfrm>
+            <a:off x="1404210" y="892510"/>
+            <a:ext cx="2548399" cy="2746905"/>
+          </a:xfrm>
+          <a:prstGeom prst="rect">
+            <a:avLst/>
+          </a:prstGeom>
+          <a:noFill/>
+          <a:extLst>
+            <a:ext uri="{909E8E84-426E-40DD-AFC4-6F175D3DCCD1}">
+              <a14:hiddenFill xmlns:a14="http://schemas.microsoft.com/office/drawing/2010/main">
+                <a:solidFill>
+                  <a:srgbClr val="FFFFFF"/>
+                </a:solidFill>
+              </a14:hiddenFill>
+            </a:ext>
+          </a:extLst>
+        </p:spPr>
+      </p:pic>
+      <p:pic>
+        <p:nvPicPr>
+          <p:cNvPr id="1030" name="Picture 6" descr="Библиотека Tkinter в Python. - it-black.ru">
+            <a:extLst>
+              <a:ext uri="{FF2B5EF4-FFF2-40B4-BE49-F238E27FC236}">
+                <a16:creationId xmlns:a16="http://schemas.microsoft.com/office/drawing/2014/main" id="{FB3FD9F1-774C-48DD-B7AE-CA62D3D835DC}"/>
+              </a:ext>
+            </a:extLst>
+          </p:cNvPr>
+          <p:cNvPicPr>
+            <a:picLocks noChangeAspect="1" noChangeArrowheads="1"/>
+          </p:cNvPicPr>
+          <p:nvPr/>
+        </p:nvPicPr>
+        <p:blipFill>
+          <a:blip r:embed="rId3">
+            <a:extLst>
+              <a:ext uri="{28A0092B-C50C-407E-A947-70E740481C1C}">
+                <a14:useLocalDpi xmlns:a14="http://schemas.microsoft.com/office/drawing/2010/main" val="0"/>
+              </a:ext>
+            </a:extLst>
+          </a:blip>
+          <a:srcRect/>
+          <a:stretch>
+            <a:fillRect/>
+          </a:stretch>
+        </p:blipFill>
+        <p:spPr bwMode="auto">
+          <a:xfrm>
+            <a:off x="5990038" y="892510"/>
+            <a:ext cx="5121437" cy="2842398"/>
+          </a:xfrm>
+          <a:prstGeom prst="rect">
+            <a:avLst/>
+          </a:prstGeom>
+          <a:noFill/>
+          <a:extLst>
+            <a:ext uri="{909E8E84-426E-40DD-AFC4-6F175D3DCCD1}">
+              <a14:hiddenFill xmlns:a14="http://schemas.microsoft.com/office/drawing/2010/main">
+                <a:solidFill>
+                  <a:srgbClr val="FFFFFF"/>
+                </a:solidFill>
+              </a14:hiddenFill>
+            </a:ext>
+          </a:extLst>
+        </p:spPr>
+      </p:pic>
+    </p:spTree>
+    <p:extLst>
+      <p:ext uri="{BB962C8B-B14F-4D97-AF65-F5344CB8AC3E}">
+        <p14:creationId xmlns:p14="http://schemas.microsoft.com/office/powerpoint/2010/main" val="3189185949"/>
+      </p:ext>
+    </p:extLst>
+  </p:cSld>
+  <p:clrMapOvr>
+    <a:overrideClrMapping bg1="dk1" tx1="lt1" bg2="dk2" tx2="lt2" accent1="accent1" accent2="accent2" accent3="accent3" accent4="accent4" accent5="accent5" accent6="accent6" hlink="hlink" folHlink="folHlink"/>
+  </p:clrMapOvr>
+</p:sld>
+</file>
+
+<file path=ppt/slides/slide3.xml><?xml version="1.0" encoding="utf-8"?>
+<p:sld xmlns:a="http://schemas.openxmlformats.org/drawingml/2006/main" xmlns:r="http://schemas.openxmlformats.org/officeDocument/2006/relationships" xmlns:p="http://schemas.openxmlformats.org/presentationml/2006/main">
+  <p:cSld>
+    <p:bg>
+      <p:bgPr>
+        <a:solidFill>
+          <a:schemeClr val="bg1"/>
+        </a:solidFill>
+        <a:effectLst/>
+      </p:bgPr>
+    </p:bg>
+    <p:spTree>
+      <p:nvGrpSpPr>
+        <p:cNvPr id="1" name=""/>
+        <p:cNvGrpSpPr/>
+        <p:nvPr/>
+      </p:nvGrpSpPr>
+      <p:grpSpPr>
+        <a:xfrm>
+          <a:off x="0" y="0"/>
+          <a:ext cx="0" cy="0"/>
+          <a:chOff x="0" y="0"/>
+          <a:chExt cx="0" cy="0"/>
+        </a:xfrm>
+      </p:grpSpPr>
+      <p:sp useBgFill="1">
+        <p:nvSpPr>
+          <p:cNvPr id="14" name="Rectangle 13">
+            <a:extLst>
+              <a:ext uri="{FF2B5EF4-FFF2-40B4-BE49-F238E27FC236}">
+                <a16:creationId xmlns:a16="http://schemas.microsoft.com/office/drawing/2014/main" id="{89E2212E-0CAB-4C27-9646-C44FD35812D1}"/>
+              </a:ext>
+              <a:ext uri="{C183D7F6-B498-43B3-948B-1728B52AA6E4}">
+                <adec:decorative xmlns:adec="http://schemas.microsoft.com/office/drawing/2017/decorative" val="1"/>
+              </a:ext>
+            </a:extLst>
+          </p:cNvPr>
+          <p:cNvSpPr>
+            <a:spLocks noGrp="1" noRot="1" noChangeAspect="1" noMove="1" noResize="1" noEditPoints="1" noAdjustHandles="1" noChangeArrowheads="1" noChangeShapeType="1" noTextEdit="1"/>
+          </p:cNvSpPr>
+          <p:nvPr>
+            <p:extLst>
+              <p:ext uri="{386F3935-93C4-4BCD-93E2-E3B085C9AB24}">
+                <p16:designElem xmlns:p16="http://schemas.microsoft.com/office/powerpoint/2015/main" val="1"/>
+              </p:ext>
+            </p:extLst>
+          </p:nvPr>
+        </p:nvSpPr>
+        <p:spPr>
+          <a:xfrm>
+            <a:off x="0" y="0"/>
+            <a:ext cx="12192000" cy="5486399"/>
+          </a:xfrm>
+          <a:prstGeom prst="rect">
+            <a:avLst/>
+          </a:prstGeom>
+          <a:ln>
+            <a:noFill/>
+          </a:ln>
+        </p:spPr>
+        <p:style>
+          <a:lnRef idx="2">
+            <a:schemeClr val="accent1">
+              <a:shade val="50000"/>
+            </a:schemeClr>
+          </a:lnRef>
+          <a:fillRef idx="1">
+            <a:schemeClr val="accent1"/>
+          </a:fillRef>
+          <a:effectRef idx="0">
+            <a:schemeClr val="accent1"/>
+          </a:effectRef>
+          <a:fontRef idx="minor">
+            <a:schemeClr val="lt1"/>
+          </a:fontRef>
+        </p:style>
+        <p:txBody>
+          <a:bodyPr rtlCol="0" anchor="ctr"/>
+          <a:lstStyle/>
+          <a:p>
+            <a:pPr algn="ctr"/>
+            <a:endParaRPr lang="en-US"/>
+          </a:p>
+        </p:txBody>
+      </p:sp>
+      <p:sp>
+        <p:nvSpPr>
+          <p:cNvPr id="16" name="Rectangle 15">
+            <a:extLst>
+              <a:ext uri="{FF2B5EF4-FFF2-40B4-BE49-F238E27FC236}">
+                <a16:creationId xmlns:a16="http://schemas.microsoft.com/office/drawing/2014/main" id="{5C18B582-0035-4172-AC78-B345D13779CF}"/>
+              </a:ext>
+              <a:ext uri="{C183D7F6-B498-43B3-948B-1728B52AA6E4}">
+                <adec:decorative xmlns:adec="http://schemas.microsoft.com/office/drawing/2017/decorative" val="1"/>
+              </a:ext>
+            </a:extLst>
+          </p:cNvPr>
+          <p:cNvSpPr>
+            <a:spLocks noGrp="1" noRot="1" noChangeAspect="1" noMove="1" noResize="1" noEditPoints="1" noAdjustHandles="1" noChangeArrowheads="1" noChangeShapeType="1" noTextEdit="1"/>
+          </p:cNvSpPr>
+          <p:nvPr>
+            <p:extLst>
+              <p:ext uri="{386F3935-93C4-4BCD-93E2-E3B085C9AB24}">
+                <p16:designElem xmlns:p16="http://schemas.microsoft.com/office/powerpoint/2015/main" val="1"/>
+              </p:ext>
+            </p:extLst>
+          </p:nvPr>
+        </p:nvSpPr>
+        <p:spPr>
+          <a:xfrm>
+            <a:off x="1" y="0"/>
+            <a:ext cx="4572000" cy="2094893"/>
+          </a:xfrm>
+          <a:prstGeom prst="rect">
+            <a:avLst/>
+          </a:prstGeom>
+          <a:solidFill>
+            <a:schemeClr val="accent1"/>
+          </a:solidFill>
+          <a:ln>
+            <a:noFill/>
+          </a:ln>
+        </p:spPr>
+        <p:style>
+          <a:lnRef idx="2">
+            <a:schemeClr val="accent1">
+              <a:shade val="50000"/>
+            </a:schemeClr>
+          </a:lnRef>
+          <a:fillRef idx="1">
+            <a:schemeClr val="accent1"/>
+          </a:fillRef>
+          <a:effectRef idx="0">
+            <a:schemeClr val="accent1"/>
+          </a:effectRef>
+          <a:fontRef idx="minor">
+            <a:schemeClr val="lt1"/>
+          </a:fontRef>
+        </p:style>
+        <p:txBody>
+          <a:bodyPr rtlCol="0" anchor="ctr"/>
+          <a:lstStyle/>
+          <a:p>
+            <a:pPr algn="ctr"/>
+            <a:endParaRPr lang="en-US"/>
+          </a:p>
+        </p:txBody>
+      </p:sp>
+      <p:sp>
+        <p:nvSpPr>
+          <p:cNvPr id="18" name="Rectangle 17">
+            <a:extLst>
+              <a:ext uri="{FF2B5EF4-FFF2-40B4-BE49-F238E27FC236}">
+                <a16:creationId xmlns:a16="http://schemas.microsoft.com/office/drawing/2014/main" id="{203582CD-E7DD-40AB-9522-413F25A002EA}"/>
+              </a:ext>
+              <a:ext uri="{C183D7F6-B498-43B3-948B-1728B52AA6E4}">
+                <adec:decorative xmlns:adec="http://schemas.microsoft.com/office/drawing/2017/decorative" val="1"/>
+              </a:ext>
+            </a:extLst>
+          </p:cNvPr>
+          <p:cNvSpPr>
+            <a:spLocks noGrp="1" noRot="1" noChangeAspect="1" noMove="1" noResize="1" noEditPoints="1" noAdjustHandles="1" noChangeArrowheads="1" noChangeShapeType="1" noTextEdit="1"/>
+          </p:cNvSpPr>
+          <p:nvPr>
+            <p:extLst>
+              <p:ext uri="{386F3935-93C4-4BCD-93E2-E3B085C9AB24}">
+                <p16:designElem xmlns:p16="http://schemas.microsoft.com/office/powerpoint/2015/main" val="1"/>
+              </p:ext>
+            </p:extLst>
+          </p:nvPr>
+        </p:nvSpPr>
+        <p:spPr>
+          <a:xfrm>
+            <a:off x="321733" y="2416629"/>
+            <a:ext cx="4250267" cy="2748036"/>
+          </a:xfrm>
+          <a:prstGeom prst="rect">
+            <a:avLst/>
+          </a:prstGeom>
+          <a:solidFill>
+            <a:srgbClr val="FFFFFF"/>
+          </a:solidFill>
+          <a:ln>
+            <a:noFill/>
+          </a:ln>
+        </p:spPr>
+        <p:style>
+          <a:lnRef idx="2">
+            <a:schemeClr val="accent1">
+              <a:shade val="50000"/>
+            </a:schemeClr>
+          </a:lnRef>
+          <a:fillRef idx="1">
+            <a:schemeClr val="accent1"/>
+          </a:fillRef>
+          <a:effectRef idx="0">
+            <a:schemeClr val="accent1"/>
+          </a:effectRef>
+          <a:fontRef idx="minor">
+            <a:schemeClr val="lt1"/>
+          </a:fontRef>
+        </p:style>
+        <p:txBody>
+          <a:bodyPr rtlCol="0" anchor="ctr"/>
+          <a:lstStyle/>
+          <a:p>
+            <a:pPr algn="ctr"/>
+            <a:endParaRPr lang="en-US"/>
+          </a:p>
+        </p:txBody>
+      </p:sp>
+      <p:pic>
+        <p:nvPicPr>
+          <p:cNvPr id="5" name="Рисунок 4">
+            <a:extLst>
+              <a:ext uri="{FF2B5EF4-FFF2-40B4-BE49-F238E27FC236}">
+                <a16:creationId xmlns:a16="http://schemas.microsoft.com/office/drawing/2014/main" id="{F5094367-3ED9-4408-AF8E-3CDC04D34045}"/>
+              </a:ext>
+            </a:extLst>
+          </p:cNvPr>
+          <p:cNvPicPr>
+            <a:picLocks noChangeAspect="1"/>
+          </p:cNvPicPr>
+          <p:nvPr/>
+        </p:nvPicPr>
+        <p:blipFill>
+          <a:blip r:embed="rId2"/>
+          <a:stretch>
+            <a:fillRect/>
+          </a:stretch>
+        </p:blipFill>
+        <p:spPr>
+          <a:xfrm>
+            <a:off x="321734" y="2772281"/>
+            <a:ext cx="4250266" cy="2036733"/>
+          </a:xfrm>
+          <a:prstGeom prst="rect">
+            <a:avLst/>
+          </a:prstGeom>
+        </p:spPr>
+      </p:pic>
+      <p:sp>
+        <p:nvSpPr>
+          <p:cNvPr id="20" name="Rectangle 19">
+            <a:extLst>
+              <a:ext uri="{FF2B5EF4-FFF2-40B4-BE49-F238E27FC236}">
+                <a16:creationId xmlns:a16="http://schemas.microsoft.com/office/drawing/2014/main" id="{2DBFE69E-1B59-4CA2-91CC-C4BFEE9520F7}"/>
+              </a:ext>
+              <a:ext uri="{C183D7F6-B498-43B3-948B-1728B52AA6E4}">
+                <adec:decorative xmlns:adec="http://schemas.microsoft.com/office/drawing/2017/decorative" val="1"/>
+              </a:ext>
+            </a:extLst>
+          </p:cNvPr>
+          <p:cNvSpPr>
+            <a:spLocks noGrp="1" noRot="1" noChangeAspect="1" noMove="1" noResize="1" noEditPoints="1" noAdjustHandles="1" noChangeArrowheads="1" noChangeShapeType="1" noTextEdit="1"/>
+          </p:cNvSpPr>
+          <p:nvPr>
+            <p:extLst>
+              <p:ext uri="{386F3935-93C4-4BCD-93E2-E3B085C9AB24}">
+                <p16:designElem xmlns:p16="http://schemas.microsoft.com/office/powerpoint/2015/main" val="1"/>
+              </p:ext>
+            </p:extLst>
+          </p:nvPr>
+        </p:nvSpPr>
+        <p:spPr>
+          <a:xfrm>
+            <a:off x="4893733" y="321734"/>
+            <a:ext cx="6969159" cy="3880152"/>
+          </a:xfrm>
+          <a:prstGeom prst="rect">
+            <a:avLst/>
+          </a:prstGeom>
+          <a:solidFill>
+            <a:srgbClr val="FFFFFF"/>
+          </a:solidFill>
+          <a:ln>
+            <a:noFill/>
+          </a:ln>
+        </p:spPr>
+        <p:style>
+          <a:lnRef idx="2">
+            <a:schemeClr val="accent1">
+              <a:shade val="50000"/>
+            </a:schemeClr>
+          </a:lnRef>
+          <a:fillRef idx="1">
+            <a:schemeClr val="accent1"/>
+          </a:fillRef>
+          <a:effectRef idx="0">
+            <a:schemeClr val="accent1"/>
+          </a:effectRef>
+          <a:fontRef idx="minor">
+            <a:schemeClr val="lt1"/>
+          </a:fontRef>
+        </p:style>
+        <p:txBody>
+          <a:bodyPr rtlCol="0" anchor="ctr"/>
+          <a:lstStyle/>
+          <a:p>
+            <a:pPr algn="ctr"/>
+            <a:endParaRPr lang="en-US"/>
+          </a:p>
+        </p:txBody>
+      </p:sp>
+      <p:pic>
+        <p:nvPicPr>
+          <p:cNvPr id="9" name="Рисунок 8">
+            <a:extLst>
+              <a:ext uri="{FF2B5EF4-FFF2-40B4-BE49-F238E27FC236}">
+                <a16:creationId xmlns:a16="http://schemas.microsoft.com/office/drawing/2014/main" id="{F5DD8BA2-A31E-46A2-9021-D6AB326CD0BD}"/>
+              </a:ext>
+            </a:extLst>
+          </p:cNvPr>
+          <p:cNvPicPr>
+            <a:picLocks noChangeAspect="1"/>
+          </p:cNvPicPr>
+          <p:nvPr/>
+        </p:nvPicPr>
+        <p:blipFill>
+          <a:blip r:embed="rId3"/>
+          <a:stretch>
+            <a:fillRect/>
+          </a:stretch>
+        </p:blipFill>
+        <p:spPr>
+          <a:xfrm>
+            <a:off x="4893733" y="622353"/>
+            <a:ext cx="6969159" cy="3278913"/>
+          </a:xfrm>
+          <a:prstGeom prst="rect">
+            <a:avLst/>
+          </a:prstGeom>
+        </p:spPr>
+      </p:pic>
+      <p:sp>
+        <p:nvSpPr>
+          <p:cNvPr id="22" name="Rectangle 21">
+            <a:extLst>
+              <a:ext uri="{FF2B5EF4-FFF2-40B4-BE49-F238E27FC236}">
+                <a16:creationId xmlns:a16="http://schemas.microsoft.com/office/drawing/2014/main" id="{539D07BE-65EC-44BD-BDB0-E8376E4212C9}"/>
+              </a:ext>
+              <a:ext uri="{C183D7F6-B498-43B3-948B-1728B52AA6E4}">
+                <adec:decorative xmlns:adec="http://schemas.microsoft.com/office/drawing/2017/decorative" val="1"/>
+              </a:ext>
+            </a:extLst>
+          </p:cNvPr>
+          <p:cNvSpPr>
+            <a:spLocks noGrp="1" noRot="1" noChangeAspect="1" noMove="1" noResize="1" noEditPoints="1" noAdjustHandles="1" noChangeArrowheads="1" noChangeShapeType="1" noTextEdit="1"/>
+          </p:cNvSpPr>
+          <p:nvPr>
+            <p:extLst>
+              <p:ext uri="{386F3935-93C4-4BCD-93E2-E3B085C9AB24}">
+                <p16:designElem xmlns:p16="http://schemas.microsoft.com/office/powerpoint/2015/main" val="1"/>
+              </p:ext>
+            </p:extLst>
+          </p:nvPr>
+        </p:nvSpPr>
+        <p:spPr>
+          <a:xfrm>
+            <a:off x="4893733" y="4523620"/>
+            <a:ext cx="7298267" cy="962779"/>
+          </a:xfrm>
+          <a:prstGeom prst="rect">
+            <a:avLst/>
+          </a:prstGeom>
+          <a:solidFill>
+            <a:schemeClr val="accent1"/>
+          </a:solidFill>
+          <a:ln>
+            <a:noFill/>
+          </a:ln>
+        </p:spPr>
+        <p:style>
+          <a:lnRef idx="2">
+            <a:schemeClr val="accent1">
+              <a:shade val="50000"/>
+            </a:schemeClr>
+          </a:lnRef>
+          <a:fillRef idx="1">
+            <a:schemeClr val="accent1"/>
+          </a:fillRef>
+          <a:effectRef idx="0">
+            <a:schemeClr val="accent1"/>
+          </a:effectRef>
+          <a:fontRef idx="minor">
+            <a:schemeClr val="lt1"/>
+          </a:fontRef>
+        </p:style>
+        <p:txBody>
+          <a:bodyPr rtlCol="0" anchor="ctr"/>
+          <a:lstStyle/>
+          <a:p>
+            <a:pPr algn="ctr"/>
+            <a:endParaRPr lang="en-US"/>
+          </a:p>
+        </p:txBody>
+      </p:sp>
+      <p:sp>
+        <p:nvSpPr>
+          <p:cNvPr id="24" name="Rectangle 23">
+            <a:extLst>
+              <a:ext uri="{FF2B5EF4-FFF2-40B4-BE49-F238E27FC236}">
+                <a16:creationId xmlns:a16="http://schemas.microsoft.com/office/drawing/2014/main" id="{E1DD5439-FF10-4A30-BBE5-4AEAC546DBD2}"/>
+              </a:ext>
+              <a:ext uri="{C183D7F6-B498-43B3-948B-1728B52AA6E4}">
+                <adec:decorative xmlns:adec="http://schemas.microsoft.com/office/drawing/2017/decorative" val="1"/>
+              </a:ext>
+            </a:extLst>
+          </p:cNvPr>
+          <p:cNvSpPr>
+            <a:spLocks noGrp="1" noRot="1" noChangeAspect="1" noMove="1" noResize="1" noEditPoints="1" noAdjustHandles="1" noChangeArrowheads="1" noChangeShapeType="1" noTextEdit="1"/>
+          </p:cNvSpPr>
+          <p:nvPr>
+            <p:extLst>
+              <p:ext uri="{386F3935-93C4-4BCD-93E2-E3B085C9AB24}">
+                <p16:designElem xmlns:p16="http://schemas.microsoft.com/office/powerpoint/2015/main" val="1"/>
+              </p:ext>
+            </p:extLst>
+          </p:nvPr>
+        </p:nvSpPr>
+        <p:spPr>
+          <a:xfrm>
+            <a:off x="0" y="5486399"/>
+            <a:ext cx="12192000" cy="1371601"/>
+          </a:xfrm>
+          <a:prstGeom prst="rect">
+            <a:avLst/>
+          </a:prstGeom>
+          <a:solidFill>
+            <a:schemeClr val="accent1"/>
+          </a:solidFill>
+          <a:ln>
+            <a:noFill/>
+          </a:ln>
+        </p:spPr>
+        <p:style>
+          <a:lnRef idx="2">
+            <a:schemeClr val="accent1">
+              <a:shade val="50000"/>
+            </a:schemeClr>
+          </a:lnRef>
+          <a:fillRef idx="1">
+            <a:schemeClr val="accent1"/>
+          </a:fillRef>
+          <a:effectRef idx="0">
+            <a:schemeClr val="accent1"/>
+          </a:effectRef>
+          <a:fontRef idx="minor">
+            <a:schemeClr val="lt1"/>
+          </a:fontRef>
+        </p:style>
+        <p:txBody>
+          <a:bodyPr rtlCol="0" anchor="ctr"/>
+          <a:lstStyle/>
+          <a:p>
+            <a:pPr algn="ctr"/>
+            <a:endParaRPr lang="en-US"/>
+          </a:p>
+        </p:txBody>
+      </p:sp>
+    </p:spTree>
+    <p:extLst>
+      <p:ext uri="{BB962C8B-B14F-4D97-AF65-F5344CB8AC3E}">
+        <p14:creationId xmlns:p14="http://schemas.microsoft.com/office/powerpoint/2010/main" val="3509499977"/>
+      </p:ext>
+    </p:extLst>
+  </p:cSld>
+  <p:clrMapOvr>
+    <a:masterClrMapping/>
+  </p:clrMapOvr>
+</p:sld>
+</file>
+
+<file path=ppt/slides/slide4.xml><?xml version="1.0" encoding="utf-8"?>
+<p:sld xmlns:a="http://schemas.openxmlformats.org/drawingml/2006/main" xmlns:r="http://schemas.openxmlformats.org/officeDocument/2006/relationships" xmlns:p="http://schemas.openxmlformats.org/presentationml/2006/main">
+  <p:cSld>
+    <p:bg>
+      <p:bgPr>
+        <a:solidFill>
+          <a:schemeClr val="accent1"/>
+        </a:solidFill>
+        <a:effectLst/>
+      </p:bgPr>
+    </p:bg>
+    <p:spTree>
+      <p:nvGrpSpPr>
+        <p:cNvPr id="1" name=""/>
+        <p:cNvGrpSpPr/>
+        <p:nvPr/>
+      </p:nvGrpSpPr>
+      <p:grpSpPr>
+        <a:xfrm>
+          <a:off x="0" y="0"/>
+          <a:ext cx="0" cy="0"/>
+          <a:chOff x="0" y="0"/>
+          <a:chExt cx="0" cy="0"/>
+        </a:xfrm>
+      </p:grpSpPr>
+      <p:sp>
+        <p:nvSpPr>
+          <p:cNvPr id="2" name="Заголовок 1">
+            <a:extLst>
+              <a:ext uri="{FF2B5EF4-FFF2-40B4-BE49-F238E27FC236}">
                 <a16:creationId xmlns:a16="http://schemas.microsoft.com/office/drawing/2014/main" id="{B5D7193B-020A-43BE-9DDF-3E0C6B3F2C2C}"/>
               </a:ext>
             </a:extLst>
@@ -3716,24 +5260,69 @@
             <p:ph type="title"/>
           </p:nvPr>
         </p:nvSpPr>
-        <p:spPr/>
-        <p:txBody>
-          <a:bodyPr/>
+        <p:spPr>
+          <a:xfrm>
+            <a:off x="609601" y="4385066"/>
+            <a:ext cx="10923638" cy="1349096"/>
+          </a:xfrm>
+        </p:spPr>
+        <p:txBody>
+          <a:bodyPr vert="horz" lIns="91440" tIns="45720" rIns="91440" bIns="45720" rtlCol="0" anchor="b">
+            <a:normAutofit/>
+          </a:bodyPr>
           <a:lstStyle/>
           <a:p>
-            <a:endParaRPr lang="ru-RU"/>
-          </a:p>
-        </p:txBody>
-      </p:sp>
-      <p:sp>
-        <p:nvSpPr>
-          <p:cNvPr id="3" name="Объект 2">
+            <a:pPr>
+              <a:lnSpc>
+                <a:spcPct val="80000"/>
+              </a:lnSpc>
+            </a:pPr>
+            <a:endParaRPr lang="en-US" sz="8000" dirty="0">
+              <a:solidFill>
+                <a:srgbClr val="FFFFFF"/>
+              </a:solidFill>
+            </a:endParaRPr>
+          </a:p>
+        </p:txBody>
+      </p:sp>
+      <p:pic>
+        <p:nvPicPr>
+          <p:cNvPr id="5" name="Рисунок 4">
             <a:extLst>
               <a:ext uri="{FF2B5EF4-FFF2-40B4-BE49-F238E27FC236}">
-                <a16:creationId xmlns:a16="http://schemas.microsoft.com/office/drawing/2014/main" id="{5654F28D-003C-427D-9951-DD8C774E8BF2}"/>
+                <a16:creationId xmlns:a16="http://schemas.microsoft.com/office/drawing/2014/main" id="{1EC73224-126F-4FEB-9A55-DF31D6EC910E}"/>
               </a:ext>
             </a:extLst>
           </p:cNvPr>
+          <p:cNvPicPr>
+            <a:picLocks noChangeAspect="1"/>
+          </p:cNvPicPr>
+          <p:nvPr/>
+        </p:nvPicPr>
+        <p:blipFill rotWithShape="1">
+          <a:blip r:embed="rId2"/>
+          <a:srcRect r="34337" b="-1"/>
+          <a:stretch/>
+        </p:blipFill>
+        <p:spPr>
+          <a:xfrm>
+            <a:off x="7427494" y="2445704"/>
+            <a:ext cx="4511771" cy="4053986"/>
+          </a:xfrm>
+          <a:prstGeom prst="rect">
+            <a:avLst/>
+          </a:prstGeom>
+        </p:spPr>
+      </p:pic>
+      <p:sp>
+        <p:nvSpPr>
+          <p:cNvPr id="4" name="Объект 3">
+            <a:extLst>
+              <a:ext uri="{FF2B5EF4-FFF2-40B4-BE49-F238E27FC236}">
+                <a16:creationId xmlns:a16="http://schemas.microsoft.com/office/drawing/2014/main" id="{EEE1BADA-7EA6-4C83-8FB5-D9CAA7E8C290}"/>
+              </a:ext>
+            </a:extLst>
+          </p:cNvPr>
           <p:cNvSpPr>
             <a:spLocks noGrp="1"/>
           </p:cNvSpPr>
@@ -3746,10 +5335,40 @@
           <a:bodyPr/>
           <a:lstStyle/>
           <a:p>
-            <a:endParaRPr lang="ru-RU"/>
-          </a:p>
-        </p:txBody>
-      </p:sp>
+            <a:endParaRPr lang="ru-RU" dirty="0"/>
+          </a:p>
+        </p:txBody>
+      </p:sp>
+      <p:pic>
+        <p:nvPicPr>
+          <p:cNvPr id="8" name="Рисунок 7">
+            <a:extLst>
+              <a:ext uri="{FF2B5EF4-FFF2-40B4-BE49-F238E27FC236}">
+                <a16:creationId xmlns:a16="http://schemas.microsoft.com/office/drawing/2014/main" id="{214AB9B7-B8D1-4E71-AA5B-AC06008304EE}"/>
+              </a:ext>
+            </a:extLst>
+          </p:cNvPr>
+          <p:cNvPicPr>
+            <a:picLocks noChangeAspect="1"/>
+          </p:cNvPicPr>
+          <p:nvPr/>
+        </p:nvPicPr>
+        <p:blipFill>
+          <a:blip r:embed="rId3"/>
+          <a:stretch>
+            <a:fillRect/>
+          </a:stretch>
+        </p:blipFill>
+        <p:spPr>
+          <a:xfrm>
+            <a:off x="573798" y="666638"/>
+            <a:ext cx="6612348" cy="3095378"/>
+          </a:xfrm>
+          <a:prstGeom prst="rect">
+            <a:avLst/>
+          </a:prstGeom>
+        </p:spPr>
+      </p:pic>
     </p:spTree>
     <p:extLst>
       <p:ext uri="{BB962C8B-B14F-4D97-AF65-F5344CB8AC3E}">
@@ -3763,10 +5382,635 @@
 </p:sld>
 </file>
 
+<file path=ppt/slides/slide5.xml><?xml version="1.0" encoding="utf-8"?>
+<p:sld xmlns:a="http://schemas.openxmlformats.org/drawingml/2006/main" xmlns:r="http://schemas.openxmlformats.org/officeDocument/2006/relationships" xmlns:p="http://schemas.openxmlformats.org/presentationml/2006/main">
+  <p:cSld>
+    <p:spTree>
+      <p:nvGrpSpPr>
+        <p:cNvPr id="1" name=""/>
+        <p:cNvGrpSpPr/>
+        <p:nvPr/>
+      </p:nvGrpSpPr>
+      <p:grpSpPr>
+        <a:xfrm>
+          <a:off x="0" y="0"/>
+          <a:ext cx="0" cy="0"/>
+          <a:chOff x="0" y="0"/>
+          <a:chExt cx="0" cy="0"/>
+        </a:xfrm>
+      </p:grpSpPr>
+      <p:sp>
+        <p:nvSpPr>
+          <p:cNvPr id="2" name="Заголовок 1">
+            <a:extLst>
+              <a:ext uri="{FF2B5EF4-FFF2-40B4-BE49-F238E27FC236}">
+                <a16:creationId xmlns:a16="http://schemas.microsoft.com/office/drawing/2014/main" id="{633ED999-F42C-471D-9A44-0FD7B25625AF}"/>
+              </a:ext>
+            </a:extLst>
+          </p:cNvPr>
+          <p:cNvSpPr>
+            <a:spLocks noGrp="1"/>
+          </p:cNvSpPr>
+          <p:nvPr>
+            <p:ph type="title"/>
+          </p:nvPr>
+        </p:nvSpPr>
+        <p:spPr/>
+        <p:txBody>
+          <a:bodyPr/>
+          <a:lstStyle/>
+          <a:p>
+            <a:endParaRPr lang="ru-RU"/>
+          </a:p>
+        </p:txBody>
+      </p:sp>
+      <p:pic>
+        <p:nvPicPr>
+          <p:cNvPr id="9" name="Объект 8">
+            <a:extLst>
+              <a:ext uri="{FF2B5EF4-FFF2-40B4-BE49-F238E27FC236}">
+                <a16:creationId xmlns:a16="http://schemas.microsoft.com/office/drawing/2014/main" id="{43F08433-74B0-40B3-97DA-1FD73AD475B0}"/>
+              </a:ext>
+            </a:extLst>
+          </p:cNvPr>
+          <p:cNvPicPr>
+            <a:picLocks noGrp="1" noChangeAspect="1"/>
+          </p:cNvPicPr>
+          <p:nvPr>
+            <p:ph idx="1"/>
+          </p:nvPr>
+        </p:nvPicPr>
+        <p:blipFill>
+          <a:blip r:embed="rId2"/>
+          <a:stretch>
+            <a:fillRect/>
+          </a:stretch>
+        </p:blipFill>
+        <p:spPr>
+          <a:xfrm>
+            <a:off x="316932" y="3587719"/>
+            <a:ext cx="5687219" cy="2838846"/>
+          </a:xfrm>
+        </p:spPr>
+      </p:pic>
+      <p:pic>
+        <p:nvPicPr>
+          <p:cNvPr id="5" name="Рисунок 4">
+            <a:extLst>
+              <a:ext uri="{FF2B5EF4-FFF2-40B4-BE49-F238E27FC236}">
+                <a16:creationId xmlns:a16="http://schemas.microsoft.com/office/drawing/2014/main" id="{99427AF6-1946-4573-96B6-0A7F6BA7F986}"/>
+              </a:ext>
+            </a:extLst>
+          </p:cNvPr>
+          <p:cNvPicPr>
+            <a:picLocks noChangeAspect="1"/>
+          </p:cNvPicPr>
+          <p:nvPr/>
+        </p:nvPicPr>
+        <p:blipFill>
+          <a:blip r:embed="rId3"/>
+          <a:stretch>
+            <a:fillRect/>
+          </a:stretch>
+        </p:blipFill>
+        <p:spPr>
+          <a:xfrm>
+            <a:off x="364564" y="166492"/>
+            <a:ext cx="5639587" cy="2791215"/>
+          </a:xfrm>
+          <a:prstGeom prst="rect">
+            <a:avLst/>
+          </a:prstGeom>
+        </p:spPr>
+      </p:pic>
+      <p:pic>
+        <p:nvPicPr>
+          <p:cNvPr id="7" name="Рисунок 6">
+            <a:extLst>
+              <a:ext uri="{FF2B5EF4-FFF2-40B4-BE49-F238E27FC236}">
+                <a16:creationId xmlns:a16="http://schemas.microsoft.com/office/drawing/2014/main" id="{C4B7DF33-FFB4-4100-AC47-C8E3085CA829}"/>
+              </a:ext>
+            </a:extLst>
+          </p:cNvPr>
+          <p:cNvPicPr>
+            <a:picLocks noChangeAspect="1"/>
+          </p:cNvPicPr>
+          <p:nvPr/>
+        </p:nvPicPr>
+        <p:blipFill>
+          <a:blip r:embed="rId4"/>
+          <a:stretch>
+            <a:fillRect/>
+          </a:stretch>
+        </p:blipFill>
+        <p:spPr>
+          <a:xfrm>
+            <a:off x="6380354" y="2281596"/>
+            <a:ext cx="5639587" cy="2819794"/>
+          </a:xfrm>
+          <a:prstGeom prst="rect">
+            <a:avLst/>
+          </a:prstGeom>
+        </p:spPr>
+      </p:pic>
+    </p:spTree>
+    <p:extLst>
+      <p:ext uri="{BB962C8B-B14F-4D97-AF65-F5344CB8AC3E}">
+        <p14:creationId xmlns:p14="http://schemas.microsoft.com/office/powerpoint/2010/main" val="2817781287"/>
+      </p:ext>
+    </p:extLst>
+  </p:cSld>
+  <p:clrMapOvr>
+    <a:masterClrMapping/>
+  </p:clrMapOvr>
+</p:sld>
+</file>
+
+<file path=ppt/slides/slide6.xml><?xml version="1.0" encoding="utf-8"?>
+<p:sld xmlns:a="http://schemas.openxmlformats.org/drawingml/2006/main" xmlns:r="http://schemas.openxmlformats.org/officeDocument/2006/relationships" xmlns:p="http://schemas.openxmlformats.org/presentationml/2006/main">
+  <p:cSld>
+    <p:bg>
+      <p:bgPr>
+        <a:solidFill>
+          <a:schemeClr val="bg1"/>
+        </a:solidFill>
+        <a:effectLst/>
+      </p:bgPr>
+    </p:bg>
+    <p:spTree>
+      <p:nvGrpSpPr>
+        <p:cNvPr id="1" name=""/>
+        <p:cNvGrpSpPr/>
+        <p:nvPr/>
+      </p:nvGrpSpPr>
+      <p:grpSpPr>
+        <a:xfrm>
+          <a:off x="0" y="0"/>
+          <a:ext cx="0" cy="0"/>
+          <a:chOff x="0" y="0"/>
+          <a:chExt cx="0" cy="0"/>
+        </a:xfrm>
+      </p:grpSpPr>
+      <p:sp>
+        <p:nvSpPr>
+          <p:cNvPr id="8" name="Rectangle 7">
+            <a:extLst>
+              <a:ext uri="{FF2B5EF4-FFF2-40B4-BE49-F238E27FC236}">
+                <a16:creationId xmlns:a16="http://schemas.microsoft.com/office/drawing/2014/main" id="{8E7CFAA6-1DBB-43B0-BD82-2FB83CF4E4A4}"/>
+              </a:ext>
+              <a:ext uri="{C183D7F6-B498-43B3-948B-1728B52AA6E4}">
+                <adec:decorative xmlns:adec="http://schemas.microsoft.com/office/drawing/2017/decorative" val="1"/>
+              </a:ext>
+            </a:extLst>
+          </p:cNvPr>
+          <p:cNvSpPr>
+            <a:spLocks noGrp="1" noRot="1" noChangeAspect="1" noMove="1" noResize="1" noEditPoints="1" noAdjustHandles="1" noChangeArrowheads="1" noChangeShapeType="1" noTextEdit="1"/>
+          </p:cNvSpPr>
+          <p:nvPr>
+            <p:extLst>
+              <p:ext uri="{386F3935-93C4-4BCD-93E2-E3B085C9AB24}">
+                <p16:designElem xmlns:p16="http://schemas.microsoft.com/office/powerpoint/2015/main" val="1"/>
+              </p:ext>
+            </p:extLst>
+          </p:nvPr>
+        </p:nvSpPr>
+        <p:spPr>
+          <a:xfrm>
+            <a:off x="0" y="0"/>
+            <a:ext cx="12192000" cy="6858000"/>
+          </a:xfrm>
+          <a:prstGeom prst="rect">
+            <a:avLst/>
+          </a:prstGeom>
+          <a:ln>
+            <a:noFill/>
+          </a:ln>
+        </p:spPr>
+        <p:style>
+          <a:lnRef idx="2">
+            <a:schemeClr val="accent1">
+              <a:shade val="50000"/>
+            </a:schemeClr>
+          </a:lnRef>
+          <a:fillRef idx="1">
+            <a:schemeClr val="accent1"/>
+          </a:fillRef>
+          <a:effectRef idx="0">
+            <a:schemeClr val="accent1"/>
+          </a:effectRef>
+          <a:fontRef idx="minor">
+            <a:schemeClr val="lt1"/>
+          </a:fontRef>
+        </p:style>
+        <p:txBody>
+          <a:bodyPr rtlCol="0" anchor="ctr"/>
+          <a:lstStyle/>
+          <a:p>
+            <a:pPr algn="ctr"/>
+            <a:endParaRPr lang="en-US"/>
+          </a:p>
+        </p:txBody>
+      </p:sp>
+      <p:sp>
+        <p:nvSpPr>
+          <p:cNvPr id="2" name="Заголовок 1">
+            <a:extLst>
+              <a:ext uri="{FF2B5EF4-FFF2-40B4-BE49-F238E27FC236}">
+                <a16:creationId xmlns:a16="http://schemas.microsoft.com/office/drawing/2014/main" id="{1D67D7A8-D066-4CB8-AD10-A5DF9A18D503}"/>
+              </a:ext>
+            </a:extLst>
+          </p:cNvPr>
+          <p:cNvSpPr>
+            <a:spLocks noGrp="1"/>
+          </p:cNvSpPr>
+          <p:nvPr>
+            <p:ph type="title"/>
+          </p:nvPr>
+        </p:nvSpPr>
+        <p:spPr>
+          <a:xfrm>
+            <a:off x="858699" y="639763"/>
+            <a:ext cx="3947998" cy="5492750"/>
+          </a:xfrm>
+        </p:spPr>
+        <p:txBody>
+          <a:bodyPr>
+            <a:normAutofit/>
+          </a:bodyPr>
+          <a:lstStyle/>
+          <a:p>
+            <a:pPr algn="ctr"/>
+            <a:r>
+              <a:rPr lang="ru-RU" sz="4200" dirty="0">
+                <a:solidFill>
+                  <a:srgbClr val="FFFFFF"/>
+                </a:solidFill>
+              </a:rPr>
+              <a:t>Математическая реализация</a:t>
+            </a:r>
+          </a:p>
+        </p:txBody>
+      </p:sp>
+      <p:cxnSp>
+        <p:nvCxnSpPr>
+          <p:cNvPr id="10" name="Straight Connector 9">
+            <a:extLst>
+              <a:ext uri="{FF2B5EF4-FFF2-40B4-BE49-F238E27FC236}">
+                <a16:creationId xmlns:a16="http://schemas.microsoft.com/office/drawing/2014/main" id="{9E13708B-D2E3-41E3-BD49-F910056473ED}"/>
+              </a:ext>
+              <a:ext uri="{C183D7F6-B498-43B3-948B-1728B52AA6E4}">
+                <adec:decorative xmlns:adec="http://schemas.microsoft.com/office/drawing/2017/decorative" val="1"/>
+              </a:ext>
+            </a:extLst>
+          </p:cNvPr>
+          <p:cNvCxnSpPr>
+            <a:cxnSpLocks noGrp="1" noRot="1" noChangeAspect="1" noMove="1" noResize="1" noEditPoints="1" noAdjustHandles="1" noChangeArrowheads="1" noChangeShapeType="1"/>
+          </p:cNvCxnSpPr>
+          <p:nvPr>
+            <p:extLst>
+              <p:ext uri="{386F3935-93C4-4BCD-93E2-E3B085C9AB24}">
+                <p16:designElem xmlns:p16="http://schemas.microsoft.com/office/powerpoint/2015/main" val="1"/>
+              </p:ext>
+            </p:extLst>
+          </p:nvPr>
+        </p:nvCxnSpPr>
+        <p:spPr>
+          <a:xfrm>
+            <a:off x="4971323" y="2211346"/>
+            <a:ext cx="0" cy="2349584"/>
+          </a:xfrm>
+          <a:prstGeom prst="line">
+            <a:avLst/>
+          </a:prstGeom>
+          <a:ln>
+            <a:solidFill>
+              <a:srgbClr val="FFFFFF"/>
+            </a:solidFill>
+          </a:ln>
+        </p:spPr>
+        <p:style>
+          <a:lnRef idx="1">
+            <a:schemeClr val="accent1"/>
+          </a:lnRef>
+          <a:fillRef idx="0">
+            <a:schemeClr val="accent1"/>
+          </a:fillRef>
+          <a:effectRef idx="0">
+            <a:schemeClr val="accent1"/>
+          </a:effectRef>
+          <a:fontRef idx="minor">
+            <a:schemeClr val="tx1"/>
+          </a:fontRef>
+        </p:style>
+      </p:cxnSp>
+      <p:sp>
+        <p:nvSpPr>
+          <p:cNvPr id="4" name="TextBox 3">
+            <a:extLst>
+              <a:ext uri="{FF2B5EF4-FFF2-40B4-BE49-F238E27FC236}">
+                <a16:creationId xmlns:a16="http://schemas.microsoft.com/office/drawing/2014/main" id="{B588C148-5101-48D5-9C75-E5B45EB9273B}"/>
+              </a:ext>
+            </a:extLst>
+          </p:cNvPr>
+          <p:cNvSpPr txBox="1"/>
+          <p:nvPr/>
+        </p:nvSpPr>
+        <p:spPr>
+          <a:xfrm>
+            <a:off x="6664437" y="2967790"/>
+            <a:ext cx="3200396" cy="707886"/>
+          </a:xfrm>
+          <a:prstGeom prst="rect">
+            <a:avLst/>
+          </a:prstGeom>
+          <a:noFill/>
+        </p:spPr>
+        <p:txBody>
+          <a:bodyPr wrap="square" rtlCol="0">
+            <a:spAutoFit/>
+          </a:bodyPr>
+          <a:lstStyle/>
+          <a:p>
+            <a:r>
+              <a:rPr lang="ru-RU" sz="4000" dirty="0"/>
+              <a:t>Формулы</a:t>
+            </a:r>
+          </a:p>
+        </p:txBody>
+      </p:sp>
+    </p:spTree>
+    <p:extLst>
+      <p:ext uri="{BB962C8B-B14F-4D97-AF65-F5344CB8AC3E}">
+        <p14:creationId xmlns:p14="http://schemas.microsoft.com/office/powerpoint/2010/main" val="2668332494"/>
+      </p:ext>
+    </p:extLst>
+  </p:cSld>
+  <p:clrMapOvr>
+    <a:overrideClrMapping bg1="dk1" tx1="lt1" bg2="dk2" tx2="lt2" accent1="accent1" accent2="accent2" accent3="accent3" accent4="accent4" accent5="accent5" accent6="accent6" hlink="hlink" folHlink="folHlink"/>
+  </p:clrMapOvr>
+</p:sld>
+</file>
+
+<file path=ppt/slides/slide7.xml><?xml version="1.0" encoding="utf-8"?>
+<p:sld xmlns:a="http://schemas.openxmlformats.org/drawingml/2006/main" xmlns:r="http://schemas.openxmlformats.org/officeDocument/2006/relationships" xmlns:p="http://schemas.openxmlformats.org/presentationml/2006/main">
+  <p:cSld>
+    <p:bg>
+      <p:bgPr>
+        <a:solidFill>
+          <a:schemeClr val="accent1"/>
+        </a:solidFill>
+        <a:effectLst/>
+      </p:bgPr>
+    </p:bg>
+    <p:spTree>
+      <p:nvGrpSpPr>
+        <p:cNvPr id="1" name=""/>
+        <p:cNvGrpSpPr/>
+        <p:nvPr/>
+      </p:nvGrpSpPr>
+      <p:grpSpPr>
+        <a:xfrm>
+          <a:off x="0" y="0"/>
+          <a:ext cx="0" cy="0"/>
+          <a:chOff x="0" y="0"/>
+          <a:chExt cx="0" cy="0"/>
+        </a:xfrm>
+      </p:grpSpPr>
+      <p:pic>
+        <p:nvPicPr>
+          <p:cNvPr id="1026" name="Picture 2">
+            <a:extLst>
+              <a:ext uri="{FF2B5EF4-FFF2-40B4-BE49-F238E27FC236}">
+                <a16:creationId xmlns:a16="http://schemas.microsoft.com/office/drawing/2014/main" id="{8A61952D-A164-411C-864E-F174C5A6D3DC}"/>
+              </a:ext>
+            </a:extLst>
+          </p:cNvPr>
+          <p:cNvPicPr>
+            <a:picLocks noChangeAspect="1" noChangeArrowheads="1"/>
+          </p:cNvPicPr>
+          <p:nvPr/>
+        </p:nvPicPr>
+        <p:blipFill>
+          <a:blip r:embed="rId2">
+            <a:extLst>
+              <a:ext uri="{28A0092B-C50C-407E-A947-70E740481C1C}">
+                <a14:useLocalDpi xmlns:a14="http://schemas.microsoft.com/office/drawing/2010/main" val="0"/>
+              </a:ext>
+            </a:extLst>
+          </a:blip>
+          <a:stretch>
+            <a:fillRect/>
+          </a:stretch>
+        </p:blipFill>
+        <p:spPr bwMode="auto">
+          <a:xfrm>
+            <a:off x="1180612" y="876639"/>
+            <a:ext cx="9830776" cy="5259465"/>
+          </a:xfrm>
+          <a:prstGeom prst="rect">
+            <a:avLst/>
+          </a:prstGeom>
+          <a:noFill/>
+          <a:extLst>
+            <a:ext uri="{909E8E84-426E-40DD-AFC4-6F175D3DCCD1}">
+              <a14:hiddenFill xmlns:a14="http://schemas.microsoft.com/office/drawing/2010/main">
+                <a:solidFill>
+                  <a:srgbClr val="FFFFFF"/>
+                </a:solidFill>
+              </a14:hiddenFill>
+            </a:ext>
+          </a:extLst>
+        </p:spPr>
+      </p:pic>
+    </p:spTree>
+    <p:extLst>
+      <p:ext uri="{BB962C8B-B14F-4D97-AF65-F5344CB8AC3E}">
+        <p14:creationId xmlns:p14="http://schemas.microsoft.com/office/powerpoint/2010/main" val="4265093028"/>
+      </p:ext>
+    </p:extLst>
+  </p:cSld>
+  <p:clrMapOvr>
+    <a:masterClrMapping/>
+  </p:clrMapOvr>
+</p:sld>
+</file>
+
+<file path=ppt/slides/slide8.xml><?xml version="1.0" encoding="utf-8"?>
+<p:sld xmlns:a="http://schemas.openxmlformats.org/drawingml/2006/main" xmlns:r="http://schemas.openxmlformats.org/officeDocument/2006/relationships" xmlns:p="http://schemas.openxmlformats.org/presentationml/2006/main">
+  <p:cSld>
+    <p:bg>
+      <p:bgPr>
+        <a:solidFill>
+          <a:schemeClr val="accent1"/>
+        </a:solidFill>
+        <a:effectLst/>
+      </p:bgPr>
+    </p:bg>
+    <p:spTree>
+      <p:nvGrpSpPr>
+        <p:cNvPr id="1" name=""/>
+        <p:cNvGrpSpPr/>
+        <p:nvPr/>
+      </p:nvGrpSpPr>
+      <p:grpSpPr>
+        <a:xfrm>
+          <a:off x="0" y="0"/>
+          <a:ext cx="0" cy="0"/>
+          <a:chOff x="0" y="0"/>
+          <a:chExt cx="0" cy="0"/>
+        </a:xfrm>
+      </p:grpSpPr>
+      <p:pic>
+        <p:nvPicPr>
+          <p:cNvPr id="5" name="Picture 8">
+            <a:extLst>
+              <a:ext uri="{FF2B5EF4-FFF2-40B4-BE49-F238E27FC236}">
+                <a16:creationId xmlns:a16="http://schemas.microsoft.com/office/drawing/2014/main" id="{2F9D8790-F920-444D-91BC-3D098BD66C02}"/>
+              </a:ext>
+            </a:extLst>
+          </p:cNvPr>
+          <p:cNvPicPr>
+            <a:picLocks noGrp="1" noChangeAspect="1" noChangeArrowheads="1"/>
+          </p:cNvPicPr>
+          <p:nvPr>
+            <p:ph idx="1"/>
+          </p:nvPr>
+        </p:nvPicPr>
+        <p:blipFill>
+          <a:blip r:embed="rId2">
+            <a:extLst>
+              <a:ext uri="{28A0092B-C50C-407E-A947-70E740481C1C}">
+                <a14:useLocalDpi xmlns:a14="http://schemas.microsoft.com/office/drawing/2010/main" val="0"/>
+              </a:ext>
+            </a:extLst>
+          </a:blip>
+          <a:stretch>
+            <a:fillRect/>
+          </a:stretch>
+        </p:blipFill>
+        <p:spPr bwMode="auto">
+          <a:xfrm>
+            <a:off x="685544" y="1536818"/>
+            <a:ext cx="10820912" cy="3784363"/>
+          </a:xfrm>
+          <a:prstGeom prst="rect">
+            <a:avLst/>
+          </a:prstGeom>
+          <a:noFill/>
+          <a:extLst>
+            <a:ext uri="{909E8E84-426E-40DD-AFC4-6F175D3DCCD1}">
+              <a14:hiddenFill xmlns:a14="http://schemas.microsoft.com/office/drawing/2010/main">
+                <a:solidFill>
+                  <a:srgbClr val="FFFFFF"/>
+                </a:solidFill>
+              </a14:hiddenFill>
+            </a:ext>
+          </a:extLst>
+        </p:spPr>
+      </p:pic>
+    </p:spTree>
+    <p:extLst>
+      <p:ext uri="{BB962C8B-B14F-4D97-AF65-F5344CB8AC3E}">
+        <p14:creationId xmlns:p14="http://schemas.microsoft.com/office/powerpoint/2010/main" val="3791625470"/>
+      </p:ext>
+    </p:extLst>
+  </p:cSld>
+  <p:clrMapOvr>
+    <a:masterClrMapping/>
+  </p:clrMapOvr>
+</p:sld>
+</file>
+
+<file path=ppt/slides/slide9.xml><?xml version="1.0" encoding="utf-8"?>
+<p:sld xmlns:a="http://schemas.openxmlformats.org/drawingml/2006/main" xmlns:r="http://schemas.openxmlformats.org/officeDocument/2006/relationships" xmlns:p="http://schemas.openxmlformats.org/presentationml/2006/main">
+  <p:cSld>
+    <p:bg>
+      <p:bgPr>
+        <a:solidFill>
+          <a:schemeClr val="accent1"/>
+        </a:solidFill>
+        <a:effectLst/>
+      </p:bgPr>
+    </p:bg>
+    <p:spTree>
+      <p:nvGrpSpPr>
+        <p:cNvPr id="1" name=""/>
+        <p:cNvGrpSpPr/>
+        <p:nvPr/>
+      </p:nvGrpSpPr>
+      <p:grpSpPr>
+        <a:xfrm>
+          <a:off x="0" y="0"/>
+          <a:ext cx="0" cy="0"/>
+          <a:chOff x="0" y="0"/>
+          <a:chExt cx="0" cy="0"/>
+        </a:xfrm>
+      </p:grpSpPr>
+      <p:pic>
+        <p:nvPicPr>
+          <p:cNvPr id="4" name="Picture 6">
+            <a:extLst>
+              <a:ext uri="{FF2B5EF4-FFF2-40B4-BE49-F238E27FC236}">
+                <a16:creationId xmlns:a16="http://schemas.microsoft.com/office/drawing/2014/main" id="{13961525-E6CA-4448-ABDF-0D59AEF97B7F}"/>
+              </a:ext>
+            </a:extLst>
+          </p:cNvPr>
+          <p:cNvPicPr>
+            <a:picLocks noGrp="1" noChangeAspect="1" noChangeArrowheads="1"/>
+          </p:cNvPicPr>
+          <p:nvPr>
+            <p:ph idx="1"/>
+          </p:nvPr>
+        </p:nvPicPr>
+        <p:blipFill>
+          <a:blip r:embed="rId2">
+            <a:extLst>
+              <a:ext uri="{28A0092B-C50C-407E-A947-70E740481C1C}">
+                <a14:useLocalDpi xmlns:a14="http://schemas.microsoft.com/office/drawing/2010/main" val="0"/>
+              </a:ext>
+            </a:extLst>
+          </a:blip>
+          <a:stretch>
+            <a:fillRect/>
+          </a:stretch>
+        </p:blipFill>
+        <p:spPr bwMode="auto">
+          <a:xfrm>
+            <a:off x="779375" y="2432132"/>
+            <a:ext cx="10633249" cy="1993735"/>
+          </a:xfrm>
+          <a:prstGeom prst="rect">
+            <a:avLst/>
+          </a:prstGeom>
+          <a:noFill/>
+          <a:extLst>
+            <a:ext uri="{909E8E84-426E-40DD-AFC4-6F175D3DCCD1}">
+              <a14:hiddenFill xmlns:a14="http://schemas.microsoft.com/office/drawing/2010/main">
+                <a:solidFill>
+                  <a:srgbClr val="FFFFFF"/>
+                </a:solidFill>
+              </a14:hiddenFill>
+            </a:ext>
+          </a:extLst>
+        </p:spPr>
+      </p:pic>
+    </p:spTree>
+    <p:extLst>
+      <p:ext uri="{BB962C8B-B14F-4D97-AF65-F5344CB8AC3E}">
+        <p14:creationId xmlns:p14="http://schemas.microsoft.com/office/powerpoint/2010/main" val="2964445635"/>
+      </p:ext>
+    </p:extLst>
+  </p:cSld>
+  <p:clrMapOvr>
+    <a:masterClrMapping/>
+  </p:clrMapOvr>
+</p:sld>
+</file>
+
 <file path=ppt/theme/theme1.xml><?xml version="1.0" encoding="utf-8"?>
-<a:theme xmlns:a="http://schemas.openxmlformats.org/drawingml/2006/main" name="Тема Office">
+<a:theme xmlns:a="http://schemas.openxmlformats.org/drawingml/2006/main" name="Метрополия">
   <a:themeElements>
-    <a:clrScheme name="Стандартная">
+    <a:clrScheme name="Метрополия">
       <a:dk1>
         <a:sysClr val="windowText" lastClr="000000"/>
       </a:dk1>
@@ -3774,44 +6018,44 @@
         <a:sysClr val="window" lastClr="FFFFFF"/>
       </a:lt1>
       <a:dk2>
-        <a:srgbClr val="44546A"/>
+        <a:srgbClr val="471101"/>
       </a:dk2>
       <a:lt2>
-        <a:srgbClr val="E7E6E6"/>
+        <a:srgbClr val="E7E8E2"/>
       </a:lt2>
       <a:accent1>
-        <a:srgbClr val="4472C4"/>
+        <a:srgbClr val="A6B727"/>
       </a:accent1>
       <a:accent2>
-        <a:srgbClr val="ED7D31"/>
+        <a:srgbClr val="F04304"/>
       </a:accent2>
       <a:accent3>
-        <a:srgbClr val="A5A5A5"/>
+        <a:srgbClr val="EF8606"/>
       </a:accent3>
       <a:accent4>
-        <a:srgbClr val="FFC000"/>
+        <a:srgbClr val="F2C100"/>
       </a:accent4>
       <a:accent5>
-        <a:srgbClr val="5B9BD5"/>
+        <a:srgbClr val="A65001"/>
       </a:accent5>
       <a:accent6>
-        <a:srgbClr val="70AD47"/>
+        <a:srgbClr val="BA9585"/>
       </a:accent6>
       <a:hlink>
-        <a:srgbClr val="0563C1"/>
+        <a:srgbClr val="00B0F0"/>
       </a:hlink>
       <a:folHlink>
-        <a:srgbClr val="954F72"/>
+        <a:srgbClr val="7F7F7F"/>
       </a:folHlink>
     </a:clrScheme>
-    <a:fontScheme name="Стандартная">
+    <a:fontScheme name="Метрополия">
       <a:majorFont>
         <a:latin typeface="Calibri Light" panose="020F0302020204030204"/>
         <a:ea typeface=""/>
         <a:cs typeface=""/>
-        <a:font script="Jpan" typeface="游ゴシック Light"/>
+        <a:font script="Jpan" typeface="ＭＳ Ｐゴシック"/>
         <a:font script="Hang" typeface="맑은 고딕"/>
-        <a:font script="Hans" typeface="等线 Light"/>
+        <a:font script="Hans" typeface="宋体"/>
         <a:font script="Hant" typeface="新細明體"/>
         <a:font script="Arab" typeface="Times New Roman"/>
         <a:font script="Hebr" typeface="Times New Roman"/>
@@ -3839,39 +6083,22 @@
         <a:font script="Viet" typeface="Times New Roman"/>
         <a:font script="Uigh" typeface="Microsoft Uighur"/>
         <a:font script="Geor" typeface="Sylfaen"/>
-        <a:font script="Armn" typeface="Arial"/>
-        <a:font script="Bugi" typeface="Leelawadee UI"/>
-        <a:font script="Bopo" typeface="Microsoft JhengHei"/>
-        <a:font script="Java" typeface="Javanese Text"/>
-        <a:font script="Lisu" typeface="Segoe UI"/>
-        <a:font script="Mymr" typeface="Myanmar Text"/>
-        <a:font script="Nkoo" typeface="Ebrima"/>
-        <a:font script="Olck" typeface="Nirmala UI"/>
-        <a:font script="Osma" typeface="Ebrima"/>
-        <a:font script="Phag" typeface="Phagspa"/>
-        <a:font script="Syrn" typeface="Estrangelo Edessa"/>
-        <a:font script="Syrj" typeface="Estrangelo Edessa"/>
-        <a:font script="Syre" typeface="Estrangelo Edessa"/>
-        <a:font script="Sora" typeface="Nirmala UI"/>
-        <a:font script="Tale" typeface="Microsoft Tai Le"/>
-        <a:font script="Talu" typeface="Microsoft New Tai Lue"/>
-        <a:font script="Tfng" typeface="Ebrima"/>
       </a:majorFont>
       <a:minorFont>
-        <a:latin typeface="Calibri" panose="020F0502020204030204"/>
+        <a:latin typeface="Calibri Light" panose="020F0302020204030204"/>
         <a:ea typeface=""/>
         <a:cs typeface=""/>
-        <a:font script="Jpan" typeface="游ゴシック"/>
+        <a:font script="Jpan" typeface="ＭＳ Ｐゴシック"/>
         <a:font script="Hang" typeface="맑은 고딕"/>
-        <a:font script="Hans" typeface="等线"/>
+        <a:font script="Hans" typeface="宋体"/>
         <a:font script="Hant" typeface="新細明體"/>
-        <a:font script="Arab" typeface="Arial"/>
-        <a:font script="Hebr" typeface="Arial"/>
-        <a:font script="Thai" typeface="Cordia New"/>
+        <a:font script="Arab" typeface="Times New Roman"/>
+        <a:font script="Hebr" typeface="Times New Roman"/>
+        <a:font script="Thai" typeface="Angsana New"/>
         <a:font script="Ethi" typeface="Nyala"/>
         <a:font script="Beng" typeface="Vrinda"/>
         <a:font script="Gujr" typeface="Shruti"/>
-        <a:font script="Khmr" typeface="DaunPenh"/>
+        <a:font script="Khmr" typeface="MoolBoran"/>
         <a:font script="Knda" typeface="Tunga"/>
         <a:font script="Guru" typeface="Raavi"/>
         <a:font script="Cans" typeface="Euphemia"/>
@@ -3888,29 +6115,12 @@
         <a:font script="Laoo" typeface="DokChampa"/>
         <a:font script="Sinh" typeface="Iskoola Pota"/>
         <a:font script="Mong" typeface="Mongolian Baiti"/>
-        <a:font script="Viet" typeface="Arial"/>
+        <a:font script="Viet" typeface="Times New Roman"/>
         <a:font script="Uigh" typeface="Microsoft Uighur"/>
         <a:font script="Geor" typeface="Sylfaen"/>
-        <a:font script="Armn" typeface="Arial"/>
-        <a:font script="Bugi" typeface="Leelawadee UI"/>
-        <a:font script="Bopo" typeface="Microsoft JhengHei"/>
-        <a:font script="Java" typeface="Javanese Text"/>
-        <a:font script="Lisu" typeface="Segoe UI"/>
-        <a:font script="Mymr" typeface="Myanmar Text"/>
-        <a:font script="Nkoo" typeface="Ebrima"/>
-        <a:font script="Olck" typeface="Nirmala UI"/>
-        <a:font script="Osma" typeface="Ebrima"/>
-        <a:font script="Phag" typeface="Phagspa"/>
-        <a:font script="Syrn" typeface="Estrangelo Edessa"/>
-        <a:font script="Syrj" typeface="Estrangelo Edessa"/>
-        <a:font script="Syre" typeface="Estrangelo Edessa"/>
-        <a:font script="Sora" typeface="Nirmala UI"/>
-        <a:font script="Tale" typeface="Microsoft Tai Le"/>
-        <a:font script="Talu" typeface="Microsoft New Tai Lue"/>
-        <a:font script="Tfng" typeface="Ebrima"/>
       </a:minorFont>
     </a:fontScheme>
-    <a:fmtScheme name="Стандартная">
+    <a:fmtScheme name="Метрополия">
       <a:fillStyleLst>
         <a:solidFill>
           <a:schemeClr val="phClr"/>
@@ -3919,76 +6129,73 @@
           <a:gsLst>
             <a:gs pos="0">
               <a:schemeClr val="phClr">
+                <a:tint val="70000"/>
+                <a:satMod val="100000"/>
                 <a:lumMod val="110000"/>
-                <a:satMod val="105000"/>
-                <a:tint val="67000"/>
               </a:schemeClr>
             </a:gs>
             <a:gs pos="50000">
               <a:schemeClr val="phClr">
+                <a:tint val="75000"/>
+                <a:satMod val="101000"/>
                 <a:lumMod val="105000"/>
-                <a:satMod val="103000"/>
-                <a:tint val="73000"/>
               </a:schemeClr>
             </a:gs>
             <a:gs pos="100000">
               <a:schemeClr val="phClr">
+                <a:tint val="82000"/>
+                <a:satMod val="104000"/>
                 <a:lumMod val="105000"/>
-                <a:satMod val="109000"/>
-                <a:tint val="81000"/>
               </a:schemeClr>
             </a:gs>
           </a:gsLst>
-          <a:lin ang="5400000" scaled="0"/>
+          <a:lin ang="2700000" scaled="0"/>
         </a:gradFill>
         <a:gradFill rotWithShape="1">
           <a:gsLst>
             <a:gs pos="0">
               <a:schemeClr val="phClr">
-                <a:satMod val="103000"/>
+                <a:tint val="97000"/>
+                <a:satMod val="100000"/>
                 <a:lumMod val="102000"/>
-                <a:tint val="94000"/>
               </a:schemeClr>
             </a:gs>
             <a:gs pos="50000">
               <a:schemeClr val="phClr">
-                <a:satMod val="110000"/>
+                <a:shade val="100000"/>
+                <a:satMod val="100000"/>
                 <a:lumMod val="100000"/>
-                <a:shade val="100000"/>
               </a:schemeClr>
             </a:gs>
             <a:gs pos="100000">
               <a:schemeClr val="phClr">
+                <a:shade val="80000"/>
+                <a:satMod val="100000"/>
                 <a:lumMod val="99000"/>
-                <a:satMod val="120000"/>
-                <a:shade val="78000"/>
               </a:schemeClr>
             </a:gs>
           </a:gsLst>
-          <a:lin ang="5400000" scaled="0"/>
+          <a:lin ang="2700000" scaled="0"/>
         </a:gradFill>
       </a:fillStyleLst>
       <a:lnStyleLst>
-        <a:ln w="6350" cap="flat" cmpd="sng" algn="ctr">
+        <a:ln w="9525" cap="flat" cmpd="sng" algn="ctr">
           <a:solidFill>
             <a:schemeClr val="phClr"/>
           </a:solidFill>
           <a:prstDash val="solid"/>
-          <a:miter lim="800000"/>
         </a:ln>
         <a:ln w="12700" cap="flat" cmpd="sng" algn="ctr">
           <a:solidFill>
             <a:schemeClr val="phClr"/>
           </a:solidFill>
           <a:prstDash val="solid"/>
-          <a:miter lim="800000"/>
         </a:ln>
         <a:ln w="19050" cap="flat" cmpd="sng" algn="ctr">
           <a:solidFill>
             <a:schemeClr val="phClr"/>
           </a:solidFill>
           <a:prstDash val="solid"/>
-          <a:miter lim="800000"/>
         </a:ln>
       </a:lnStyleLst>
       <a:effectStyleLst>
@@ -4018,33 +6225,12 @@
             <a:satMod val="170000"/>
           </a:schemeClr>
         </a:solidFill>
-        <a:gradFill rotWithShape="1">
-          <a:gsLst>
-            <a:gs pos="0">
-              <a:schemeClr val="phClr">
-                <a:tint val="93000"/>
-                <a:satMod val="150000"/>
-                <a:shade val="98000"/>
-                <a:lumMod val="102000"/>
-              </a:schemeClr>
-            </a:gs>
-            <a:gs pos="50000">
-              <a:schemeClr val="phClr">
-                <a:tint val="98000"/>
-                <a:satMod val="130000"/>
-                <a:shade val="90000"/>
-                <a:lumMod val="103000"/>
-              </a:schemeClr>
-            </a:gs>
-            <a:gs pos="100000">
-              <a:schemeClr val="phClr">
-                <a:shade val="63000"/>
-                <a:satMod val="120000"/>
-              </a:schemeClr>
-            </a:gs>
-          </a:gsLst>
-          <a:lin ang="5400000" scaled="0"/>
-        </a:gradFill>
+        <a:solidFill>
+          <a:schemeClr val="phClr">
+            <a:shade val="95000"/>
+            <a:satMod val="170000"/>
+          </a:schemeClr>
+        </a:solidFill>
       </a:bgFillStyleLst>
     </a:fmtScheme>
   </a:themeElements>
@@ -4052,7 +6238,7 @@
   <a:extraClrSchemeLst/>
   <a:extLst>
     <a:ext uri="{05A4C25C-085E-4340-85A3-A5531E510DB2}">
-      <thm15:themeFamily xmlns:thm15="http://schemas.microsoft.com/office/thememl/2012/main" name="Office Theme" id="{62F939B6-93AF-4DB8-9C6B-D6C7DFDC589F}" vid="{4A3C46E8-61CC-4603-A589-7422A47A8E4A}"/>
+      <thm15:themeFamily xmlns:thm15="http://schemas.microsoft.com/office/thememl/2012/main" name="Metropolitan" id="{4C5440D6-04D2-4954-96CF-F251137069B2}" vid="{3A8A2BB7-7C5E-4EB2-B1F1-CFFF0F57E773}"/>
     </a:ext>
   </a:extLst>
 </a:theme>
